--- a/Case-Study.pptx
+++ b/Case-Study.pptx
@@ -7,10 +7,11 @@
   <p:sldIdLst>
     <p:sldId id="262" r:id="rId2"/>
     <p:sldId id="260" r:id="rId3"/>
-    <p:sldId id="264" r:id="rId4"/>
-    <p:sldId id="258" r:id="rId5"/>
-    <p:sldId id="259" r:id="rId6"/>
-    <p:sldId id="263" r:id="rId7"/>
+    <p:sldId id="266" r:id="rId4"/>
+    <p:sldId id="265" r:id="rId5"/>
+    <p:sldId id="264" r:id="rId6"/>
+    <p:sldId id="259" r:id="rId7"/>
+    <p:sldId id="263" r:id="rId8"/>
   </p:sldIdLst>
   <p:sldSz cx="12192000" cy="6858000"/>
   <p:notesSz cx="6858000" cy="9144000"/>
@@ -115,6 +116,4085 @@
     </p:ext>
   </p:extLst>
 </p:presentation>
+</file>
+
+<file path=ppt/diagrams/colors1.xml><?xml version="1.0" encoding="utf-8"?>
+<dgm:colorsDef xmlns:dgm="http://schemas.openxmlformats.org/drawingml/2006/diagram" xmlns:a="http://schemas.openxmlformats.org/drawingml/2006/main" uniqueId="urn:microsoft.com/office/officeart/2005/8/colors/accent0_3">
+  <dgm:title val=""/>
+  <dgm:desc val=""/>
+  <dgm:catLst>
+    <dgm:cat type="mainScheme" pri="10300"/>
+  </dgm:catLst>
+  <dgm:styleLbl name="node0">
+    <dgm:fillClrLst meth="repeat">
+      <a:schemeClr val="dk2"/>
+    </dgm:fillClrLst>
+    <dgm:linClrLst meth="repeat">
+      <a:schemeClr val="lt2"/>
+    </dgm:linClrLst>
+    <dgm:effectClrLst/>
+    <dgm:txLinClrLst/>
+    <dgm:txFillClrLst/>
+    <dgm:txEffectClrLst/>
+  </dgm:styleLbl>
+  <dgm:styleLbl name="alignNode1">
+    <dgm:fillClrLst meth="repeat">
+      <a:schemeClr val="dk2"/>
+    </dgm:fillClrLst>
+    <dgm:linClrLst meth="repeat">
+      <a:schemeClr val="dk2"/>
+    </dgm:linClrLst>
+    <dgm:effectClrLst/>
+    <dgm:txLinClrLst/>
+    <dgm:txFillClrLst/>
+    <dgm:txEffectClrLst/>
+  </dgm:styleLbl>
+  <dgm:styleLbl name="node1">
+    <dgm:fillClrLst meth="repeat">
+      <a:schemeClr val="dk2"/>
+    </dgm:fillClrLst>
+    <dgm:linClrLst meth="repeat">
+      <a:schemeClr val="lt2"/>
+    </dgm:linClrLst>
+    <dgm:effectClrLst/>
+    <dgm:txLinClrLst/>
+    <dgm:txFillClrLst/>
+    <dgm:txEffectClrLst/>
+  </dgm:styleLbl>
+  <dgm:styleLbl name="lnNode1">
+    <dgm:fillClrLst meth="repeat">
+      <a:schemeClr val="dk2"/>
+    </dgm:fillClrLst>
+    <dgm:linClrLst meth="repeat">
+      <a:schemeClr val="lt2"/>
+    </dgm:linClrLst>
+    <dgm:effectClrLst/>
+    <dgm:txLinClrLst/>
+    <dgm:txFillClrLst/>
+    <dgm:txEffectClrLst/>
+  </dgm:styleLbl>
+  <dgm:styleLbl name="vennNode1">
+    <dgm:fillClrLst meth="repeat">
+      <a:schemeClr val="dk2">
+        <a:alpha val="50000"/>
+      </a:schemeClr>
+    </dgm:fillClrLst>
+    <dgm:linClrLst meth="repeat">
+      <a:schemeClr val="lt2"/>
+    </dgm:linClrLst>
+    <dgm:effectClrLst/>
+    <dgm:txLinClrLst/>
+    <dgm:txFillClrLst/>
+    <dgm:txEffectClrLst/>
+  </dgm:styleLbl>
+  <dgm:styleLbl name="node2">
+    <dgm:fillClrLst meth="repeat">
+      <a:schemeClr val="dk2"/>
+    </dgm:fillClrLst>
+    <dgm:linClrLst meth="repeat">
+      <a:schemeClr val="lt2"/>
+    </dgm:linClrLst>
+    <dgm:effectClrLst/>
+    <dgm:txLinClrLst/>
+    <dgm:txFillClrLst/>
+    <dgm:txEffectClrLst/>
+  </dgm:styleLbl>
+  <dgm:styleLbl name="node3">
+    <dgm:fillClrLst meth="repeat">
+      <a:schemeClr val="dk2"/>
+    </dgm:fillClrLst>
+    <dgm:linClrLst meth="repeat">
+      <a:schemeClr val="lt2"/>
+    </dgm:linClrLst>
+    <dgm:effectClrLst/>
+    <dgm:txLinClrLst/>
+    <dgm:txFillClrLst/>
+    <dgm:txEffectClrLst/>
+  </dgm:styleLbl>
+  <dgm:styleLbl name="node4">
+    <dgm:fillClrLst meth="repeat">
+      <a:schemeClr val="dk2"/>
+    </dgm:fillClrLst>
+    <dgm:linClrLst meth="repeat">
+      <a:schemeClr val="lt2"/>
+    </dgm:linClrLst>
+    <dgm:effectClrLst/>
+    <dgm:txLinClrLst/>
+    <dgm:txFillClrLst/>
+    <dgm:txEffectClrLst/>
+  </dgm:styleLbl>
+  <dgm:styleLbl name="fgImgPlace1">
+    <dgm:fillClrLst meth="repeat">
+      <a:schemeClr val="dk2">
+        <a:tint val="50000"/>
+      </a:schemeClr>
+    </dgm:fillClrLst>
+    <dgm:linClrLst meth="repeat">
+      <a:schemeClr val="lt2"/>
+    </dgm:linClrLst>
+    <dgm:effectClrLst/>
+    <dgm:txLinClrLst/>
+    <dgm:txFillClrLst meth="repeat">
+      <a:schemeClr val="lt2"/>
+    </dgm:txFillClrLst>
+    <dgm:txEffectClrLst/>
+  </dgm:styleLbl>
+  <dgm:styleLbl name="alignImgPlace1">
+    <dgm:fillClrLst meth="repeat">
+      <a:schemeClr val="dk2">
+        <a:tint val="50000"/>
+      </a:schemeClr>
+    </dgm:fillClrLst>
+    <dgm:linClrLst meth="repeat">
+      <a:schemeClr val="dk2">
+        <a:shade val="80000"/>
+      </a:schemeClr>
+    </dgm:linClrLst>
+    <dgm:effectClrLst/>
+    <dgm:txLinClrLst/>
+    <dgm:txFillClrLst meth="repeat">
+      <a:schemeClr val="lt2"/>
+    </dgm:txFillClrLst>
+    <dgm:txEffectClrLst/>
+  </dgm:styleLbl>
+  <dgm:styleLbl name="bgImgPlace1">
+    <dgm:fillClrLst meth="repeat">
+      <a:schemeClr val="dk2">
+        <a:tint val="50000"/>
+      </a:schemeClr>
+    </dgm:fillClrLst>
+    <dgm:linClrLst meth="repeat">
+      <a:schemeClr val="dk2">
+        <a:shade val="80000"/>
+      </a:schemeClr>
+    </dgm:linClrLst>
+    <dgm:effectClrLst/>
+    <dgm:txLinClrLst/>
+    <dgm:txFillClrLst meth="repeat">
+      <a:schemeClr val="lt2"/>
+    </dgm:txFillClrLst>
+    <dgm:txEffectClrLst/>
+  </dgm:styleLbl>
+  <dgm:styleLbl name="sibTrans2D1">
+    <dgm:fillClrLst meth="repeat">
+      <a:schemeClr val="dk2">
+        <a:tint val="60000"/>
+      </a:schemeClr>
+    </dgm:fillClrLst>
+    <dgm:linClrLst meth="repeat">
+      <a:schemeClr val="dk2">
+        <a:tint val="60000"/>
+      </a:schemeClr>
+    </dgm:linClrLst>
+    <dgm:effectClrLst/>
+    <dgm:txLinClrLst/>
+    <dgm:txFillClrLst/>
+    <dgm:txEffectClrLst/>
+  </dgm:styleLbl>
+  <dgm:styleLbl name="fgSibTrans2D1">
+    <dgm:fillClrLst meth="repeat">
+      <a:schemeClr val="dk2">
+        <a:tint val="60000"/>
+      </a:schemeClr>
+    </dgm:fillClrLst>
+    <dgm:linClrLst meth="repeat">
+      <a:schemeClr val="dk2">
+        <a:tint val="60000"/>
+      </a:schemeClr>
+    </dgm:linClrLst>
+    <dgm:effectClrLst/>
+    <dgm:txLinClrLst/>
+    <dgm:txFillClrLst/>
+    <dgm:txEffectClrLst/>
+  </dgm:styleLbl>
+  <dgm:styleLbl name="bgSibTrans2D1">
+    <dgm:fillClrLst meth="repeat">
+      <a:schemeClr val="dk2">
+        <a:tint val="60000"/>
+      </a:schemeClr>
+    </dgm:fillClrLst>
+    <dgm:linClrLst meth="repeat">
+      <a:schemeClr val="dk2">
+        <a:tint val="60000"/>
+      </a:schemeClr>
+    </dgm:linClrLst>
+    <dgm:effectClrLst/>
+    <dgm:txLinClrLst/>
+    <dgm:txFillClrLst/>
+    <dgm:txEffectClrLst/>
+  </dgm:styleLbl>
+  <dgm:styleLbl name="sibTrans1D1">
+    <dgm:fillClrLst meth="repeat">
+      <a:schemeClr val="dk2"/>
+    </dgm:fillClrLst>
+    <dgm:linClrLst meth="repeat">
+      <a:schemeClr val="dk2"/>
+    </dgm:linClrLst>
+    <dgm:effectClrLst/>
+    <dgm:txLinClrLst/>
+    <dgm:txFillClrLst meth="repeat">
+      <a:schemeClr val="lt2"/>
+    </dgm:txFillClrLst>
+    <dgm:txEffectClrLst/>
+  </dgm:styleLbl>
+  <dgm:styleLbl name="callout">
+    <dgm:fillClrLst meth="repeat">
+      <a:schemeClr val="dk2"/>
+    </dgm:fillClrLst>
+    <dgm:linClrLst meth="repeat">
+      <a:schemeClr val="dk2">
+        <a:tint val="50000"/>
+      </a:schemeClr>
+    </dgm:linClrLst>
+    <dgm:effectClrLst/>
+    <dgm:txLinClrLst/>
+    <dgm:txFillClrLst meth="repeat">
+      <a:schemeClr val="lt2"/>
+    </dgm:txFillClrLst>
+    <dgm:txEffectClrLst/>
+  </dgm:styleLbl>
+  <dgm:styleLbl name="asst0">
+    <dgm:fillClrLst meth="repeat">
+      <a:schemeClr val="dk2"/>
+    </dgm:fillClrLst>
+    <dgm:linClrLst meth="repeat">
+      <a:schemeClr val="lt2"/>
+    </dgm:linClrLst>
+    <dgm:effectClrLst/>
+    <dgm:txLinClrLst/>
+    <dgm:txFillClrLst/>
+    <dgm:txEffectClrLst/>
+  </dgm:styleLbl>
+  <dgm:styleLbl name="asst1">
+    <dgm:fillClrLst meth="repeat">
+      <a:schemeClr val="dk2"/>
+    </dgm:fillClrLst>
+    <dgm:linClrLst meth="repeat">
+      <a:schemeClr val="lt2"/>
+    </dgm:linClrLst>
+    <dgm:effectClrLst/>
+    <dgm:txLinClrLst/>
+    <dgm:txFillClrLst/>
+    <dgm:txEffectClrLst/>
+  </dgm:styleLbl>
+  <dgm:styleLbl name="asst2">
+    <dgm:fillClrLst meth="repeat">
+      <a:schemeClr val="dk2"/>
+    </dgm:fillClrLst>
+    <dgm:linClrLst meth="repeat">
+      <a:schemeClr val="lt2"/>
+    </dgm:linClrLst>
+    <dgm:effectClrLst/>
+    <dgm:txLinClrLst/>
+    <dgm:txFillClrLst/>
+    <dgm:txEffectClrLst/>
+  </dgm:styleLbl>
+  <dgm:styleLbl name="asst3">
+    <dgm:fillClrLst meth="repeat">
+      <a:schemeClr val="dk2"/>
+    </dgm:fillClrLst>
+    <dgm:linClrLst meth="repeat">
+      <a:schemeClr val="lt2"/>
+    </dgm:linClrLst>
+    <dgm:effectClrLst/>
+    <dgm:txLinClrLst/>
+    <dgm:txFillClrLst/>
+    <dgm:txEffectClrLst/>
+  </dgm:styleLbl>
+  <dgm:styleLbl name="asst4">
+    <dgm:fillClrLst meth="repeat">
+      <a:schemeClr val="dk2"/>
+    </dgm:fillClrLst>
+    <dgm:linClrLst meth="repeat">
+      <a:schemeClr val="lt2"/>
+    </dgm:linClrLst>
+    <dgm:effectClrLst/>
+    <dgm:txLinClrLst/>
+    <dgm:txFillClrLst/>
+    <dgm:txEffectClrLst/>
+  </dgm:styleLbl>
+  <dgm:styleLbl name="parChTrans2D1">
+    <dgm:fillClrLst meth="repeat">
+      <a:schemeClr val="dk2">
+        <a:tint val="60000"/>
+      </a:schemeClr>
+    </dgm:fillClrLst>
+    <dgm:linClrLst meth="repeat">
+      <a:schemeClr val="dk2">
+        <a:tint val="60000"/>
+      </a:schemeClr>
+    </dgm:linClrLst>
+    <dgm:effectClrLst/>
+    <dgm:txLinClrLst/>
+    <dgm:txFillClrLst meth="repeat">
+      <a:schemeClr val="lt2"/>
+    </dgm:txFillClrLst>
+    <dgm:txEffectClrLst/>
+  </dgm:styleLbl>
+  <dgm:styleLbl name="parChTrans2D2">
+    <dgm:fillClrLst meth="repeat">
+      <a:schemeClr val="dk2"/>
+    </dgm:fillClrLst>
+    <dgm:linClrLst meth="repeat">
+      <a:schemeClr val="dk2"/>
+    </dgm:linClrLst>
+    <dgm:effectClrLst/>
+    <dgm:txLinClrLst/>
+    <dgm:txFillClrLst meth="repeat">
+      <a:schemeClr val="lt2"/>
+    </dgm:txFillClrLst>
+    <dgm:txEffectClrLst/>
+  </dgm:styleLbl>
+  <dgm:styleLbl name="parChTrans2D3">
+    <dgm:fillClrLst meth="repeat">
+      <a:schemeClr val="dk2"/>
+    </dgm:fillClrLst>
+    <dgm:linClrLst meth="repeat">
+      <a:schemeClr val="dk2"/>
+    </dgm:linClrLst>
+    <dgm:effectClrLst/>
+    <dgm:txLinClrLst/>
+    <dgm:txFillClrLst meth="repeat">
+      <a:schemeClr val="lt2"/>
+    </dgm:txFillClrLst>
+    <dgm:txEffectClrLst/>
+  </dgm:styleLbl>
+  <dgm:styleLbl name="parChTrans2D4">
+    <dgm:fillClrLst meth="repeat">
+      <a:schemeClr val="dk2"/>
+    </dgm:fillClrLst>
+    <dgm:linClrLst meth="repeat">
+      <a:schemeClr val="dk2"/>
+    </dgm:linClrLst>
+    <dgm:effectClrLst/>
+    <dgm:txLinClrLst/>
+    <dgm:txFillClrLst meth="repeat">
+      <a:schemeClr val="lt2"/>
+    </dgm:txFillClrLst>
+    <dgm:txEffectClrLst/>
+  </dgm:styleLbl>
+  <dgm:styleLbl name="parChTrans1D1">
+    <dgm:fillClrLst meth="repeat">
+      <a:schemeClr val="dk2"/>
+    </dgm:fillClrLst>
+    <dgm:linClrLst meth="repeat">
+      <a:schemeClr val="dk2">
+        <a:shade val="60000"/>
+      </a:schemeClr>
+    </dgm:linClrLst>
+    <dgm:effectClrLst/>
+    <dgm:txLinClrLst/>
+    <dgm:txFillClrLst meth="repeat">
+      <a:schemeClr val="tx1"/>
+    </dgm:txFillClrLst>
+    <dgm:txEffectClrLst/>
+  </dgm:styleLbl>
+  <dgm:styleLbl name="parChTrans1D2">
+    <dgm:fillClrLst meth="repeat">
+      <a:schemeClr val="dk2"/>
+    </dgm:fillClrLst>
+    <dgm:linClrLst meth="repeat">
+      <a:schemeClr val="dk2">
+        <a:shade val="60000"/>
+      </a:schemeClr>
+    </dgm:linClrLst>
+    <dgm:effectClrLst/>
+    <dgm:txLinClrLst/>
+    <dgm:txFillClrLst meth="repeat">
+      <a:schemeClr val="tx1"/>
+    </dgm:txFillClrLst>
+    <dgm:txEffectClrLst/>
+  </dgm:styleLbl>
+  <dgm:styleLbl name="parChTrans1D3">
+    <dgm:fillClrLst meth="repeat">
+      <a:schemeClr val="dk2"/>
+    </dgm:fillClrLst>
+    <dgm:linClrLst meth="repeat">
+      <a:schemeClr val="dk2">
+        <a:shade val="80000"/>
+      </a:schemeClr>
+    </dgm:linClrLst>
+    <dgm:effectClrLst/>
+    <dgm:txLinClrLst/>
+    <dgm:txFillClrLst meth="repeat">
+      <a:schemeClr val="tx1"/>
+    </dgm:txFillClrLst>
+    <dgm:txEffectClrLst/>
+  </dgm:styleLbl>
+  <dgm:styleLbl name="parChTrans1D4">
+    <dgm:fillClrLst meth="repeat">
+      <a:schemeClr val="dk2"/>
+    </dgm:fillClrLst>
+    <dgm:linClrLst meth="repeat">
+      <a:schemeClr val="dk2">
+        <a:shade val="80000"/>
+      </a:schemeClr>
+    </dgm:linClrLst>
+    <dgm:effectClrLst/>
+    <dgm:txLinClrLst/>
+    <dgm:txFillClrLst meth="repeat">
+      <a:schemeClr val="tx1"/>
+    </dgm:txFillClrLst>
+    <dgm:txEffectClrLst/>
+  </dgm:styleLbl>
+  <dgm:styleLbl name="fgAcc1">
+    <dgm:fillClrLst meth="repeat">
+      <a:schemeClr val="lt2">
+        <a:alpha val="90000"/>
+      </a:schemeClr>
+    </dgm:fillClrLst>
+    <dgm:linClrLst meth="repeat">
+      <a:schemeClr val="dk2"/>
+    </dgm:linClrLst>
+    <dgm:effectClrLst/>
+    <dgm:txLinClrLst/>
+    <dgm:txFillClrLst meth="repeat">
+      <a:schemeClr val="dk1"/>
+    </dgm:txFillClrLst>
+    <dgm:txEffectClrLst/>
+  </dgm:styleLbl>
+  <dgm:styleLbl name="conFgAcc1">
+    <dgm:fillClrLst meth="repeat">
+      <a:schemeClr val="lt2">
+        <a:alpha val="90000"/>
+      </a:schemeClr>
+    </dgm:fillClrLst>
+    <dgm:linClrLst meth="repeat">
+      <a:schemeClr val="dk2"/>
+    </dgm:linClrLst>
+    <dgm:effectClrLst/>
+    <dgm:txLinClrLst/>
+    <dgm:txFillClrLst meth="repeat">
+      <a:schemeClr val="dk1"/>
+    </dgm:txFillClrLst>
+    <dgm:txEffectClrLst/>
+  </dgm:styleLbl>
+  <dgm:styleLbl name="alignAcc1">
+    <dgm:fillClrLst meth="repeat">
+      <a:schemeClr val="lt2">
+        <a:alpha val="90000"/>
+      </a:schemeClr>
+    </dgm:fillClrLst>
+    <dgm:linClrLst meth="repeat">
+      <a:schemeClr val="dk2"/>
+    </dgm:linClrLst>
+    <dgm:effectClrLst/>
+    <dgm:txLinClrLst/>
+    <dgm:txFillClrLst meth="repeat">
+      <a:schemeClr val="dk1"/>
+    </dgm:txFillClrLst>
+    <dgm:txEffectClrLst/>
+  </dgm:styleLbl>
+  <dgm:styleLbl name="trAlignAcc1">
+    <dgm:fillClrLst meth="repeat">
+      <a:schemeClr val="lt2">
+        <a:alpha val="40000"/>
+      </a:schemeClr>
+    </dgm:fillClrLst>
+    <dgm:linClrLst meth="repeat">
+      <a:schemeClr val="dk2"/>
+    </dgm:linClrLst>
+    <dgm:effectClrLst/>
+    <dgm:txLinClrLst/>
+    <dgm:txFillClrLst meth="repeat">
+      <a:schemeClr val="dk1"/>
+    </dgm:txFillClrLst>
+    <dgm:txEffectClrLst/>
+  </dgm:styleLbl>
+  <dgm:styleLbl name="bgAcc1">
+    <dgm:fillClrLst meth="repeat">
+      <a:schemeClr val="lt2">
+        <a:alpha val="90000"/>
+      </a:schemeClr>
+    </dgm:fillClrLst>
+    <dgm:linClrLst meth="repeat">
+      <a:schemeClr val="dk2"/>
+    </dgm:linClrLst>
+    <dgm:effectClrLst/>
+    <dgm:txLinClrLst/>
+    <dgm:txFillClrLst meth="repeat">
+      <a:schemeClr val="dk1"/>
+    </dgm:txFillClrLst>
+    <dgm:txEffectClrLst/>
+  </dgm:styleLbl>
+  <dgm:styleLbl name="solidFgAcc1">
+    <dgm:fillClrLst meth="repeat">
+      <a:schemeClr val="lt2"/>
+    </dgm:fillClrLst>
+    <dgm:linClrLst meth="repeat">
+      <a:schemeClr val="dk2"/>
+    </dgm:linClrLst>
+    <dgm:effectClrLst/>
+    <dgm:txLinClrLst/>
+    <dgm:txFillClrLst meth="repeat">
+      <a:schemeClr val="dk1"/>
+    </dgm:txFillClrLst>
+    <dgm:txEffectClrLst/>
+  </dgm:styleLbl>
+  <dgm:styleLbl name="solidAlignAcc1">
+    <dgm:fillClrLst meth="repeat">
+      <a:schemeClr val="lt2"/>
+    </dgm:fillClrLst>
+    <dgm:linClrLst meth="repeat">
+      <a:schemeClr val="dk2"/>
+    </dgm:linClrLst>
+    <dgm:effectClrLst/>
+    <dgm:txLinClrLst/>
+    <dgm:txFillClrLst meth="repeat">
+      <a:schemeClr val="dk1"/>
+    </dgm:txFillClrLst>
+    <dgm:txEffectClrLst/>
+  </dgm:styleLbl>
+  <dgm:styleLbl name="solidBgAcc1">
+    <dgm:fillClrLst meth="repeat">
+      <a:schemeClr val="lt2"/>
+    </dgm:fillClrLst>
+    <dgm:linClrLst meth="repeat">
+      <a:schemeClr val="dk2"/>
+    </dgm:linClrLst>
+    <dgm:effectClrLst/>
+    <dgm:txLinClrLst/>
+    <dgm:txFillClrLst meth="repeat">
+      <a:schemeClr val="dk1"/>
+    </dgm:txFillClrLst>
+    <dgm:txEffectClrLst/>
+  </dgm:styleLbl>
+  <dgm:styleLbl name="fgAccFollowNode1">
+    <dgm:fillClrLst meth="repeat">
+      <a:schemeClr val="dk2">
+        <a:alpha val="90000"/>
+        <a:tint val="40000"/>
+      </a:schemeClr>
+    </dgm:fillClrLst>
+    <dgm:linClrLst meth="repeat">
+      <a:schemeClr val="dk2">
+        <a:alpha val="90000"/>
+        <a:tint val="40000"/>
+      </a:schemeClr>
+    </dgm:linClrLst>
+    <dgm:effectClrLst/>
+    <dgm:txLinClrLst/>
+    <dgm:txFillClrLst meth="repeat">
+      <a:schemeClr val="dk1"/>
+    </dgm:txFillClrLst>
+    <dgm:txEffectClrLst/>
+  </dgm:styleLbl>
+  <dgm:styleLbl name="alignAccFollowNode1">
+    <dgm:fillClrLst meth="repeat">
+      <a:schemeClr val="dk2">
+        <a:alpha val="90000"/>
+        <a:tint val="40000"/>
+      </a:schemeClr>
+    </dgm:fillClrLst>
+    <dgm:linClrLst meth="repeat">
+      <a:schemeClr val="dk2">
+        <a:alpha val="90000"/>
+        <a:tint val="40000"/>
+      </a:schemeClr>
+    </dgm:linClrLst>
+    <dgm:effectClrLst/>
+    <dgm:txLinClrLst/>
+    <dgm:txFillClrLst meth="repeat">
+      <a:schemeClr val="dk1"/>
+    </dgm:txFillClrLst>
+    <dgm:txEffectClrLst/>
+  </dgm:styleLbl>
+  <dgm:styleLbl name="bgAccFollowNode1">
+    <dgm:fillClrLst meth="repeat">
+      <a:schemeClr val="dk2">
+        <a:alpha val="90000"/>
+        <a:tint val="40000"/>
+      </a:schemeClr>
+    </dgm:fillClrLst>
+    <dgm:linClrLst meth="repeat">
+      <a:schemeClr val="dk2">
+        <a:alpha val="90000"/>
+        <a:tint val="40000"/>
+      </a:schemeClr>
+    </dgm:linClrLst>
+    <dgm:effectClrLst/>
+    <dgm:txLinClrLst/>
+    <dgm:txFillClrLst meth="repeat">
+      <a:schemeClr val="dk1"/>
+    </dgm:txFillClrLst>
+    <dgm:txEffectClrLst/>
+  </dgm:styleLbl>
+  <dgm:styleLbl name="fgAcc0">
+    <dgm:fillClrLst meth="repeat">
+      <a:schemeClr val="lt2">
+        <a:alpha val="90000"/>
+      </a:schemeClr>
+    </dgm:fillClrLst>
+    <dgm:linClrLst meth="repeat">
+      <a:schemeClr val="dk2"/>
+    </dgm:linClrLst>
+    <dgm:effectClrLst/>
+    <dgm:txLinClrLst/>
+    <dgm:txFillClrLst meth="repeat">
+      <a:schemeClr val="dk1"/>
+    </dgm:txFillClrLst>
+    <dgm:txEffectClrLst/>
+  </dgm:styleLbl>
+  <dgm:styleLbl name="fgAcc2">
+    <dgm:fillClrLst meth="repeat">
+      <a:schemeClr val="lt2">
+        <a:alpha val="90000"/>
+      </a:schemeClr>
+    </dgm:fillClrLst>
+    <dgm:linClrLst meth="repeat">
+      <a:schemeClr val="dk2"/>
+    </dgm:linClrLst>
+    <dgm:effectClrLst/>
+    <dgm:txLinClrLst/>
+    <dgm:txFillClrLst meth="repeat">
+      <a:schemeClr val="dk1"/>
+    </dgm:txFillClrLst>
+    <dgm:txEffectClrLst/>
+  </dgm:styleLbl>
+  <dgm:styleLbl name="fgAcc3">
+    <dgm:fillClrLst meth="repeat">
+      <a:schemeClr val="lt2">
+        <a:alpha val="90000"/>
+      </a:schemeClr>
+    </dgm:fillClrLst>
+    <dgm:linClrLst meth="repeat">
+      <a:schemeClr val="dk2"/>
+    </dgm:linClrLst>
+    <dgm:effectClrLst/>
+    <dgm:txLinClrLst/>
+    <dgm:txFillClrLst meth="repeat">
+      <a:schemeClr val="dk1"/>
+    </dgm:txFillClrLst>
+    <dgm:txEffectClrLst/>
+  </dgm:styleLbl>
+  <dgm:styleLbl name="fgAcc4">
+    <dgm:fillClrLst meth="repeat">
+      <a:schemeClr val="lt2">
+        <a:alpha val="90000"/>
+      </a:schemeClr>
+    </dgm:fillClrLst>
+    <dgm:linClrLst meth="repeat">
+      <a:schemeClr val="dk2"/>
+    </dgm:linClrLst>
+    <dgm:effectClrLst/>
+    <dgm:txLinClrLst/>
+    <dgm:txFillClrLst meth="repeat">
+      <a:schemeClr val="dk1"/>
+    </dgm:txFillClrLst>
+    <dgm:txEffectClrLst/>
+  </dgm:styleLbl>
+  <dgm:styleLbl name="bgShp">
+    <dgm:fillClrLst meth="repeat">
+      <a:schemeClr val="dk2">
+        <a:tint val="40000"/>
+      </a:schemeClr>
+    </dgm:fillClrLst>
+    <dgm:linClrLst meth="repeat">
+      <a:schemeClr val="dk2"/>
+    </dgm:linClrLst>
+    <dgm:effectClrLst/>
+    <dgm:txLinClrLst/>
+    <dgm:txFillClrLst meth="repeat">
+      <a:schemeClr val="dk1"/>
+    </dgm:txFillClrLst>
+    <dgm:txEffectClrLst/>
+  </dgm:styleLbl>
+  <dgm:styleLbl name="dkBgShp">
+    <dgm:fillClrLst meth="repeat">
+      <a:schemeClr val="dk2">
+        <a:shade val="80000"/>
+      </a:schemeClr>
+    </dgm:fillClrLst>
+    <dgm:linClrLst meth="repeat">
+      <a:schemeClr val="dk2"/>
+    </dgm:linClrLst>
+    <dgm:effectClrLst/>
+    <dgm:txLinClrLst/>
+    <dgm:txFillClrLst meth="repeat">
+      <a:schemeClr val="lt1"/>
+    </dgm:txFillClrLst>
+    <dgm:txEffectClrLst/>
+  </dgm:styleLbl>
+  <dgm:styleLbl name="trBgShp">
+    <dgm:fillClrLst meth="repeat">
+      <a:schemeClr val="dk2">
+        <a:tint val="50000"/>
+        <a:alpha val="40000"/>
+      </a:schemeClr>
+    </dgm:fillClrLst>
+    <dgm:linClrLst meth="repeat">
+      <a:schemeClr val="dk2"/>
+    </dgm:linClrLst>
+    <dgm:effectClrLst/>
+    <dgm:txLinClrLst/>
+    <dgm:txFillClrLst meth="repeat">
+      <a:schemeClr val="lt1"/>
+    </dgm:txFillClrLst>
+    <dgm:txEffectClrLst/>
+  </dgm:styleLbl>
+  <dgm:styleLbl name="fgShp">
+    <dgm:fillClrLst meth="repeat">
+      <a:schemeClr val="dk2">
+        <a:tint val="60000"/>
+      </a:schemeClr>
+    </dgm:fillClrLst>
+    <dgm:linClrLst meth="repeat">
+      <a:schemeClr val="lt2"/>
+    </dgm:linClrLst>
+    <dgm:effectClrLst/>
+    <dgm:txLinClrLst/>
+    <dgm:txFillClrLst meth="repeat">
+      <a:schemeClr val="dk1"/>
+    </dgm:txFillClrLst>
+    <dgm:txEffectClrLst/>
+  </dgm:styleLbl>
+  <dgm:styleLbl name="revTx">
+    <dgm:fillClrLst meth="repeat">
+      <a:schemeClr val="lt2">
+        <a:alpha val="0"/>
+      </a:schemeClr>
+    </dgm:fillClrLst>
+    <dgm:linClrLst meth="repeat">
+      <a:schemeClr val="dk1">
+        <a:alpha val="0"/>
+      </a:schemeClr>
+    </dgm:linClrLst>
+    <dgm:effectClrLst/>
+    <dgm:txLinClrLst/>
+    <dgm:txFillClrLst meth="repeat">
+      <a:schemeClr val="tx1"/>
+    </dgm:txFillClrLst>
+    <dgm:txEffectClrLst/>
+  </dgm:styleLbl>
+</dgm:colorsDef>
+</file>
+
+<file path=ppt/diagrams/data1.xml><?xml version="1.0" encoding="utf-8"?>
+<dgm:dataModel xmlns:dgm="http://schemas.openxmlformats.org/drawingml/2006/diagram" xmlns:a="http://schemas.openxmlformats.org/drawingml/2006/main">
+  <dgm:ptLst>
+    <dgm:pt modelId="{F09301C1-2C1D-43A4-A31C-303025BD5DAF}" type="doc">
+      <dgm:prSet loTypeId="urn:microsoft.com/office/officeart/2011/layout/HexagonRadial" loCatId="cycle" qsTypeId="urn:microsoft.com/office/officeart/2005/8/quickstyle/simple1" qsCatId="simple" csTypeId="urn:microsoft.com/office/officeart/2005/8/colors/accent0_3" csCatId="mainScheme" phldr="1"/>
+      <dgm:spPr/>
+      <dgm:t>
+        <a:bodyPr/>
+        <a:lstStyle/>
+        <a:p>
+          <a:endParaRPr lang="en-CA"/>
+        </a:p>
+      </dgm:t>
+    </dgm:pt>
+    <dgm:pt modelId="{5DF25F05-E579-4CDA-B273-BAF60B84C594}">
+      <dgm:prSet phldrT="[Text]"/>
+      <dgm:spPr/>
+      <dgm:t>
+        <a:bodyPr/>
+        <a:lstStyle/>
+        <a:p>
+          <a:r>
+            <a:rPr lang="en-US" dirty="0" smtClean="0"/>
+            <a:t>Configuration and other Maven Helper packages</a:t>
+          </a:r>
+          <a:endParaRPr lang="en-CA" dirty="0"/>
+        </a:p>
+      </dgm:t>
+    </dgm:pt>
+    <dgm:pt modelId="{BE488615-C667-4840-8CB2-9C978737425F}" type="parTrans" cxnId="{D182FB8A-65FA-4464-9634-48577EE057CB}">
+      <dgm:prSet/>
+      <dgm:spPr/>
+      <dgm:t>
+        <a:bodyPr/>
+        <a:lstStyle/>
+        <a:p>
+          <a:endParaRPr lang="en-CA"/>
+        </a:p>
+      </dgm:t>
+    </dgm:pt>
+    <dgm:pt modelId="{FE2B0916-CA21-4DAD-B552-F50BD9BD6F22}" type="sibTrans" cxnId="{D182FB8A-65FA-4464-9634-48577EE057CB}">
+      <dgm:prSet/>
+      <dgm:spPr/>
+      <dgm:t>
+        <a:bodyPr/>
+        <a:lstStyle/>
+        <a:p>
+          <a:endParaRPr lang="en-CA"/>
+        </a:p>
+      </dgm:t>
+    </dgm:pt>
+    <dgm:pt modelId="{0A3F775F-B57C-4BCC-A03D-C591E20825C3}">
+      <dgm:prSet phldrT="[Text]"/>
+      <dgm:spPr/>
+      <dgm:t>
+        <a:bodyPr/>
+        <a:lstStyle/>
+        <a:p>
+          <a:r>
+            <a:rPr lang="en-US" dirty="0" smtClean="0"/>
+            <a:t>Logger – Log4j</a:t>
+          </a:r>
+          <a:endParaRPr lang="en-CA" dirty="0"/>
+        </a:p>
+      </dgm:t>
+    </dgm:pt>
+    <dgm:pt modelId="{26591A83-B537-4E83-885E-1E523530DD26}" type="parTrans" cxnId="{C6A0076F-683C-44F5-87DB-377A02989C59}">
+      <dgm:prSet/>
+      <dgm:spPr/>
+      <dgm:t>
+        <a:bodyPr/>
+        <a:lstStyle/>
+        <a:p>
+          <a:endParaRPr lang="en-CA"/>
+        </a:p>
+      </dgm:t>
+    </dgm:pt>
+    <dgm:pt modelId="{F163C6C2-EEED-4CDE-AE3C-B33067938202}" type="sibTrans" cxnId="{C6A0076F-683C-44F5-87DB-377A02989C59}">
+      <dgm:prSet/>
+      <dgm:spPr/>
+      <dgm:t>
+        <a:bodyPr/>
+        <a:lstStyle/>
+        <a:p>
+          <a:endParaRPr lang="en-CA"/>
+        </a:p>
+      </dgm:t>
+    </dgm:pt>
+    <dgm:pt modelId="{85298E49-8047-4513-B813-58ECC546FAF9}">
+      <dgm:prSet phldrT="[Text]"/>
+      <dgm:spPr/>
+      <dgm:t>
+        <a:bodyPr/>
+        <a:lstStyle/>
+        <a:p>
+          <a:r>
+            <a:rPr lang="en-US" dirty="0" smtClean="0"/>
+            <a:t>Test Data – Excel or any Data Source</a:t>
+          </a:r>
+          <a:endParaRPr lang="en-CA" dirty="0"/>
+        </a:p>
+      </dgm:t>
+    </dgm:pt>
+    <dgm:pt modelId="{F0EE3258-E212-469A-9067-D42425EBC851}" type="parTrans" cxnId="{AF68FE47-2ECC-4BE2-BA66-0C34F07289F5}">
+      <dgm:prSet/>
+      <dgm:spPr/>
+      <dgm:t>
+        <a:bodyPr/>
+        <a:lstStyle/>
+        <a:p>
+          <a:endParaRPr lang="en-CA"/>
+        </a:p>
+      </dgm:t>
+    </dgm:pt>
+    <dgm:pt modelId="{7AF72DFA-A1A6-4D11-91C1-0C18D29B2ACE}" type="sibTrans" cxnId="{AF68FE47-2ECC-4BE2-BA66-0C34F07289F5}">
+      <dgm:prSet/>
+      <dgm:spPr/>
+      <dgm:t>
+        <a:bodyPr/>
+        <a:lstStyle/>
+        <a:p>
+          <a:endParaRPr lang="en-CA"/>
+        </a:p>
+      </dgm:t>
+    </dgm:pt>
+    <dgm:pt modelId="{26CDC363-D48F-4CEF-ABAF-232051C81B23}">
+      <dgm:prSet phldrT="[Text]"/>
+      <dgm:spPr/>
+      <dgm:t>
+        <a:bodyPr/>
+        <a:lstStyle/>
+        <a:p>
+          <a:r>
+            <a:rPr lang="en-US" dirty="0" smtClean="0"/>
+            <a:t>Rest Assured Endpoint Tests</a:t>
+          </a:r>
+          <a:endParaRPr lang="en-CA" dirty="0"/>
+        </a:p>
+      </dgm:t>
+    </dgm:pt>
+    <dgm:pt modelId="{5502CFAA-276B-439C-8CC5-BA57923E33EF}" type="parTrans" cxnId="{BC25A7A4-2004-429C-92AA-27BDA7B21422}">
+      <dgm:prSet/>
+      <dgm:spPr/>
+      <dgm:t>
+        <a:bodyPr/>
+        <a:lstStyle/>
+        <a:p>
+          <a:endParaRPr lang="en-CA"/>
+        </a:p>
+      </dgm:t>
+    </dgm:pt>
+    <dgm:pt modelId="{66293969-47BC-4B74-95D2-260179EE40EE}" type="sibTrans" cxnId="{BC25A7A4-2004-429C-92AA-27BDA7B21422}">
+      <dgm:prSet/>
+      <dgm:spPr/>
+      <dgm:t>
+        <a:bodyPr/>
+        <a:lstStyle/>
+        <a:p>
+          <a:endParaRPr lang="en-CA"/>
+        </a:p>
+      </dgm:t>
+    </dgm:pt>
+    <dgm:pt modelId="{31158F32-77FC-47D9-BA84-20D619E71F7B}">
+      <dgm:prSet phldrT="[Text]"/>
+      <dgm:spPr/>
+      <dgm:t>
+        <a:bodyPr/>
+        <a:lstStyle/>
+        <a:p>
+          <a:r>
+            <a:rPr lang="en-US" dirty="0" smtClean="0"/>
+            <a:t>Excel </a:t>
+          </a:r>
+          <a:r>
+            <a:rPr lang="en-US" dirty="0" err="1" smtClean="0"/>
+            <a:t>Util</a:t>
+          </a:r>
+          <a:r>
+            <a:rPr lang="en-US" dirty="0" smtClean="0"/>
+            <a:t> – Apache POI</a:t>
+          </a:r>
+          <a:endParaRPr lang="en-CA" dirty="0"/>
+        </a:p>
+      </dgm:t>
+    </dgm:pt>
+    <dgm:pt modelId="{48179D83-E463-461E-A6F1-6527DE5A7688}" type="parTrans" cxnId="{60110741-43D6-4F67-A1B6-0D65D652A300}">
+      <dgm:prSet/>
+      <dgm:spPr/>
+      <dgm:t>
+        <a:bodyPr/>
+        <a:lstStyle/>
+        <a:p>
+          <a:endParaRPr lang="en-CA"/>
+        </a:p>
+      </dgm:t>
+    </dgm:pt>
+    <dgm:pt modelId="{727E0830-3083-4A13-AA6A-06B44E855199}" type="sibTrans" cxnId="{60110741-43D6-4F67-A1B6-0D65D652A300}">
+      <dgm:prSet/>
+      <dgm:spPr/>
+      <dgm:t>
+        <a:bodyPr/>
+        <a:lstStyle/>
+        <a:p>
+          <a:endParaRPr lang="en-CA"/>
+        </a:p>
+      </dgm:t>
+    </dgm:pt>
+    <dgm:pt modelId="{FB3C1DA1-81C0-499E-B2B3-C61A441A3C78}">
+      <dgm:prSet phldrT="[Text]"/>
+      <dgm:spPr/>
+      <dgm:t>
+        <a:bodyPr/>
+        <a:lstStyle/>
+        <a:p>
+          <a:r>
+            <a:rPr lang="en-US" dirty="0" smtClean="0"/>
+            <a:t>POJO Libraries – for functional Test validation</a:t>
+          </a:r>
+          <a:endParaRPr lang="en-CA" dirty="0"/>
+        </a:p>
+      </dgm:t>
+    </dgm:pt>
+    <dgm:pt modelId="{9891E42D-7F0C-4597-ABAB-2DA8A9A31789}" type="parTrans" cxnId="{01987B43-E56F-4C1A-859D-ECED4A54135F}">
+      <dgm:prSet/>
+      <dgm:spPr/>
+      <dgm:t>
+        <a:bodyPr/>
+        <a:lstStyle/>
+        <a:p>
+          <a:endParaRPr lang="en-CA"/>
+        </a:p>
+      </dgm:t>
+    </dgm:pt>
+    <dgm:pt modelId="{891B1EAD-58E3-43C2-84F9-9183D47773A6}" type="sibTrans" cxnId="{01987B43-E56F-4C1A-859D-ECED4A54135F}">
+      <dgm:prSet/>
+      <dgm:spPr/>
+      <dgm:t>
+        <a:bodyPr/>
+        <a:lstStyle/>
+        <a:p>
+          <a:endParaRPr lang="en-CA"/>
+        </a:p>
+      </dgm:t>
+    </dgm:pt>
+    <dgm:pt modelId="{F922D434-D577-4AFB-9C58-0E742599571B}">
+      <dgm:prSet phldrT="[Text]"/>
+      <dgm:spPr/>
+      <dgm:t>
+        <a:bodyPr/>
+        <a:lstStyle/>
+        <a:p>
+          <a:r>
+            <a:rPr lang="en-US" dirty="0" err="1" smtClean="0"/>
+            <a:t>TestNG</a:t>
+          </a:r>
+          <a:r>
+            <a:rPr lang="en-US" dirty="0" smtClean="0"/>
+            <a:t> Controller </a:t>
+          </a:r>
+          <a:endParaRPr lang="en-CA" dirty="0"/>
+        </a:p>
+      </dgm:t>
+    </dgm:pt>
+    <dgm:pt modelId="{7488B465-B151-4637-9E79-BC245F0DDA62}" type="parTrans" cxnId="{5FB55132-64C9-46A8-9BCC-54AC43580656}">
+      <dgm:prSet/>
+      <dgm:spPr/>
+      <dgm:t>
+        <a:bodyPr/>
+        <a:lstStyle/>
+        <a:p>
+          <a:endParaRPr lang="en-CA"/>
+        </a:p>
+      </dgm:t>
+    </dgm:pt>
+    <dgm:pt modelId="{CD91E9CE-0AFA-40E1-B352-91E74F2F28E5}" type="sibTrans" cxnId="{5FB55132-64C9-46A8-9BCC-54AC43580656}">
+      <dgm:prSet/>
+      <dgm:spPr/>
+      <dgm:t>
+        <a:bodyPr/>
+        <a:lstStyle/>
+        <a:p>
+          <a:endParaRPr lang="en-CA"/>
+        </a:p>
+      </dgm:t>
+    </dgm:pt>
+    <dgm:pt modelId="{843DD346-F95C-4DBE-AD8E-9BBBF4B03D43}" type="pres">
+      <dgm:prSet presAssocID="{F09301C1-2C1D-43A4-A31C-303025BD5DAF}" presName="Name0" presStyleCnt="0">
+        <dgm:presLayoutVars>
+          <dgm:chMax val="1"/>
+          <dgm:chPref val="1"/>
+          <dgm:dir/>
+          <dgm:animOne val="branch"/>
+          <dgm:animLvl val="lvl"/>
+        </dgm:presLayoutVars>
+      </dgm:prSet>
+      <dgm:spPr/>
+    </dgm:pt>
+    <dgm:pt modelId="{44C933ED-819C-467F-A308-44D85A1E128E}" type="pres">
+      <dgm:prSet presAssocID="{5DF25F05-E579-4CDA-B273-BAF60B84C594}" presName="Parent" presStyleLbl="node0" presStyleIdx="0" presStyleCnt="1">
+        <dgm:presLayoutVars>
+          <dgm:chMax val="6"/>
+          <dgm:chPref val="6"/>
+        </dgm:presLayoutVars>
+      </dgm:prSet>
+      <dgm:spPr/>
+      <dgm:t>
+        <a:bodyPr/>
+        <a:lstStyle/>
+        <a:p>
+          <a:endParaRPr lang="en-CA"/>
+        </a:p>
+      </dgm:t>
+    </dgm:pt>
+    <dgm:pt modelId="{4A2E3B9A-7D29-45EB-AC4F-1CA199300C93}" type="pres">
+      <dgm:prSet presAssocID="{0A3F775F-B57C-4BCC-A03D-C591E20825C3}" presName="Accent1" presStyleCnt="0"/>
+      <dgm:spPr/>
+    </dgm:pt>
+    <dgm:pt modelId="{F5696BD3-FDFF-4AE5-A29F-79D0B1E0610D}" type="pres">
+      <dgm:prSet presAssocID="{0A3F775F-B57C-4BCC-A03D-C591E20825C3}" presName="Accent" presStyleLbl="bgShp" presStyleIdx="0" presStyleCnt="6"/>
+      <dgm:spPr/>
+    </dgm:pt>
+    <dgm:pt modelId="{7360E9F2-95A4-4900-BE42-C6C86A8174BC}" type="pres">
+      <dgm:prSet presAssocID="{0A3F775F-B57C-4BCC-A03D-C591E20825C3}" presName="Child1" presStyleLbl="node1" presStyleIdx="0" presStyleCnt="6">
+        <dgm:presLayoutVars>
+          <dgm:chMax val="0"/>
+          <dgm:chPref val="0"/>
+          <dgm:bulletEnabled val="1"/>
+        </dgm:presLayoutVars>
+      </dgm:prSet>
+      <dgm:spPr/>
+    </dgm:pt>
+    <dgm:pt modelId="{74D33A72-0DD7-4ACB-96DA-ABD657800CF8}" type="pres">
+      <dgm:prSet presAssocID="{85298E49-8047-4513-B813-58ECC546FAF9}" presName="Accent2" presStyleCnt="0"/>
+      <dgm:spPr/>
+    </dgm:pt>
+    <dgm:pt modelId="{2E010704-FB27-4992-824C-97B80DEF0E66}" type="pres">
+      <dgm:prSet presAssocID="{85298E49-8047-4513-B813-58ECC546FAF9}" presName="Accent" presStyleLbl="bgShp" presStyleIdx="1" presStyleCnt="6"/>
+      <dgm:spPr/>
+    </dgm:pt>
+    <dgm:pt modelId="{B6A31CCF-6EA5-4666-8B79-EADF3BF109C8}" type="pres">
+      <dgm:prSet presAssocID="{85298E49-8047-4513-B813-58ECC546FAF9}" presName="Child2" presStyleLbl="node1" presStyleIdx="1" presStyleCnt="6">
+        <dgm:presLayoutVars>
+          <dgm:chMax val="0"/>
+          <dgm:chPref val="0"/>
+          <dgm:bulletEnabled val="1"/>
+        </dgm:presLayoutVars>
+      </dgm:prSet>
+      <dgm:spPr/>
+      <dgm:t>
+        <a:bodyPr/>
+        <a:lstStyle/>
+        <a:p>
+          <a:endParaRPr lang="en-CA"/>
+        </a:p>
+      </dgm:t>
+    </dgm:pt>
+    <dgm:pt modelId="{B370EFEF-56F6-48F1-BB1F-0CC4755CCE15}" type="pres">
+      <dgm:prSet presAssocID="{26CDC363-D48F-4CEF-ABAF-232051C81B23}" presName="Accent3" presStyleCnt="0"/>
+      <dgm:spPr/>
+    </dgm:pt>
+    <dgm:pt modelId="{5DC57A08-BAF9-4EC0-A9FA-8C332E5CD5AC}" type="pres">
+      <dgm:prSet presAssocID="{26CDC363-D48F-4CEF-ABAF-232051C81B23}" presName="Accent" presStyleLbl="bgShp" presStyleIdx="2" presStyleCnt="6"/>
+      <dgm:spPr/>
+    </dgm:pt>
+    <dgm:pt modelId="{6A6BB049-43C3-4B2E-9AC6-BA3D5A91AC40}" type="pres">
+      <dgm:prSet presAssocID="{26CDC363-D48F-4CEF-ABAF-232051C81B23}" presName="Child3" presStyleLbl="node1" presStyleIdx="2" presStyleCnt="6">
+        <dgm:presLayoutVars>
+          <dgm:chMax val="0"/>
+          <dgm:chPref val="0"/>
+          <dgm:bulletEnabled val="1"/>
+        </dgm:presLayoutVars>
+      </dgm:prSet>
+      <dgm:spPr/>
+      <dgm:t>
+        <a:bodyPr/>
+        <a:lstStyle/>
+        <a:p>
+          <a:endParaRPr lang="en-CA"/>
+        </a:p>
+      </dgm:t>
+    </dgm:pt>
+    <dgm:pt modelId="{0927ADCA-18F1-49D5-BA6C-9CB027C4C762}" type="pres">
+      <dgm:prSet presAssocID="{31158F32-77FC-47D9-BA84-20D619E71F7B}" presName="Accent4" presStyleCnt="0"/>
+      <dgm:spPr/>
+    </dgm:pt>
+    <dgm:pt modelId="{1BD88831-CC22-4B91-B27B-56B3678D5383}" type="pres">
+      <dgm:prSet presAssocID="{31158F32-77FC-47D9-BA84-20D619E71F7B}" presName="Accent" presStyleLbl="bgShp" presStyleIdx="3" presStyleCnt="6"/>
+      <dgm:spPr/>
+    </dgm:pt>
+    <dgm:pt modelId="{EE87D950-AE85-4885-833C-5F16CEC04AD4}" type="pres">
+      <dgm:prSet presAssocID="{31158F32-77FC-47D9-BA84-20D619E71F7B}" presName="Child4" presStyleLbl="node1" presStyleIdx="3" presStyleCnt="6">
+        <dgm:presLayoutVars>
+          <dgm:chMax val="0"/>
+          <dgm:chPref val="0"/>
+          <dgm:bulletEnabled val="1"/>
+        </dgm:presLayoutVars>
+      </dgm:prSet>
+      <dgm:spPr/>
+    </dgm:pt>
+    <dgm:pt modelId="{6C18D363-3599-4743-BFAA-F7D002FE88E4}" type="pres">
+      <dgm:prSet presAssocID="{FB3C1DA1-81C0-499E-B2B3-C61A441A3C78}" presName="Accent5" presStyleCnt="0"/>
+      <dgm:spPr/>
+    </dgm:pt>
+    <dgm:pt modelId="{5447724F-8589-4497-A7B6-F6FE3919EA06}" type="pres">
+      <dgm:prSet presAssocID="{FB3C1DA1-81C0-499E-B2B3-C61A441A3C78}" presName="Accent" presStyleLbl="bgShp" presStyleIdx="4" presStyleCnt="6"/>
+      <dgm:spPr/>
+    </dgm:pt>
+    <dgm:pt modelId="{89D81647-A11D-454E-801F-DDE67CCF84C4}" type="pres">
+      <dgm:prSet presAssocID="{FB3C1DA1-81C0-499E-B2B3-C61A441A3C78}" presName="Child5" presStyleLbl="node1" presStyleIdx="4" presStyleCnt="6">
+        <dgm:presLayoutVars>
+          <dgm:chMax val="0"/>
+          <dgm:chPref val="0"/>
+          <dgm:bulletEnabled val="1"/>
+        </dgm:presLayoutVars>
+      </dgm:prSet>
+      <dgm:spPr/>
+      <dgm:t>
+        <a:bodyPr/>
+        <a:lstStyle/>
+        <a:p>
+          <a:endParaRPr lang="en-CA"/>
+        </a:p>
+      </dgm:t>
+    </dgm:pt>
+    <dgm:pt modelId="{0346D3E1-B219-4E98-A569-03A65EB425B2}" type="pres">
+      <dgm:prSet presAssocID="{F922D434-D577-4AFB-9C58-0E742599571B}" presName="Accent6" presStyleCnt="0"/>
+      <dgm:spPr/>
+    </dgm:pt>
+    <dgm:pt modelId="{4AED2990-2101-4C79-977B-C092A4A6FB7D}" type="pres">
+      <dgm:prSet presAssocID="{F922D434-D577-4AFB-9C58-0E742599571B}" presName="Accent" presStyleLbl="bgShp" presStyleIdx="5" presStyleCnt="6"/>
+      <dgm:spPr/>
+    </dgm:pt>
+    <dgm:pt modelId="{814EF781-74CB-4F81-990C-83E4E810E525}" type="pres">
+      <dgm:prSet presAssocID="{F922D434-D577-4AFB-9C58-0E742599571B}" presName="Child6" presStyleLbl="node1" presStyleIdx="5" presStyleCnt="6">
+        <dgm:presLayoutVars>
+          <dgm:chMax val="0"/>
+          <dgm:chPref val="0"/>
+          <dgm:bulletEnabled val="1"/>
+        </dgm:presLayoutVars>
+      </dgm:prSet>
+      <dgm:spPr/>
+      <dgm:t>
+        <a:bodyPr/>
+        <a:lstStyle/>
+        <a:p>
+          <a:endParaRPr lang="en-CA"/>
+        </a:p>
+      </dgm:t>
+    </dgm:pt>
+  </dgm:ptLst>
+  <dgm:cxnLst>
+    <dgm:cxn modelId="{AF68FE47-2ECC-4BE2-BA66-0C34F07289F5}" srcId="{5DF25F05-E579-4CDA-B273-BAF60B84C594}" destId="{85298E49-8047-4513-B813-58ECC546FAF9}" srcOrd="1" destOrd="0" parTransId="{F0EE3258-E212-469A-9067-D42425EBC851}" sibTransId="{7AF72DFA-A1A6-4D11-91C1-0C18D29B2ACE}"/>
+    <dgm:cxn modelId="{60110741-43D6-4F67-A1B6-0D65D652A300}" srcId="{5DF25F05-E579-4CDA-B273-BAF60B84C594}" destId="{31158F32-77FC-47D9-BA84-20D619E71F7B}" srcOrd="3" destOrd="0" parTransId="{48179D83-E463-461E-A6F1-6527DE5A7688}" sibTransId="{727E0830-3083-4A13-AA6A-06B44E855199}"/>
+    <dgm:cxn modelId="{D182FB8A-65FA-4464-9634-48577EE057CB}" srcId="{F09301C1-2C1D-43A4-A31C-303025BD5DAF}" destId="{5DF25F05-E579-4CDA-B273-BAF60B84C594}" srcOrd="0" destOrd="0" parTransId="{BE488615-C667-4840-8CB2-9C978737425F}" sibTransId="{FE2B0916-CA21-4DAD-B552-F50BD9BD6F22}"/>
+    <dgm:cxn modelId="{42C638B7-2EB2-41ED-91C9-D37CA19DE94D}" type="presOf" srcId="{26CDC363-D48F-4CEF-ABAF-232051C81B23}" destId="{6A6BB049-43C3-4B2E-9AC6-BA3D5A91AC40}" srcOrd="0" destOrd="0" presId="urn:microsoft.com/office/officeart/2011/layout/HexagonRadial"/>
+    <dgm:cxn modelId="{FE6EE454-684A-47F9-A16A-FD78155EDB7B}" type="presOf" srcId="{FB3C1DA1-81C0-499E-B2B3-C61A441A3C78}" destId="{89D81647-A11D-454E-801F-DDE67CCF84C4}" srcOrd="0" destOrd="0" presId="urn:microsoft.com/office/officeart/2011/layout/HexagonRadial"/>
+    <dgm:cxn modelId="{5FB55132-64C9-46A8-9BCC-54AC43580656}" srcId="{5DF25F05-E579-4CDA-B273-BAF60B84C594}" destId="{F922D434-D577-4AFB-9C58-0E742599571B}" srcOrd="5" destOrd="0" parTransId="{7488B465-B151-4637-9E79-BC245F0DDA62}" sibTransId="{CD91E9CE-0AFA-40E1-B352-91E74F2F28E5}"/>
+    <dgm:cxn modelId="{4DFE7D6A-A525-4244-9457-6D037882D848}" type="presOf" srcId="{85298E49-8047-4513-B813-58ECC546FAF9}" destId="{B6A31CCF-6EA5-4666-8B79-EADF3BF109C8}" srcOrd="0" destOrd="0" presId="urn:microsoft.com/office/officeart/2011/layout/HexagonRadial"/>
+    <dgm:cxn modelId="{01987B43-E56F-4C1A-859D-ECED4A54135F}" srcId="{5DF25F05-E579-4CDA-B273-BAF60B84C594}" destId="{FB3C1DA1-81C0-499E-B2B3-C61A441A3C78}" srcOrd="4" destOrd="0" parTransId="{9891E42D-7F0C-4597-ABAB-2DA8A9A31789}" sibTransId="{891B1EAD-58E3-43C2-84F9-9183D47773A6}"/>
+    <dgm:cxn modelId="{EEAE41B4-1994-4346-BEC6-DB2EEFF46295}" type="presOf" srcId="{F922D434-D577-4AFB-9C58-0E742599571B}" destId="{814EF781-74CB-4F81-990C-83E4E810E525}" srcOrd="0" destOrd="0" presId="urn:microsoft.com/office/officeart/2011/layout/HexagonRadial"/>
+    <dgm:cxn modelId="{BC25A7A4-2004-429C-92AA-27BDA7B21422}" srcId="{5DF25F05-E579-4CDA-B273-BAF60B84C594}" destId="{26CDC363-D48F-4CEF-ABAF-232051C81B23}" srcOrd="2" destOrd="0" parTransId="{5502CFAA-276B-439C-8CC5-BA57923E33EF}" sibTransId="{66293969-47BC-4B74-95D2-260179EE40EE}"/>
+    <dgm:cxn modelId="{963C8C12-790D-4F60-A280-641247860EAE}" type="presOf" srcId="{0A3F775F-B57C-4BCC-A03D-C591E20825C3}" destId="{7360E9F2-95A4-4900-BE42-C6C86A8174BC}" srcOrd="0" destOrd="0" presId="urn:microsoft.com/office/officeart/2011/layout/HexagonRadial"/>
+    <dgm:cxn modelId="{E36F505F-DF28-4A9B-A4C5-E32BF0D9CE0F}" type="presOf" srcId="{5DF25F05-E579-4CDA-B273-BAF60B84C594}" destId="{44C933ED-819C-467F-A308-44D85A1E128E}" srcOrd="0" destOrd="0" presId="urn:microsoft.com/office/officeart/2011/layout/HexagonRadial"/>
+    <dgm:cxn modelId="{C6A0076F-683C-44F5-87DB-377A02989C59}" srcId="{5DF25F05-E579-4CDA-B273-BAF60B84C594}" destId="{0A3F775F-B57C-4BCC-A03D-C591E20825C3}" srcOrd="0" destOrd="0" parTransId="{26591A83-B537-4E83-885E-1E523530DD26}" sibTransId="{F163C6C2-EEED-4CDE-AE3C-B33067938202}"/>
+    <dgm:cxn modelId="{9247B56A-A0FB-4CDA-B525-5660CDF74B3B}" type="presOf" srcId="{31158F32-77FC-47D9-BA84-20D619E71F7B}" destId="{EE87D950-AE85-4885-833C-5F16CEC04AD4}" srcOrd="0" destOrd="0" presId="urn:microsoft.com/office/officeart/2011/layout/HexagonRadial"/>
+    <dgm:cxn modelId="{26988282-9E93-47B9-8D90-62783231EDCE}" type="presOf" srcId="{F09301C1-2C1D-43A4-A31C-303025BD5DAF}" destId="{843DD346-F95C-4DBE-AD8E-9BBBF4B03D43}" srcOrd="0" destOrd="0" presId="urn:microsoft.com/office/officeart/2011/layout/HexagonRadial"/>
+    <dgm:cxn modelId="{0CBE1E63-F978-4CE0-98C4-7833C6771E53}" type="presParOf" srcId="{843DD346-F95C-4DBE-AD8E-9BBBF4B03D43}" destId="{44C933ED-819C-467F-A308-44D85A1E128E}" srcOrd="0" destOrd="0" presId="urn:microsoft.com/office/officeart/2011/layout/HexagonRadial"/>
+    <dgm:cxn modelId="{171D6B2B-D7E5-4E82-9A3F-33D705000C8A}" type="presParOf" srcId="{843DD346-F95C-4DBE-AD8E-9BBBF4B03D43}" destId="{4A2E3B9A-7D29-45EB-AC4F-1CA199300C93}" srcOrd="1" destOrd="0" presId="urn:microsoft.com/office/officeart/2011/layout/HexagonRadial"/>
+    <dgm:cxn modelId="{6AA5D3E0-1248-4780-B3BF-31BDA4E03530}" type="presParOf" srcId="{4A2E3B9A-7D29-45EB-AC4F-1CA199300C93}" destId="{F5696BD3-FDFF-4AE5-A29F-79D0B1E0610D}" srcOrd="0" destOrd="0" presId="urn:microsoft.com/office/officeart/2011/layout/HexagonRadial"/>
+    <dgm:cxn modelId="{E065EED9-721D-4E36-A301-924E4F319863}" type="presParOf" srcId="{843DD346-F95C-4DBE-AD8E-9BBBF4B03D43}" destId="{7360E9F2-95A4-4900-BE42-C6C86A8174BC}" srcOrd="2" destOrd="0" presId="urn:microsoft.com/office/officeart/2011/layout/HexagonRadial"/>
+    <dgm:cxn modelId="{16FD38C1-EC9C-4999-A474-3FEB6029B789}" type="presParOf" srcId="{843DD346-F95C-4DBE-AD8E-9BBBF4B03D43}" destId="{74D33A72-0DD7-4ACB-96DA-ABD657800CF8}" srcOrd="3" destOrd="0" presId="urn:microsoft.com/office/officeart/2011/layout/HexagonRadial"/>
+    <dgm:cxn modelId="{C0852739-3BE6-45C4-A300-94B3B4B56E94}" type="presParOf" srcId="{74D33A72-0DD7-4ACB-96DA-ABD657800CF8}" destId="{2E010704-FB27-4992-824C-97B80DEF0E66}" srcOrd="0" destOrd="0" presId="urn:microsoft.com/office/officeart/2011/layout/HexagonRadial"/>
+    <dgm:cxn modelId="{008C9101-9CA9-4CC8-872C-30B72ACF2E80}" type="presParOf" srcId="{843DD346-F95C-4DBE-AD8E-9BBBF4B03D43}" destId="{B6A31CCF-6EA5-4666-8B79-EADF3BF109C8}" srcOrd="4" destOrd="0" presId="urn:microsoft.com/office/officeart/2011/layout/HexagonRadial"/>
+    <dgm:cxn modelId="{BAA547C5-5327-4527-86BB-ACD2835DCB53}" type="presParOf" srcId="{843DD346-F95C-4DBE-AD8E-9BBBF4B03D43}" destId="{B370EFEF-56F6-48F1-BB1F-0CC4755CCE15}" srcOrd="5" destOrd="0" presId="urn:microsoft.com/office/officeart/2011/layout/HexagonRadial"/>
+    <dgm:cxn modelId="{4CD6B95B-6161-4230-9952-9DDB8197607B}" type="presParOf" srcId="{B370EFEF-56F6-48F1-BB1F-0CC4755CCE15}" destId="{5DC57A08-BAF9-4EC0-A9FA-8C332E5CD5AC}" srcOrd="0" destOrd="0" presId="urn:microsoft.com/office/officeart/2011/layout/HexagonRadial"/>
+    <dgm:cxn modelId="{124A122D-7F9D-406D-BCC9-7DC46B770A55}" type="presParOf" srcId="{843DD346-F95C-4DBE-AD8E-9BBBF4B03D43}" destId="{6A6BB049-43C3-4B2E-9AC6-BA3D5A91AC40}" srcOrd="6" destOrd="0" presId="urn:microsoft.com/office/officeart/2011/layout/HexagonRadial"/>
+    <dgm:cxn modelId="{C104BBCD-331C-464A-98CF-7AB3615CBF6E}" type="presParOf" srcId="{843DD346-F95C-4DBE-AD8E-9BBBF4B03D43}" destId="{0927ADCA-18F1-49D5-BA6C-9CB027C4C762}" srcOrd="7" destOrd="0" presId="urn:microsoft.com/office/officeart/2011/layout/HexagonRadial"/>
+    <dgm:cxn modelId="{2291EAC7-93E4-4789-BDDC-2A15986889D7}" type="presParOf" srcId="{0927ADCA-18F1-49D5-BA6C-9CB027C4C762}" destId="{1BD88831-CC22-4B91-B27B-56B3678D5383}" srcOrd="0" destOrd="0" presId="urn:microsoft.com/office/officeart/2011/layout/HexagonRadial"/>
+    <dgm:cxn modelId="{993ABED8-4DE8-408D-A400-AA5CD8095E2E}" type="presParOf" srcId="{843DD346-F95C-4DBE-AD8E-9BBBF4B03D43}" destId="{EE87D950-AE85-4885-833C-5F16CEC04AD4}" srcOrd="8" destOrd="0" presId="urn:microsoft.com/office/officeart/2011/layout/HexagonRadial"/>
+    <dgm:cxn modelId="{7382389F-F2F0-4C04-A9F2-7325F8F77CCE}" type="presParOf" srcId="{843DD346-F95C-4DBE-AD8E-9BBBF4B03D43}" destId="{6C18D363-3599-4743-BFAA-F7D002FE88E4}" srcOrd="9" destOrd="0" presId="urn:microsoft.com/office/officeart/2011/layout/HexagonRadial"/>
+    <dgm:cxn modelId="{39A0841F-96A2-41A1-8B03-DBCBF1B43065}" type="presParOf" srcId="{6C18D363-3599-4743-BFAA-F7D002FE88E4}" destId="{5447724F-8589-4497-A7B6-F6FE3919EA06}" srcOrd="0" destOrd="0" presId="urn:microsoft.com/office/officeart/2011/layout/HexagonRadial"/>
+    <dgm:cxn modelId="{B1BD5C65-572C-4203-8B48-0751CE585E97}" type="presParOf" srcId="{843DD346-F95C-4DBE-AD8E-9BBBF4B03D43}" destId="{89D81647-A11D-454E-801F-DDE67CCF84C4}" srcOrd="10" destOrd="0" presId="urn:microsoft.com/office/officeart/2011/layout/HexagonRadial"/>
+    <dgm:cxn modelId="{C71BCF2C-251C-44E8-9F83-EF3DC13006B1}" type="presParOf" srcId="{843DD346-F95C-4DBE-AD8E-9BBBF4B03D43}" destId="{0346D3E1-B219-4E98-A569-03A65EB425B2}" srcOrd="11" destOrd="0" presId="urn:microsoft.com/office/officeart/2011/layout/HexagonRadial"/>
+    <dgm:cxn modelId="{58067CCF-FF0D-4C77-A88C-5C99742A690B}" type="presParOf" srcId="{0346D3E1-B219-4E98-A569-03A65EB425B2}" destId="{4AED2990-2101-4C79-977B-C092A4A6FB7D}" srcOrd="0" destOrd="0" presId="urn:microsoft.com/office/officeart/2011/layout/HexagonRadial"/>
+    <dgm:cxn modelId="{C0115D05-5DB0-4C80-AF3D-538DD9FFB48D}" type="presParOf" srcId="{843DD346-F95C-4DBE-AD8E-9BBBF4B03D43}" destId="{814EF781-74CB-4F81-990C-83E4E810E525}" srcOrd="12" destOrd="0" presId="urn:microsoft.com/office/officeart/2011/layout/HexagonRadial"/>
+  </dgm:cxnLst>
+  <dgm:bg/>
+  <dgm:whole/>
+  <dgm:extLst>
+    <a:ext uri="http://schemas.microsoft.com/office/drawing/2008/diagram">
+      <dsp:dataModelExt xmlns:dsp="http://schemas.microsoft.com/office/drawing/2008/diagram" relId="rId6" minVer="http://schemas.openxmlformats.org/drawingml/2006/diagram"/>
+    </a:ext>
+  </dgm:extLst>
+</dgm:dataModel>
+</file>
+
+<file path=ppt/diagrams/drawing1.xml><?xml version="1.0" encoding="utf-8"?>
+<dsp:drawing xmlns:dgm="http://schemas.openxmlformats.org/drawingml/2006/diagram" xmlns:dsp="http://schemas.microsoft.com/office/drawing/2008/diagram" xmlns:a="http://schemas.openxmlformats.org/drawingml/2006/main">
+  <dsp:spTree>
+    <dsp:nvGrpSpPr>
+      <dsp:cNvPr id="0" name=""/>
+      <dsp:cNvGrpSpPr/>
+    </dsp:nvGrpSpPr>
+    <dsp:grpSpPr/>
+    <dsp:sp modelId="{44C933ED-819C-467F-A308-44D85A1E128E}">
+      <dsp:nvSpPr>
+        <dsp:cNvPr id="0" name=""/>
+        <dsp:cNvSpPr/>
+      </dsp:nvSpPr>
+      <dsp:spPr>
+        <a:xfrm>
+          <a:off x="3688740" y="1614610"/>
+          <a:ext cx="2052240" cy="1775270"/>
+        </a:xfrm>
+        <a:prstGeom prst="hexagon">
+          <a:avLst>
+            <a:gd name="adj" fmla="val 28570"/>
+            <a:gd name="vf" fmla="val 115470"/>
+          </a:avLst>
+        </a:prstGeom>
+        <a:solidFill>
+          <a:schemeClr val="dk2">
+            <a:hueOff val="0"/>
+            <a:satOff val="0"/>
+            <a:lumOff val="0"/>
+            <a:alphaOff val="0"/>
+          </a:schemeClr>
+        </a:solidFill>
+        <a:ln w="19050" cap="rnd" cmpd="sng" algn="ctr">
+          <a:solidFill>
+            <a:schemeClr val="lt2">
+              <a:hueOff val="0"/>
+              <a:satOff val="0"/>
+              <a:lumOff val="0"/>
+              <a:alphaOff val="0"/>
+            </a:schemeClr>
+          </a:solidFill>
+          <a:prstDash val="solid"/>
+        </a:ln>
+        <a:effectLst/>
+      </dsp:spPr>
+      <dsp:style>
+        <a:lnRef idx="2">
+          <a:scrgbClr r="0" g="0" b="0"/>
+        </a:lnRef>
+        <a:fillRef idx="1">
+          <a:scrgbClr r="0" g="0" b="0"/>
+        </a:fillRef>
+        <a:effectRef idx="0">
+          <a:scrgbClr r="0" g="0" b="0"/>
+        </a:effectRef>
+        <a:fontRef idx="minor">
+          <a:schemeClr val="lt1"/>
+        </a:fontRef>
+      </dsp:style>
+      <dsp:txBody>
+        <a:bodyPr spcFirstLastPara="0" vert="horz" wrap="square" lIns="16510" tIns="16510" rIns="16510" bIns="16510" numCol="1" spcCol="1270" anchor="ctr" anchorCtr="0">
+          <a:noAutofit/>
+        </a:bodyPr>
+        <a:lstStyle/>
+        <a:p>
+          <a:pPr lvl="0" algn="ctr" defTabSz="577850">
+            <a:lnSpc>
+              <a:spcPct val="90000"/>
+            </a:lnSpc>
+            <a:spcBef>
+              <a:spcPct val="0"/>
+            </a:spcBef>
+            <a:spcAft>
+              <a:spcPct val="35000"/>
+            </a:spcAft>
+          </a:pPr>
+          <a:r>
+            <a:rPr lang="en-US" sz="1300" kern="1200" dirty="0" smtClean="0"/>
+            <a:t>Configuration and other Maven Helper packages</a:t>
+          </a:r>
+          <a:endParaRPr lang="en-CA" sz="1300" kern="1200" dirty="0"/>
+        </a:p>
+      </dsp:txBody>
+      <dsp:txXfrm>
+        <a:off x="4028825" y="1908797"/>
+        <a:ext cx="1372070" cy="1186896"/>
+      </dsp:txXfrm>
+    </dsp:sp>
+    <dsp:sp modelId="{2E010704-FB27-4992-824C-97B80DEF0E66}">
+      <dsp:nvSpPr>
+        <dsp:cNvPr id="0" name=""/>
+        <dsp:cNvSpPr/>
+      </dsp:nvSpPr>
+      <dsp:spPr>
+        <a:xfrm>
+          <a:off x="4973836" y="765263"/>
+          <a:ext cx="774304" cy="667165"/>
+        </a:xfrm>
+        <a:prstGeom prst="hexagon">
+          <a:avLst>
+            <a:gd name="adj" fmla="val 28900"/>
+            <a:gd name="vf" fmla="val 115470"/>
+          </a:avLst>
+        </a:prstGeom>
+        <a:solidFill>
+          <a:schemeClr val="dk2">
+            <a:tint val="40000"/>
+            <a:hueOff val="0"/>
+            <a:satOff val="0"/>
+            <a:lumOff val="0"/>
+            <a:alphaOff val="0"/>
+          </a:schemeClr>
+        </a:solidFill>
+        <a:ln>
+          <a:noFill/>
+        </a:ln>
+        <a:effectLst/>
+      </dsp:spPr>
+      <dsp:style>
+        <a:lnRef idx="0">
+          <a:scrgbClr r="0" g="0" b="0"/>
+        </a:lnRef>
+        <a:fillRef idx="1">
+          <a:scrgbClr r="0" g="0" b="0"/>
+        </a:fillRef>
+        <a:effectRef idx="0">
+          <a:scrgbClr r="0" g="0" b="0"/>
+        </a:effectRef>
+        <a:fontRef idx="minor"/>
+      </dsp:style>
+    </dsp:sp>
+    <dsp:sp modelId="{7360E9F2-95A4-4900-BE42-C6C86A8174BC}">
+      <dsp:nvSpPr>
+        <dsp:cNvPr id="0" name=""/>
+        <dsp:cNvSpPr/>
+      </dsp:nvSpPr>
+      <dsp:spPr>
+        <a:xfrm>
+          <a:off x="3877781" y="0"/>
+          <a:ext cx="1681796" cy="1454951"/>
+        </a:xfrm>
+        <a:prstGeom prst="hexagon">
+          <a:avLst>
+            <a:gd name="adj" fmla="val 28570"/>
+            <a:gd name="vf" fmla="val 115470"/>
+          </a:avLst>
+        </a:prstGeom>
+        <a:solidFill>
+          <a:schemeClr val="dk2">
+            <a:hueOff val="0"/>
+            <a:satOff val="0"/>
+            <a:lumOff val="0"/>
+            <a:alphaOff val="0"/>
+          </a:schemeClr>
+        </a:solidFill>
+        <a:ln w="19050" cap="rnd" cmpd="sng" algn="ctr">
+          <a:solidFill>
+            <a:schemeClr val="lt2">
+              <a:hueOff val="0"/>
+              <a:satOff val="0"/>
+              <a:lumOff val="0"/>
+              <a:alphaOff val="0"/>
+            </a:schemeClr>
+          </a:solidFill>
+          <a:prstDash val="solid"/>
+        </a:ln>
+        <a:effectLst/>
+      </dsp:spPr>
+      <dsp:style>
+        <a:lnRef idx="2">
+          <a:scrgbClr r="0" g="0" b="0"/>
+        </a:lnRef>
+        <a:fillRef idx="1">
+          <a:scrgbClr r="0" g="0" b="0"/>
+        </a:fillRef>
+        <a:effectRef idx="0">
+          <a:scrgbClr r="0" g="0" b="0"/>
+        </a:effectRef>
+        <a:fontRef idx="minor">
+          <a:schemeClr val="lt1"/>
+        </a:fontRef>
+      </dsp:style>
+      <dsp:txBody>
+        <a:bodyPr spcFirstLastPara="0" vert="horz" wrap="square" lIns="16510" tIns="16510" rIns="16510" bIns="16510" numCol="1" spcCol="1270" anchor="ctr" anchorCtr="0">
+          <a:noAutofit/>
+        </a:bodyPr>
+        <a:lstStyle/>
+        <a:p>
+          <a:pPr lvl="0" algn="ctr" defTabSz="577850">
+            <a:lnSpc>
+              <a:spcPct val="90000"/>
+            </a:lnSpc>
+            <a:spcBef>
+              <a:spcPct val="0"/>
+            </a:spcBef>
+            <a:spcAft>
+              <a:spcPct val="35000"/>
+            </a:spcAft>
+          </a:pPr>
+          <a:r>
+            <a:rPr lang="en-US" sz="1300" kern="1200" dirty="0" smtClean="0"/>
+            <a:t>Logger – Log4j</a:t>
+          </a:r>
+          <a:endParaRPr lang="en-CA" sz="1300" kern="1200" dirty="0"/>
+        </a:p>
+      </dsp:txBody>
+      <dsp:txXfrm>
+        <a:off x="4156491" y="241116"/>
+        <a:ext cx="1124376" cy="972719"/>
+      </dsp:txXfrm>
+    </dsp:sp>
+    <dsp:sp modelId="{5DC57A08-BAF9-4EC0-A9FA-8C332E5CD5AC}">
+      <dsp:nvSpPr>
+        <dsp:cNvPr id="0" name=""/>
+        <dsp:cNvSpPr/>
+      </dsp:nvSpPr>
+      <dsp:spPr>
+        <a:xfrm>
+          <a:off x="5877509" y="2012507"/>
+          <a:ext cx="774304" cy="667165"/>
+        </a:xfrm>
+        <a:prstGeom prst="hexagon">
+          <a:avLst>
+            <a:gd name="adj" fmla="val 28900"/>
+            <a:gd name="vf" fmla="val 115470"/>
+          </a:avLst>
+        </a:prstGeom>
+        <a:solidFill>
+          <a:schemeClr val="dk2">
+            <a:tint val="40000"/>
+            <a:hueOff val="0"/>
+            <a:satOff val="0"/>
+            <a:lumOff val="0"/>
+            <a:alphaOff val="0"/>
+          </a:schemeClr>
+        </a:solidFill>
+        <a:ln>
+          <a:noFill/>
+        </a:ln>
+        <a:effectLst/>
+      </dsp:spPr>
+      <dsp:style>
+        <a:lnRef idx="0">
+          <a:scrgbClr r="0" g="0" b="0"/>
+        </a:lnRef>
+        <a:fillRef idx="1">
+          <a:scrgbClr r="0" g="0" b="0"/>
+        </a:fillRef>
+        <a:effectRef idx="0">
+          <a:scrgbClr r="0" g="0" b="0"/>
+        </a:effectRef>
+        <a:fontRef idx="minor"/>
+      </dsp:style>
+    </dsp:sp>
+    <dsp:sp modelId="{B6A31CCF-6EA5-4666-8B79-EADF3BF109C8}">
+      <dsp:nvSpPr>
+        <dsp:cNvPr id="0" name=""/>
+        <dsp:cNvSpPr/>
+      </dsp:nvSpPr>
+      <dsp:spPr>
+        <a:xfrm>
+          <a:off x="5420183" y="894892"/>
+          <a:ext cx="1681796" cy="1454951"/>
+        </a:xfrm>
+        <a:prstGeom prst="hexagon">
+          <a:avLst>
+            <a:gd name="adj" fmla="val 28570"/>
+            <a:gd name="vf" fmla="val 115470"/>
+          </a:avLst>
+        </a:prstGeom>
+        <a:solidFill>
+          <a:schemeClr val="dk2">
+            <a:hueOff val="0"/>
+            <a:satOff val="0"/>
+            <a:lumOff val="0"/>
+            <a:alphaOff val="0"/>
+          </a:schemeClr>
+        </a:solidFill>
+        <a:ln w="19050" cap="rnd" cmpd="sng" algn="ctr">
+          <a:solidFill>
+            <a:schemeClr val="lt2">
+              <a:hueOff val="0"/>
+              <a:satOff val="0"/>
+              <a:lumOff val="0"/>
+              <a:alphaOff val="0"/>
+            </a:schemeClr>
+          </a:solidFill>
+          <a:prstDash val="solid"/>
+        </a:ln>
+        <a:effectLst/>
+      </dsp:spPr>
+      <dsp:style>
+        <a:lnRef idx="2">
+          <a:scrgbClr r="0" g="0" b="0"/>
+        </a:lnRef>
+        <a:fillRef idx="1">
+          <a:scrgbClr r="0" g="0" b="0"/>
+        </a:fillRef>
+        <a:effectRef idx="0">
+          <a:scrgbClr r="0" g="0" b="0"/>
+        </a:effectRef>
+        <a:fontRef idx="minor">
+          <a:schemeClr val="lt1"/>
+        </a:fontRef>
+      </dsp:style>
+      <dsp:txBody>
+        <a:bodyPr spcFirstLastPara="0" vert="horz" wrap="square" lIns="16510" tIns="16510" rIns="16510" bIns="16510" numCol="1" spcCol="1270" anchor="ctr" anchorCtr="0">
+          <a:noAutofit/>
+        </a:bodyPr>
+        <a:lstStyle/>
+        <a:p>
+          <a:pPr lvl="0" algn="ctr" defTabSz="577850">
+            <a:lnSpc>
+              <a:spcPct val="90000"/>
+            </a:lnSpc>
+            <a:spcBef>
+              <a:spcPct val="0"/>
+            </a:spcBef>
+            <a:spcAft>
+              <a:spcPct val="35000"/>
+            </a:spcAft>
+          </a:pPr>
+          <a:r>
+            <a:rPr lang="en-US" sz="1300" kern="1200" dirty="0" smtClean="0"/>
+            <a:t>Test Data – Excel or any Data Source</a:t>
+          </a:r>
+          <a:endParaRPr lang="en-CA" sz="1300" kern="1200" dirty="0"/>
+        </a:p>
+      </dsp:txBody>
+      <dsp:txXfrm>
+        <a:off x="5698893" y="1136008"/>
+        <a:ext cx="1124376" cy="972719"/>
+      </dsp:txXfrm>
+    </dsp:sp>
+    <dsp:sp modelId="{1BD88831-CC22-4B91-B27B-56B3678D5383}">
+      <dsp:nvSpPr>
+        <dsp:cNvPr id="0" name=""/>
+        <dsp:cNvSpPr/>
+      </dsp:nvSpPr>
+      <dsp:spPr>
+        <a:xfrm>
+          <a:off x="5249760" y="3420411"/>
+          <a:ext cx="774304" cy="667165"/>
+        </a:xfrm>
+        <a:prstGeom prst="hexagon">
+          <a:avLst>
+            <a:gd name="adj" fmla="val 28900"/>
+            <a:gd name="vf" fmla="val 115470"/>
+          </a:avLst>
+        </a:prstGeom>
+        <a:solidFill>
+          <a:schemeClr val="dk2">
+            <a:tint val="40000"/>
+            <a:hueOff val="0"/>
+            <a:satOff val="0"/>
+            <a:lumOff val="0"/>
+            <a:alphaOff val="0"/>
+          </a:schemeClr>
+        </a:solidFill>
+        <a:ln>
+          <a:noFill/>
+        </a:ln>
+        <a:effectLst/>
+      </dsp:spPr>
+      <dsp:style>
+        <a:lnRef idx="0">
+          <a:scrgbClr r="0" g="0" b="0"/>
+        </a:lnRef>
+        <a:fillRef idx="1">
+          <a:scrgbClr r="0" g="0" b="0"/>
+        </a:fillRef>
+        <a:effectRef idx="0">
+          <a:scrgbClr r="0" g="0" b="0"/>
+        </a:effectRef>
+        <a:fontRef idx="minor"/>
+      </dsp:style>
+    </dsp:sp>
+    <dsp:sp modelId="{6A6BB049-43C3-4B2E-9AC6-BA3D5A91AC40}">
+      <dsp:nvSpPr>
+        <dsp:cNvPr id="0" name=""/>
+        <dsp:cNvSpPr/>
+      </dsp:nvSpPr>
+      <dsp:spPr>
+        <a:xfrm>
+          <a:off x="5420183" y="2654147"/>
+          <a:ext cx="1681796" cy="1454951"/>
+        </a:xfrm>
+        <a:prstGeom prst="hexagon">
+          <a:avLst>
+            <a:gd name="adj" fmla="val 28570"/>
+            <a:gd name="vf" fmla="val 115470"/>
+          </a:avLst>
+        </a:prstGeom>
+        <a:solidFill>
+          <a:schemeClr val="dk2">
+            <a:hueOff val="0"/>
+            <a:satOff val="0"/>
+            <a:lumOff val="0"/>
+            <a:alphaOff val="0"/>
+          </a:schemeClr>
+        </a:solidFill>
+        <a:ln w="19050" cap="rnd" cmpd="sng" algn="ctr">
+          <a:solidFill>
+            <a:schemeClr val="lt2">
+              <a:hueOff val="0"/>
+              <a:satOff val="0"/>
+              <a:lumOff val="0"/>
+              <a:alphaOff val="0"/>
+            </a:schemeClr>
+          </a:solidFill>
+          <a:prstDash val="solid"/>
+        </a:ln>
+        <a:effectLst/>
+      </dsp:spPr>
+      <dsp:style>
+        <a:lnRef idx="2">
+          <a:scrgbClr r="0" g="0" b="0"/>
+        </a:lnRef>
+        <a:fillRef idx="1">
+          <a:scrgbClr r="0" g="0" b="0"/>
+        </a:fillRef>
+        <a:effectRef idx="0">
+          <a:scrgbClr r="0" g="0" b="0"/>
+        </a:effectRef>
+        <a:fontRef idx="minor">
+          <a:schemeClr val="lt1"/>
+        </a:fontRef>
+      </dsp:style>
+      <dsp:txBody>
+        <a:bodyPr spcFirstLastPara="0" vert="horz" wrap="square" lIns="16510" tIns="16510" rIns="16510" bIns="16510" numCol="1" spcCol="1270" anchor="ctr" anchorCtr="0">
+          <a:noAutofit/>
+        </a:bodyPr>
+        <a:lstStyle/>
+        <a:p>
+          <a:pPr lvl="0" algn="ctr" defTabSz="577850">
+            <a:lnSpc>
+              <a:spcPct val="90000"/>
+            </a:lnSpc>
+            <a:spcBef>
+              <a:spcPct val="0"/>
+            </a:spcBef>
+            <a:spcAft>
+              <a:spcPct val="35000"/>
+            </a:spcAft>
+          </a:pPr>
+          <a:r>
+            <a:rPr lang="en-US" sz="1300" kern="1200" dirty="0" smtClean="0"/>
+            <a:t>Rest Assured Endpoint Tests</a:t>
+          </a:r>
+          <a:endParaRPr lang="en-CA" sz="1300" kern="1200" dirty="0"/>
+        </a:p>
+      </dsp:txBody>
+      <dsp:txXfrm>
+        <a:off x="5698893" y="2895263"/>
+        <a:ext cx="1124376" cy="972719"/>
+      </dsp:txXfrm>
+    </dsp:sp>
+    <dsp:sp modelId="{5447724F-8589-4497-A7B6-F6FE3919EA06}">
+      <dsp:nvSpPr>
+        <dsp:cNvPr id="0" name=""/>
+        <dsp:cNvSpPr/>
+      </dsp:nvSpPr>
+      <dsp:spPr>
+        <a:xfrm>
+          <a:off x="3692559" y="3566557"/>
+          <a:ext cx="774304" cy="667165"/>
+        </a:xfrm>
+        <a:prstGeom prst="hexagon">
+          <a:avLst>
+            <a:gd name="adj" fmla="val 28900"/>
+            <a:gd name="vf" fmla="val 115470"/>
+          </a:avLst>
+        </a:prstGeom>
+        <a:solidFill>
+          <a:schemeClr val="dk2">
+            <a:tint val="40000"/>
+            <a:hueOff val="0"/>
+            <a:satOff val="0"/>
+            <a:lumOff val="0"/>
+            <a:alphaOff val="0"/>
+          </a:schemeClr>
+        </a:solidFill>
+        <a:ln>
+          <a:noFill/>
+        </a:ln>
+        <a:effectLst/>
+      </dsp:spPr>
+      <dsp:style>
+        <a:lnRef idx="0">
+          <a:scrgbClr r="0" g="0" b="0"/>
+        </a:lnRef>
+        <a:fillRef idx="1">
+          <a:scrgbClr r="0" g="0" b="0"/>
+        </a:fillRef>
+        <a:effectRef idx="0">
+          <a:scrgbClr r="0" g="0" b="0"/>
+        </a:effectRef>
+        <a:fontRef idx="minor"/>
+      </dsp:style>
+    </dsp:sp>
+    <dsp:sp modelId="{EE87D950-AE85-4885-833C-5F16CEC04AD4}">
+      <dsp:nvSpPr>
+        <dsp:cNvPr id="0" name=""/>
+        <dsp:cNvSpPr/>
+      </dsp:nvSpPr>
+      <dsp:spPr>
+        <a:xfrm>
+          <a:off x="3877781" y="3550040"/>
+          <a:ext cx="1681796" cy="1454951"/>
+        </a:xfrm>
+        <a:prstGeom prst="hexagon">
+          <a:avLst>
+            <a:gd name="adj" fmla="val 28570"/>
+            <a:gd name="vf" fmla="val 115470"/>
+          </a:avLst>
+        </a:prstGeom>
+        <a:solidFill>
+          <a:schemeClr val="dk2">
+            <a:hueOff val="0"/>
+            <a:satOff val="0"/>
+            <a:lumOff val="0"/>
+            <a:alphaOff val="0"/>
+          </a:schemeClr>
+        </a:solidFill>
+        <a:ln w="19050" cap="rnd" cmpd="sng" algn="ctr">
+          <a:solidFill>
+            <a:schemeClr val="lt2">
+              <a:hueOff val="0"/>
+              <a:satOff val="0"/>
+              <a:lumOff val="0"/>
+              <a:alphaOff val="0"/>
+            </a:schemeClr>
+          </a:solidFill>
+          <a:prstDash val="solid"/>
+        </a:ln>
+        <a:effectLst/>
+      </dsp:spPr>
+      <dsp:style>
+        <a:lnRef idx="2">
+          <a:scrgbClr r="0" g="0" b="0"/>
+        </a:lnRef>
+        <a:fillRef idx="1">
+          <a:scrgbClr r="0" g="0" b="0"/>
+        </a:fillRef>
+        <a:effectRef idx="0">
+          <a:scrgbClr r="0" g="0" b="0"/>
+        </a:effectRef>
+        <a:fontRef idx="minor">
+          <a:schemeClr val="lt1"/>
+        </a:fontRef>
+      </dsp:style>
+      <dsp:txBody>
+        <a:bodyPr spcFirstLastPara="0" vert="horz" wrap="square" lIns="16510" tIns="16510" rIns="16510" bIns="16510" numCol="1" spcCol="1270" anchor="ctr" anchorCtr="0">
+          <a:noAutofit/>
+        </a:bodyPr>
+        <a:lstStyle/>
+        <a:p>
+          <a:pPr lvl="0" algn="ctr" defTabSz="577850">
+            <a:lnSpc>
+              <a:spcPct val="90000"/>
+            </a:lnSpc>
+            <a:spcBef>
+              <a:spcPct val="0"/>
+            </a:spcBef>
+            <a:spcAft>
+              <a:spcPct val="35000"/>
+            </a:spcAft>
+          </a:pPr>
+          <a:r>
+            <a:rPr lang="en-US" sz="1300" kern="1200" dirty="0" smtClean="0"/>
+            <a:t>Excel </a:t>
+          </a:r>
+          <a:r>
+            <a:rPr lang="en-US" sz="1300" kern="1200" dirty="0" err="1" smtClean="0"/>
+            <a:t>Util</a:t>
+          </a:r>
+          <a:r>
+            <a:rPr lang="en-US" sz="1300" kern="1200" dirty="0" smtClean="0"/>
+            <a:t> – Apache POI</a:t>
+          </a:r>
+          <a:endParaRPr lang="en-CA" sz="1300" kern="1200" dirty="0"/>
+        </a:p>
+      </dsp:txBody>
+      <dsp:txXfrm>
+        <a:off x="4156491" y="3791156"/>
+        <a:ext cx="1124376" cy="972719"/>
+      </dsp:txXfrm>
+    </dsp:sp>
+    <dsp:sp modelId="{4AED2990-2101-4C79-977B-C092A4A6FB7D}">
+      <dsp:nvSpPr>
+        <dsp:cNvPr id="0" name=""/>
+        <dsp:cNvSpPr/>
+      </dsp:nvSpPr>
+      <dsp:spPr>
+        <a:xfrm>
+          <a:off x="2774087" y="2319813"/>
+          <a:ext cx="774304" cy="667165"/>
+        </a:xfrm>
+        <a:prstGeom prst="hexagon">
+          <a:avLst>
+            <a:gd name="adj" fmla="val 28900"/>
+            <a:gd name="vf" fmla="val 115470"/>
+          </a:avLst>
+        </a:prstGeom>
+        <a:solidFill>
+          <a:schemeClr val="dk2">
+            <a:tint val="40000"/>
+            <a:hueOff val="0"/>
+            <a:satOff val="0"/>
+            <a:lumOff val="0"/>
+            <a:alphaOff val="0"/>
+          </a:schemeClr>
+        </a:solidFill>
+        <a:ln>
+          <a:noFill/>
+        </a:ln>
+        <a:effectLst/>
+      </dsp:spPr>
+      <dsp:style>
+        <a:lnRef idx="0">
+          <a:scrgbClr r="0" g="0" b="0"/>
+        </a:lnRef>
+        <a:fillRef idx="1">
+          <a:scrgbClr r="0" g="0" b="0"/>
+        </a:fillRef>
+        <a:effectRef idx="0">
+          <a:scrgbClr r="0" g="0" b="0"/>
+        </a:effectRef>
+        <a:fontRef idx="minor"/>
+      </dsp:style>
+    </dsp:sp>
+    <dsp:sp modelId="{89D81647-A11D-454E-801F-DDE67CCF84C4}">
+      <dsp:nvSpPr>
+        <dsp:cNvPr id="0" name=""/>
+        <dsp:cNvSpPr/>
+      </dsp:nvSpPr>
+      <dsp:spPr>
+        <a:xfrm>
+          <a:off x="2328218" y="2655148"/>
+          <a:ext cx="1681796" cy="1454951"/>
+        </a:xfrm>
+        <a:prstGeom prst="hexagon">
+          <a:avLst>
+            <a:gd name="adj" fmla="val 28570"/>
+            <a:gd name="vf" fmla="val 115470"/>
+          </a:avLst>
+        </a:prstGeom>
+        <a:solidFill>
+          <a:schemeClr val="dk2">
+            <a:hueOff val="0"/>
+            <a:satOff val="0"/>
+            <a:lumOff val="0"/>
+            <a:alphaOff val="0"/>
+          </a:schemeClr>
+        </a:solidFill>
+        <a:ln w="19050" cap="rnd" cmpd="sng" algn="ctr">
+          <a:solidFill>
+            <a:schemeClr val="lt2">
+              <a:hueOff val="0"/>
+              <a:satOff val="0"/>
+              <a:lumOff val="0"/>
+              <a:alphaOff val="0"/>
+            </a:schemeClr>
+          </a:solidFill>
+          <a:prstDash val="solid"/>
+        </a:ln>
+        <a:effectLst/>
+      </dsp:spPr>
+      <dsp:style>
+        <a:lnRef idx="2">
+          <a:scrgbClr r="0" g="0" b="0"/>
+        </a:lnRef>
+        <a:fillRef idx="1">
+          <a:scrgbClr r="0" g="0" b="0"/>
+        </a:fillRef>
+        <a:effectRef idx="0">
+          <a:scrgbClr r="0" g="0" b="0"/>
+        </a:effectRef>
+        <a:fontRef idx="minor">
+          <a:schemeClr val="lt1"/>
+        </a:fontRef>
+      </dsp:style>
+      <dsp:txBody>
+        <a:bodyPr spcFirstLastPara="0" vert="horz" wrap="square" lIns="16510" tIns="16510" rIns="16510" bIns="16510" numCol="1" spcCol="1270" anchor="ctr" anchorCtr="0">
+          <a:noAutofit/>
+        </a:bodyPr>
+        <a:lstStyle/>
+        <a:p>
+          <a:pPr lvl="0" algn="ctr" defTabSz="577850">
+            <a:lnSpc>
+              <a:spcPct val="90000"/>
+            </a:lnSpc>
+            <a:spcBef>
+              <a:spcPct val="0"/>
+            </a:spcBef>
+            <a:spcAft>
+              <a:spcPct val="35000"/>
+            </a:spcAft>
+          </a:pPr>
+          <a:r>
+            <a:rPr lang="en-US" sz="1300" kern="1200" dirty="0" smtClean="0"/>
+            <a:t>POJO Libraries – for functional Test validation</a:t>
+          </a:r>
+          <a:endParaRPr lang="en-CA" sz="1300" kern="1200" dirty="0"/>
+        </a:p>
+      </dsp:txBody>
+      <dsp:txXfrm>
+        <a:off x="2606928" y="2896264"/>
+        <a:ext cx="1124376" cy="972719"/>
+      </dsp:txXfrm>
+    </dsp:sp>
+    <dsp:sp modelId="{814EF781-74CB-4F81-990C-83E4E810E525}">
+      <dsp:nvSpPr>
+        <dsp:cNvPr id="0" name=""/>
+        <dsp:cNvSpPr/>
+      </dsp:nvSpPr>
+      <dsp:spPr>
+        <a:xfrm>
+          <a:off x="2328218" y="892890"/>
+          <a:ext cx="1681796" cy="1454951"/>
+        </a:xfrm>
+        <a:prstGeom prst="hexagon">
+          <a:avLst>
+            <a:gd name="adj" fmla="val 28570"/>
+            <a:gd name="vf" fmla="val 115470"/>
+          </a:avLst>
+        </a:prstGeom>
+        <a:solidFill>
+          <a:schemeClr val="dk2">
+            <a:hueOff val="0"/>
+            <a:satOff val="0"/>
+            <a:lumOff val="0"/>
+            <a:alphaOff val="0"/>
+          </a:schemeClr>
+        </a:solidFill>
+        <a:ln w="19050" cap="rnd" cmpd="sng" algn="ctr">
+          <a:solidFill>
+            <a:schemeClr val="lt2">
+              <a:hueOff val="0"/>
+              <a:satOff val="0"/>
+              <a:lumOff val="0"/>
+              <a:alphaOff val="0"/>
+            </a:schemeClr>
+          </a:solidFill>
+          <a:prstDash val="solid"/>
+        </a:ln>
+        <a:effectLst/>
+      </dsp:spPr>
+      <dsp:style>
+        <a:lnRef idx="2">
+          <a:scrgbClr r="0" g="0" b="0"/>
+        </a:lnRef>
+        <a:fillRef idx="1">
+          <a:scrgbClr r="0" g="0" b="0"/>
+        </a:fillRef>
+        <a:effectRef idx="0">
+          <a:scrgbClr r="0" g="0" b="0"/>
+        </a:effectRef>
+        <a:fontRef idx="minor">
+          <a:schemeClr val="lt1"/>
+        </a:fontRef>
+      </dsp:style>
+      <dsp:txBody>
+        <a:bodyPr spcFirstLastPara="0" vert="horz" wrap="square" lIns="16510" tIns="16510" rIns="16510" bIns="16510" numCol="1" spcCol="1270" anchor="ctr" anchorCtr="0">
+          <a:noAutofit/>
+        </a:bodyPr>
+        <a:lstStyle/>
+        <a:p>
+          <a:pPr lvl="0" algn="ctr" defTabSz="577850">
+            <a:lnSpc>
+              <a:spcPct val="90000"/>
+            </a:lnSpc>
+            <a:spcBef>
+              <a:spcPct val="0"/>
+            </a:spcBef>
+            <a:spcAft>
+              <a:spcPct val="35000"/>
+            </a:spcAft>
+          </a:pPr>
+          <a:r>
+            <a:rPr lang="en-US" sz="1300" kern="1200" dirty="0" err="1" smtClean="0"/>
+            <a:t>TestNG</a:t>
+          </a:r>
+          <a:r>
+            <a:rPr lang="en-US" sz="1300" kern="1200" dirty="0" smtClean="0"/>
+            <a:t> Controller </a:t>
+          </a:r>
+          <a:endParaRPr lang="en-CA" sz="1300" kern="1200" dirty="0"/>
+        </a:p>
+      </dsp:txBody>
+      <dsp:txXfrm>
+        <a:off x="2606928" y="1134006"/>
+        <a:ext cx="1124376" cy="972719"/>
+      </dsp:txXfrm>
+    </dsp:sp>
+  </dsp:spTree>
+</dsp:drawing>
+</file>
+
+<file path=ppt/diagrams/layout1.xml><?xml version="1.0" encoding="utf-8"?>
+<dgm:layoutDef xmlns:dgm="http://schemas.openxmlformats.org/drawingml/2006/diagram" xmlns:a="http://schemas.openxmlformats.org/drawingml/2006/main" uniqueId="urn:microsoft.com/office/officeart/2011/layout/HexagonRadial">
+  <dgm:title val="Hexagon Radial"/>
+  <dgm:desc val="Use to show a sequential process that relates to a central idea or theme. Limited to six Level 2 shapes. Works best with small amounts of text. Unused text does not appear, but remains available if you switch layouts."/>
+  <dgm:catLst>
+    <dgm:cat type="cycle" pri="8500"/>
+    <dgm:cat type="officeonline" pri="9000"/>
+  </dgm:catLst>
+  <dgm:sampData>
+    <dgm:dataModel>
+      <dgm:ptLst>
+        <dgm:pt modelId="0" type="doc"/>
+        <dgm:pt modelId="10">
+          <dgm:prSet phldr="1"/>
+        </dgm:pt>
+        <dgm:pt modelId="11">
+          <dgm:prSet phldr="1"/>
+        </dgm:pt>
+        <dgm:pt modelId="12">
+          <dgm:prSet phldr="1"/>
+        </dgm:pt>
+        <dgm:pt modelId="13">
+          <dgm:prSet phldr="1"/>
+        </dgm:pt>
+        <dgm:pt modelId="14">
+          <dgm:prSet phldr="1"/>
+        </dgm:pt>
+        <dgm:pt modelId="15">
+          <dgm:prSet phldr="1"/>
+        </dgm:pt>
+        <dgm:pt modelId="16">
+          <dgm:prSet phldr="1"/>
+        </dgm:pt>
+      </dgm:ptLst>
+      <dgm:cxnLst>
+        <dgm:cxn modelId="40" srcId="0" destId="10" srcOrd="0" destOrd="0"/>
+        <dgm:cxn modelId="50" srcId="10" destId="11" srcOrd="0" destOrd="0"/>
+        <dgm:cxn modelId="60" srcId="10" destId="12" srcOrd="0" destOrd="0"/>
+        <dgm:cxn modelId="70" srcId="10" destId="13" srcOrd="0" destOrd="0"/>
+        <dgm:cxn modelId="80" srcId="10" destId="14" srcOrd="0" destOrd="0"/>
+        <dgm:cxn modelId="90" srcId="10" destId="15" srcOrd="0" destOrd="0"/>
+        <dgm:cxn modelId="100" srcId="10" destId="16" srcOrd="0" destOrd="0"/>
+      </dgm:cxnLst>
+      <dgm:bg/>
+      <dgm:whole/>
+    </dgm:dataModel>
+  </dgm:sampData>
+  <dgm:styleData>
+    <dgm:dataModel>
+      <dgm:ptLst>
+        <dgm:pt modelId="0" type="doc"/>
+        <dgm:pt modelId="10">
+          <dgm:prSet phldr="1"/>
+        </dgm:pt>
+        <dgm:pt modelId="11">
+          <dgm:prSet phldr="1"/>
+        </dgm:pt>
+        <dgm:pt modelId="12">
+          <dgm:prSet phldr="1"/>
+        </dgm:pt>
+        <dgm:pt modelId="13">
+          <dgm:prSet phldr="1"/>
+        </dgm:pt>
+      </dgm:ptLst>
+      <dgm:cxnLst>
+        <dgm:cxn modelId="40" srcId="0" destId="10" srcOrd="0" destOrd="0"/>
+        <dgm:cxn modelId="50" srcId="10" destId="11" srcOrd="0" destOrd="0"/>
+        <dgm:cxn modelId="60" srcId="10" destId="12" srcOrd="0" destOrd="0"/>
+        <dgm:cxn modelId="70" srcId="10" destId="13" srcOrd="0" destOrd="0"/>
+      </dgm:cxnLst>
+      <dgm:bg/>
+      <dgm:whole/>
+    </dgm:dataModel>
+  </dgm:styleData>
+  <dgm:clrData>
+    <dgm:dataModel>
+      <dgm:ptLst>
+        <dgm:pt modelId="0" type="doc"/>
+        <dgm:pt modelId="10">
+          <dgm:prSet phldr="1"/>
+        </dgm:pt>
+        <dgm:pt modelId="11">
+          <dgm:prSet phldr="1"/>
+        </dgm:pt>
+        <dgm:pt modelId="12">
+          <dgm:prSet phldr="1"/>
+        </dgm:pt>
+        <dgm:pt modelId="13">
+          <dgm:prSet phldr="1"/>
+        </dgm:pt>
+        <dgm:pt modelId="14">
+          <dgm:prSet phldr="1"/>
+        </dgm:pt>
+        <dgm:pt modelId="15">
+          <dgm:prSet phldr="1"/>
+        </dgm:pt>
+        <dgm:pt modelId="16">
+          <dgm:prSet phldr="1"/>
+        </dgm:pt>
+      </dgm:ptLst>
+      <dgm:cxnLst>
+        <dgm:cxn modelId="40" srcId="0" destId="10" srcOrd="0" destOrd="0"/>
+        <dgm:cxn modelId="50" srcId="10" destId="11" srcOrd="0" destOrd="0"/>
+        <dgm:cxn modelId="60" srcId="10" destId="12" srcOrd="0" destOrd="0"/>
+        <dgm:cxn modelId="70" srcId="10" destId="13" srcOrd="0" destOrd="0"/>
+        <dgm:cxn modelId="80" srcId="10" destId="14" srcOrd="0" destOrd="0"/>
+        <dgm:cxn modelId="90" srcId="10" destId="15" srcOrd="0" destOrd="0"/>
+        <dgm:cxn modelId="100" srcId="10" destId="16" srcOrd="0" destOrd="0"/>
+      </dgm:cxnLst>
+      <dgm:bg/>
+      <dgm:whole/>
+    </dgm:dataModel>
+  </dgm:clrData>
+  <dgm:layoutNode name="Name0">
+    <dgm:varLst>
+      <dgm:chMax val="1"/>
+      <dgm:chPref val="1"/>
+      <dgm:dir/>
+      <dgm:animOne val="branch"/>
+      <dgm:animLvl val="lvl"/>
+    </dgm:varLst>
+    <dgm:shape xmlns:r="http://schemas.openxmlformats.org/officeDocument/2006/relationships" r:blip="">
+      <dgm:adjLst/>
+    </dgm:shape>
+    <dgm:choose name="Name1">
+      <dgm:if name="Name2" func="var" arg="dir" op="equ" val="norm">
+        <dgm:choose name="Name3">
+          <dgm:if name="Name4" axis="ch ch" ptType="node node" st="1 1" cnt="1 0" func="cnt" op="equ" val="0">
+            <dgm:alg type="composite">
+              <dgm:param type="ar" val="1.1561"/>
+            </dgm:alg>
+            <dgm:constrLst>
+              <dgm:constr type="primFontSz" for="des" forName="Parent" val="65"/>
+              <dgm:constr type="l" for="ch" forName="Parent" refType="w" fact="0"/>
+              <dgm:constr type="t" for="ch" forName="Parent" refType="h" fact="0"/>
+              <dgm:constr type="w" for="ch" forName="Parent" refType="w"/>
+              <dgm:constr type="h" for="ch" forName="Parent" refType="h"/>
+            </dgm:constrLst>
+          </dgm:if>
+          <dgm:if name="Name5" axis="ch ch" ptType="node node" st="1 1" cnt="1 0" func="cnt" op="lte" val="1">
+            <dgm:alg type="composite">
+              <dgm:param type="ar" val="1.368"/>
+            </dgm:alg>
+            <dgm:constrLst>
+              <dgm:constr type="primFontSz" for="des" forName="Parent" val="65"/>
+              <dgm:constr type="primFontSz" for="des" forName="Child1" val="65"/>
+              <dgm:constr type="primFontSz" for="des" forName="Child1" refType="primFontSz" refFor="des" refForName="Parent" op="lte"/>
+              <dgm:constr type="l" for="ch" forName="Accent1" refType="w" fact="0.1685"/>
+              <dgm:constr type="t" for="ch" forName="Accent1" refType="h" fact="0.2946"/>
+              <dgm:constr type="w" for="ch" forName="Accent1" refType="w" fact="0.462"/>
+              <dgm:constr type="h" for="ch" forName="Accent1" refType="h" fact="0.5472"/>
+              <dgm:constr type="l" for="ch" forName="Parent" refType="w" fact="0"/>
+              <dgm:constr type="t" for="ch" forName="Parent" refType="h" fact="0.2885"/>
+              <dgm:constr type="w" for="ch" forName="Parent" refType="w" fact="0.6013"/>
+              <dgm:constr type="h" for="ch" forName="Parent" refType="h" fact="0.7115"/>
+              <dgm:constr type="l" for="ch" forName="Child1" refType="w" fact="0.5073"/>
+              <dgm:constr type="t" for="ch" forName="Child1" refType="h" fact="0"/>
+              <dgm:constr type="w" for="ch" forName="Child1" refType="w" fact="0.4927"/>
+              <dgm:constr type="h" for="ch" forName="Child1" refType="h" fact="0.5831"/>
+            </dgm:constrLst>
+          </dgm:if>
+          <dgm:if name="Name6" axis="ch ch" ptType="node node" st="1 1" cnt="1 0" func="cnt" op="equ" val="2">
+            <dgm:alg type="composite">
+              <dgm:param type="ar" val="1.0619"/>
+            </dgm:alg>
+            <dgm:constrLst>
+              <dgm:constr type="primFontSz" for="des" forName="Parent" val="65"/>
+              <dgm:constr type="primFontSz" for="des" forName="Child1" val="65"/>
+              <dgm:constr type="primFontSz" for="des" forName="Child1" refType="primFontSz" refFor="des" refForName="Parent" op="lte"/>
+              <dgm:constr type="primFontSz" for="des" forName="Child2" refType="primFontSz" refFor="des" refForName="Parent" op="lte"/>
+              <dgm:constr type="primFontSz" for="des" forName="Child2" refType="primFontSz" refFor="des" refForName="Child1" op="equ"/>
+              <dgm:constr type="l" for="ch" forName="Accent2" refType="w" fact="0.6413"/>
+              <dgm:constr type="t" for="ch" forName="Accent2" refType="h" fact="0.3477"/>
+              <dgm:constr type="w" for="ch" forName="Accent2" refType="w" fact="0.2269"/>
+              <dgm:constr type="h" for="ch" forName="Accent2" refType="h" fact="0.2076"/>
+              <dgm:constr type="l" for="ch" forName="Accent1" refType="w" fact="0"/>
+              <dgm:constr type="t" for="ch" forName="Accent1" refType="h" fact="0"/>
+              <dgm:constr type="w" for="ch" forName="Accent1" refType="w" fact="0"/>
+              <dgm:constr type="h" for="ch" forName="Accent1" refType="h" fact="0"/>
+              <dgm:constr type="l" for="ch" forName="Parent" refType="w" fact="0"/>
+              <dgm:constr type="t" for="ch" forName="Parent" refType="h" fact="0.2239"/>
+              <dgm:constr type="w" for="ch" forName="Parent" refType="w" fact="0.6013"/>
+              <dgm:constr type="h" for="ch" forName="Parent" refType="h" fact="0.5523"/>
+              <dgm:constr type="l" for="ch" forName="Child1" refType="w" fact="0.5073"/>
+              <dgm:constr type="t" for="ch" forName="Child1" refType="h" fact="0"/>
+              <dgm:constr type="w" for="ch" forName="Child1" refType="w" fact="0.4927"/>
+              <dgm:constr type="h" for="ch" forName="Child1" refType="h" fact="0.4527"/>
+              <dgm:constr type="l" for="ch" forName="Child2" refType="w" fact="0.5073"/>
+              <dgm:constr type="t" for="ch" forName="Child2" refType="h" fact="0.5473"/>
+              <dgm:constr type="w" for="ch" forName="Child2" refType="w" fact="0.4927"/>
+              <dgm:constr type="h" for="ch" forName="Child2" refType="h" fact="0.4527"/>
+            </dgm:constrLst>
+          </dgm:if>
+          <dgm:if name="Name7" axis="ch ch" ptType="node node" st="1 1" cnt="1 0" func="cnt" op="equ" val="3">
+            <dgm:alg type="composite">
+              <dgm:param type="ar" val="0.8305"/>
+            </dgm:alg>
+            <dgm:constrLst>
+              <dgm:constr type="primFontSz" for="des" forName="Parent" val="65"/>
+              <dgm:constr type="primFontSz" for="des" forName="Child1" val="65"/>
+              <dgm:constr type="primFontSz" for="des" forName="Child1" refType="primFontSz" refFor="des" refForName="Parent" op="lte"/>
+              <dgm:constr type="primFontSz" for="des" forName="Child2" refType="primFontSz" refFor="des" refForName="Parent" op="lte"/>
+              <dgm:constr type="primFontSz" for="des" forName="Child3" refType="primFontSz" refFor="des" refForName="Parent" op="lte"/>
+              <dgm:constr type="primFontSz" for="des" forName="Child2" refType="primFontSz" refFor="des" refForName="Child1" op="equ"/>
+              <dgm:constr type="primFontSz" for="des" forName="Child3" refType="primFontSz" refFor="des" refForName="Child1" op="equ"/>
+              <dgm:constr type="l" for="ch" forName="Accent3" refType="w" fact="0.4573"/>
+              <dgm:constr type="t" for="ch" forName="Accent3" refType="h" fact="0.6145"/>
+              <dgm:constr type="w" for="ch" forName="Accent3" refType="w" fact="0.2269"/>
+              <dgm:constr type="h" for="ch" forName="Accent3" refType="h" fact="0.1623"/>
+              <dgm:constr type="l" for="ch" forName="Accent2" refType="w" fact="0.6413"/>
+              <dgm:constr type="t" for="ch" forName="Accent2" refType="h" fact="0.2719"/>
+              <dgm:constr type="w" for="ch" forName="Accent2" refType="w" fact="0.2269"/>
+              <dgm:constr type="h" for="ch" forName="Accent2" refType="h" fact="0.1623"/>
+              <dgm:constr type="l" for="ch" forName="Accent1" refType="w" fact="0"/>
+              <dgm:constr type="t" for="ch" forName="Accent1" refType="h" fact="0"/>
+              <dgm:constr type="w" for="ch" forName="Accent1" refType="w" fact="0"/>
+              <dgm:constr type="h" for="ch" forName="Accent1" refType="h" fact="0"/>
+              <dgm:constr type="l" for="ch" forName="Child3" refType="w" fact="0.0554"/>
+              <dgm:constr type="t" for="ch" forName="Child3" refType="h" fact="0.646"/>
+              <dgm:constr type="w" for="ch" forName="Child3" refType="w" fact="0.4927"/>
+              <dgm:constr type="h" for="ch" forName="Child3" refType="h" fact="0.354"/>
+              <dgm:constr type="l" for="ch" forName="Parent" refType="w" fact="0"/>
+              <dgm:constr type="t" for="ch" forName="Parent" refType="h" fact="0.1751"/>
+              <dgm:constr type="w" for="ch" forName="Parent" refType="w" fact="0.6013"/>
+              <dgm:constr type="h" for="ch" forName="Parent" refType="h" fact="0.4319"/>
+              <dgm:constr type="l" for="ch" forName="Child1" refType="w" fact="0.5073"/>
+              <dgm:constr type="t" for="ch" forName="Child1" refType="h" fact="0"/>
+              <dgm:constr type="w" for="ch" forName="Child1" refType="w" fact="0.4927"/>
+              <dgm:constr type="h" for="ch" forName="Child1" refType="h" fact="0.354"/>
+              <dgm:constr type="l" for="ch" forName="Child2" refType="w" fact="0.5073"/>
+              <dgm:constr type="t" for="ch" forName="Child2" refType="h" fact="0.428"/>
+              <dgm:constr type="w" for="ch" forName="Child2" refType="w" fact="0.4927"/>
+              <dgm:constr type="h" for="ch" forName="Child2" refType="h" fact="0.354"/>
+            </dgm:constrLst>
+          </dgm:if>
+          <dgm:if name="Name8" axis="ch ch" ptType="node node" st="1 1" cnt="1 0" func="cnt" op="equ" val="4">
+            <dgm:alg type="composite">
+              <dgm:param type="ar" val="0.682"/>
+            </dgm:alg>
+            <dgm:constrLst>
+              <dgm:constr type="primFontSz" for="des" forName="Parent" val="65"/>
+              <dgm:constr type="primFontSz" for="des" forName="Child1" val="65"/>
+              <dgm:constr type="primFontSz" for="des" forName="Child1" refType="primFontSz" refFor="des" refForName="Parent" op="lte"/>
+              <dgm:constr type="primFontSz" for="des" forName="Child2" refType="primFontSz" refFor="des" refForName="Parent" op="lte"/>
+              <dgm:constr type="primFontSz" for="des" forName="Child3" refType="primFontSz" refFor="des" refForName="Parent" op="lte"/>
+              <dgm:constr type="primFontSz" for="des" forName="Child4" refType="primFontSz" refFor="des" refForName="Parent" op="lte"/>
+              <dgm:constr type="primFontSz" for="des" forName="Child2" refType="primFontSz" refFor="des" refForName="Child1" op="equ"/>
+              <dgm:constr type="primFontSz" for="des" forName="Child3" refType="primFontSz" refFor="des" refForName="Child1" op="equ"/>
+              <dgm:constr type="primFontSz" for="des" forName="Child4" refType="primFontSz" refFor="des" refForName="Child1" op="equ"/>
+              <dgm:constr type="l" for="ch" forName="Accent4" refType="w" fact="0.4573"/>
+              <dgm:constr type="t" for="ch" forName="Accent4" refType="h" fact="0.6834"/>
+              <dgm:constr type="w" for="ch" forName="Accent4" refType="w" fact="0.2269"/>
+              <dgm:constr type="h" for="ch" forName="Accent4" refType="h" fact="0.1333"/>
+              <dgm:constr type="l" for="ch" forName="Accent3" refType="w" fact="0.6413"/>
+              <dgm:constr type="t" for="ch" forName="Accent3" refType="h" fact="0.4021"/>
+              <dgm:constr type="w" for="ch" forName="Accent3" refType="w" fact="0.2269"/>
+              <dgm:constr type="h" for="ch" forName="Accent3" refType="h" fact="0.1333"/>
+              <dgm:constr type="l" for="ch" forName="Accent2" refType="w" fact="0.3765"/>
+              <dgm:constr type="t" for="ch" forName="Accent2" refType="h" fact="0.1529"/>
+              <dgm:constr type="w" for="ch" forName="Accent2" refType="w" fact="0.2269"/>
+              <dgm:constr type="h" for="ch" forName="Accent2" refType="h" fact="0.1333"/>
+              <dgm:constr type="l" for="ch" forName="Accent1" refType="w" fact="0"/>
+              <dgm:constr type="t" for="ch" forName="Accent1" refType="h" fact="0"/>
+              <dgm:constr type="w" for="ch" forName="Accent1" refType="w" fact="0"/>
+              <dgm:constr type="h" for="ch" forName="Accent1" refType="h" fact="0"/>
+              <dgm:constr type="l" for="ch" forName="Child4" refType="w" fact="0.0554"/>
+              <dgm:constr type="t" for="ch" forName="Child4" refType="h" fact="0.7093"/>
+              <dgm:constr type="w" for="ch" forName="Child4" refType="w" fact="0.4927"/>
+              <dgm:constr type="h" for="ch" forName="Child4" refType="h" fact="0.2907"/>
+              <dgm:constr type="l" for="ch" forName="Parent" refType="w" fact="0"/>
+              <dgm:constr type="t" for="ch" forName="Parent" refType="h" fact="0.3226"/>
+              <dgm:constr type="w" for="ch" forName="Parent" refType="w" fact="0.6013"/>
+              <dgm:constr type="h" for="ch" forName="Parent" refType="h" fact="0.3547"/>
+              <dgm:constr type="l" for="ch" forName="Child2" refType="w" fact="0.5073"/>
+              <dgm:constr type="t" for="ch" forName="Child2" refType="h" fact="0.1788"/>
+              <dgm:constr type="w" for="ch" forName="Child2" refType="w" fact="0.4927"/>
+              <dgm:constr type="h" for="ch" forName="Child2" refType="h" fact="0.2907"/>
+              <dgm:constr type="l" for="ch" forName="Child3" refType="w" fact="0.5073"/>
+              <dgm:constr type="t" for="ch" forName="Child3" refType="h" fact="0.5303"/>
+              <dgm:constr type="w" for="ch" forName="Child3" refType="w" fact="0.4927"/>
+              <dgm:constr type="h" for="ch" forName="Child3" refType="h" fact="0.2907"/>
+              <dgm:constr type="l" for="ch" forName="Child1" refType="w" fact="0.0554"/>
+              <dgm:constr type="t" for="ch" forName="Child1" refType="h" fact="0"/>
+              <dgm:constr type="w" for="ch" forName="Child1" refType="w" fact="0.4927"/>
+              <dgm:constr type="h" for="ch" forName="Child1" refType="h" fact="0.2907"/>
+            </dgm:constrLst>
+          </dgm:if>
+          <dgm:if name="Name9" axis="ch ch" ptType="node node" st="1 1" cnt="1 0" func="cnt" op="equ" val="5">
+            <dgm:alg type="composite">
+              <dgm:param type="ar" val="0.9538"/>
+            </dgm:alg>
+            <dgm:constrLst>
+              <dgm:constr type="primFontSz" for="des" forName="Parent" val="65"/>
+              <dgm:constr type="primFontSz" for="des" forName="Child1" val="65"/>
+              <dgm:constr type="primFontSz" for="des" forName="Child1" refType="primFontSz" refFor="des" refForName="Parent" op="lte"/>
+              <dgm:constr type="primFontSz" for="des" forName="Child2" refType="primFontSz" refFor="des" refForName="Parent" op="lte"/>
+              <dgm:constr type="primFontSz" for="des" forName="Child3" refType="primFontSz" refFor="des" refForName="Parent" op="lte"/>
+              <dgm:constr type="primFontSz" for="des" forName="Child4" refType="primFontSz" refFor="des" refForName="Parent" op="lte"/>
+              <dgm:constr type="primFontSz" for="des" forName="Child5" refType="primFontSz" refFor="des" refForName="Parent" op="lte"/>
+              <dgm:constr type="primFontSz" for="des" forName="Child2" refType="primFontSz" refFor="des" refForName="Child1" op="equ"/>
+              <dgm:constr type="primFontSz" for="des" forName="Child3" refType="primFontSz" refFor="des" refForName="Child1" op="equ"/>
+              <dgm:constr type="primFontSz" for="des" forName="Child4" refType="primFontSz" refFor="des" refForName="Child1" op="equ"/>
+              <dgm:constr type="primFontSz" for="des" forName="Child5" refType="primFontSz" refFor="des" refForName="Child1" op="equ"/>
+              <dgm:constr type="l" for="ch" forName="Accent5" refType="w" fact="0.2858"/>
+              <dgm:constr type="t" for="ch" forName="Accent5" refType="h" fact="0.7126"/>
+              <dgm:constr type="w" for="ch" forName="Accent5" refType="w" fact="0.1622"/>
+              <dgm:constr type="h" for="ch" forName="Accent5" refType="h" fact="0.1333"/>
+              <dgm:constr type="l" for="ch" forName="Accent4" refType="w" fact="0.612"/>
+              <dgm:constr type="t" for="ch" forName="Accent4" refType="h" fact="0.6834"/>
+              <dgm:constr type="w" for="ch" forName="Accent4" refType="w" fact="0.1622"/>
+              <dgm:constr type="h" for="ch" forName="Accent4" refType="h" fact="0.1333"/>
+              <dgm:constr type="l" for="ch" forName="Accent3" refType="w" fact="0.7435"/>
+              <dgm:constr type="t" for="ch" forName="Accent3" refType="h" fact="0.4021"/>
+              <dgm:constr type="w" for="ch" forName="Accent3" refType="w" fact="0.1622"/>
+              <dgm:constr type="h" for="ch" forName="Accent3" refType="h" fact="0.1333"/>
+              <dgm:constr type="l" for="ch" forName="Accent2" refType="w" fact="0.5542"/>
+              <dgm:constr type="t" for="ch" forName="Accent2" refType="h" fact="0.1529"/>
+              <dgm:constr type="w" for="ch" forName="Accent2" refType="w" fact="0.1622"/>
+              <dgm:constr type="h" for="ch" forName="Accent2" refType="h" fact="0.1333"/>
+              <dgm:constr type="l" for="ch" forName="Accent1" refType="w" fact="0"/>
+              <dgm:constr type="t" for="ch" forName="Accent1" refType="h" fact="0"/>
+              <dgm:constr type="w" for="ch" forName="Accent1" refType="w" fact="0"/>
+              <dgm:constr type="h" for="ch" forName="Accent1" refType="h" fact="0"/>
+              <dgm:constr type="l" for="ch" forName="Child4" refType="w" fact="0.3246"/>
+              <dgm:constr type="t" for="ch" forName="Child4" refType="h" fact="0.7093"/>
+              <dgm:constr type="w" for="ch" forName="Child4" refType="w" fact="0.3523"/>
+              <dgm:constr type="h" for="ch" forName="Child4" refType="h" fact="0.2907"/>
+              <dgm:constr type="l" for="ch" forName="Parent" refType="w" fact="0.285"/>
+              <dgm:constr type="t" for="ch" forName="Parent" refType="h" fact="0.3226"/>
+              <dgm:constr type="w" for="ch" forName="Parent" refType="w" fact="0.4299"/>
+              <dgm:constr type="h" for="ch" forName="Parent" refType="h" fact="0.3547"/>
+              <dgm:constr type="l" for="ch" forName="Child2" refType="w" fact="0.6477"/>
+              <dgm:constr type="t" for="ch" forName="Child2" refType="h" fact="0.1788"/>
+              <dgm:constr type="w" for="ch" forName="Child2" refType="w" fact="0.3523"/>
+              <dgm:constr type="h" for="ch" forName="Child2" refType="h" fact="0.2907"/>
+              <dgm:constr type="l" for="ch" forName="Child3" refType="w" fact="0.6477"/>
+              <dgm:constr type="t" for="ch" forName="Child3" refType="h" fact="0.5303"/>
+              <dgm:constr type="w" for="ch" forName="Child3" refType="w" fact="0.3523"/>
+              <dgm:constr type="h" for="ch" forName="Child3" refType="h" fact="0.2907"/>
+              <dgm:constr type="l" for="ch" forName="Child5" refType="w" fact="0"/>
+              <dgm:constr type="t" for="ch" forName="Child5" refType="h" fact="0.5305"/>
+              <dgm:constr type="w" for="ch" forName="Child5" refType="w" fact="0.3523"/>
+              <dgm:constr type="h" for="ch" forName="Child5" refType="h" fact="0.2907"/>
+              <dgm:constr type="l" for="ch" forName="Child1" refType="w" fact="0.3246"/>
+              <dgm:constr type="t" for="ch" forName="Child1" refType="h" fact="0"/>
+              <dgm:constr type="w" for="ch" forName="Child1" refType="w" fact="0.3523"/>
+              <dgm:constr type="h" for="ch" forName="Child1" refType="h" fact="0.2907"/>
+            </dgm:constrLst>
+          </dgm:if>
+          <dgm:else name="Name10">
+            <dgm:alg type="composite">
+              <dgm:param type="ar" val="0.9538"/>
+            </dgm:alg>
+            <dgm:constrLst>
+              <dgm:constr type="primFontSz" for="des" forName="Parent" val="65"/>
+              <dgm:constr type="primFontSz" for="des" forName="Child1" val="65"/>
+              <dgm:constr type="primFontSz" for="des" forName="Child1" refType="primFontSz" refFor="des" refForName="Parent" op="lte"/>
+              <dgm:constr type="primFontSz" for="des" forName="Child2" refType="primFontSz" refFor="des" refForName="Parent" op="lte"/>
+              <dgm:constr type="primFontSz" for="des" forName="Child3" refType="primFontSz" refFor="des" refForName="Parent" op="lte"/>
+              <dgm:constr type="primFontSz" for="des" forName="Child4" refType="primFontSz" refFor="des" refForName="Parent" op="lte"/>
+              <dgm:constr type="primFontSz" for="des" forName="Child5" refType="primFontSz" refFor="des" refForName="Parent" op="lte"/>
+              <dgm:constr type="primFontSz" for="des" forName="Child6" refType="primFontSz" refFor="des" refForName="Parent" op="lte"/>
+              <dgm:constr type="primFontSz" for="des" forName="Child7" refType="primFontSz" refFor="des" refForName="Parent" op="lte"/>
+              <dgm:constr type="primFontSz" for="des" forName="Child2" refType="primFontSz" refFor="des" refForName="Child1" op="equ"/>
+              <dgm:constr type="primFontSz" for="des" forName="Child3" refType="primFontSz" refFor="des" refForName="Child1" op="equ"/>
+              <dgm:constr type="primFontSz" for="des" forName="Child4" refType="primFontSz" refFor="des" refForName="Child1" op="equ"/>
+              <dgm:constr type="primFontSz" for="des" forName="Child5" refType="primFontSz" refFor="des" refForName="Child1" op="equ"/>
+              <dgm:constr type="primFontSz" for="des" forName="Child6" refType="primFontSz" refFor="des" refForName="Child1" op="equ"/>
+              <dgm:constr type="primFontSz" for="des" forName="Child7" refType="primFontSz" refFor="des" refForName="Child1" op="equ"/>
+              <dgm:constr type="primFontSz" for="des" ptType="node" op="equ" val="65"/>
+              <dgm:constr type="l" for="ch" forName="Accent6" refType="w" fact="0.0934"/>
+              <dgm:constr type="t" for="ch" forName="Accent6" refType="h" fact="0.4635"/>
+              <dgm:constr type="w" for="ch" forName="Accent6" refType="w" fact="0.1622"/>
+              <dgm:constr type="h" for="ch" forName="Accent6" refType="h" fact="0.1333"/>
+              <dgm:constr type="l" for="ch" forName="Accent5" refType="w" fact="0.2858"/>
+              <dgm:constr type="t" for="ch" forName="Accent5" refType="h" fact="0.7126"/>
+              <dgm:constr type="w" for="ch" forName="Accent5" refType="w" fact="0.1622"/>
+              <dgm:constr type="h" for="ch" forName="Accent5" refType="h" fact="0.1333"/>
+              <dgm:constr type="l" for="ch" forName="Accent4" refType="w" fact="0.612"/>
+              <dgm:constr type="t" for="ch" forName="Accent4" refType="h" fact="0.6834"/>
+              <dgm:constr type="w" for="ch" forName="Accent4" refType="w" fact="0.1622"/>
+              <dgm:constr type="h" for="ch" forName="Accent4" refType="h" fact="0.1333"/>
+              <dgm:constr type="l" for="ch" forName="Accent3" refType="w" fact="0.7435"/>
+              <dgm:constr type="t" for="ch" forName="Accent3" refType="h" fact="0.4021"/>
+              <dgm:constr type="w" for="ch" forName="Accent3" refType="w" fact="0.1622"/>
+              <dgm:constr type="h" for="ch" forName="Accent3" refType="h" fact="0.1333"/>
+              <dgm:constr type="l" for="ch" forName="Accent2" refType="w" fact="0.5542"/>
+              <dgm:constr type="t" for="ch" forName="Accent2" refType="h" fact="0.1529"/>
+              <dgm:constr type="w" for="ch" forName="Accent2" refType="w" fact="0.1622"/>
+              <dgm:constr type="h" for="ch" forName="Accent2" refType="h" fact="0.1333"/>
+              <dgm:constr type="l" for="ch" forName="Accent1" refType="w" fact="0"/>
+              <dgm:constr type="t" for="ch" forName="Accent1" refType="h" fact="0"/>
+              <dgm:constr type="w" for="ch" forName="Accent1" refType="w" fact="0"/>
+              <dgm:constr type="h" for="ch" forName="Accent1" refType="h" fact="0"/>
+              <dgm:constr type="l" for="ch" forName="Child4" refType="w" fact="0.3246"/>
+              <dgm:constr type="t" for="ch" forName="Child4" refType="h" fact="0.7093"/>
+              <dgm:constr type="w" for="ch" forName="Child4" refType="w" fact="0.3523"/>
+              <dgm:constr type="h" for="ch" forName="Child4" refType="h" fact="0.2907"/>
+              <dgm:constr type="l" for="ch" forName="Parent" refType="w" fact="0.285"/>
+              <dgm:constr type="t" for="ch" forName="Parent" refType="h" fact="0.3226"/>
+              <dgm:constr type="w" for="ch" forName="Parent" refType="w" fact="0.4299"/>
+              <dgm:constr type="h" for="ch" forName="Parent" refType="h" fact="0.3547"/>
+              <dgm:constr type="l" for="ch" forName="Child2" refType="w" fact="0.6477"/>
+              <dgm:constr type="t" for="ch" forName="Child2" refType="h" fact="0.1788"/>
+              <dgm:constr type="w" for="ch" forName="Child2" refType="w" fact="0.3523"/>
+              <dgm:constr type="h" for="ch" forName="Child2" refType="h" fact="0.2907"/>
+              <dgm:constr type="l" for="ch" forName="Child3" refType="w" fact="0.6477"/>
+              <dgm:constr type="t" for="ch" forName="Child3" refType="h" fact="0.5303"/>
+              <dgm:constr type="w" for="ch" forName="Child3" refType="w" fact="0.3523"/>
+              <dgm:constr type="h" for="ch" forName="Child3" refType="h" fact="0.2907"/>
+              <dgm:constr type="l" for="ch" forName="Child5" refType="w" fact="0"/>
+              <dgm:constr type="t" for="ch" forName="Child5" refType="h" fact="0.5305"/>
+              <dgm:constr type="w" for="ch" forName="Child5" refType="w" fact="0.3523"/>
+              <dgm:constr type="h" for="ch" forName="Child5" refType="h" fact="0.2907"/>
+              <dgm:constr type="l" for="ch" forName="Child6" refType="w" fact="0"/>
+              <dgm:constr type="t" for="ch" forName="Child6" refType="h" fact="0.1784"/>
+              <dgm:constr type="w" for="ch" forName="Child6" refType="w" fact="0.3523"/>
+              <dgm:constr type="h" for="ch" forName="Child6" refType="h" fact="0.2907"/>
+              <dgm:constr type="l" for="ch" forName="Child1" refType="w" fact="0.3246"/>
+              <dgm:constr type="t" for="ch" forName="Child1" refType="h" fact="0"/>
+              <dgm:constr type="w" for="ch" forName="Child1" refType="w" fact="0.3523"/>
+              <dgm:constr type="h" for="ch" forName="Child1" refType="h" fact="0.2907"/>
+            </dgm:constrLst>
+          </dgm:else>
+        </dgm:choose>
+      </dgm:if>
+      <dgm:else name="Name11">
+        <dgm:choose name="Name12">
+          <dgm:if name="Name13" axis="ch ch" ptType="node node" st="1 1" cnt="1 0" func="cnt" op="equ" val="0">
+            <dgm:alg type="composite">
+              <dgm:param type="ar" val="1.1561"/>
+            </dgm:alg>
+            <dgm:constrLst>
+              <dgm:constr type="primFontSz" for="des" forName="Parent" val="65"/>
+              <dgm:constr type="l" for="ch" forName="Parent" refType="w" fact="0"/>
+              <dgm:constr type="t" for="ch" forName="Parent" refType="h" fact="0"/>
+              <dgm:constr type="w" for="ch" forName="Parent" refType="w"/>
+              <dgm:constr type="h" for="ch" forName="Parent" refType="h"/>
+            </dgm:constrLst>
+          </dgm:if>
+          <dgm:if name="Name14" axis="ch ch" ptType="node node" st="1 1" cnt="1 0" func="cnt" op="lte" val="1">
+            <dgm:alg type="composite">
+              <dgm:param type="ar" val="1.368"/>
+            </dgm:alg>
+            <dgm:constrLst>
+              <dgm:constr type="primFontSz" for="des" forName="Parent" val="65"/>
+              <dgm:constr type="primFontSz" for="des" forName="Child1" val="65"/>
+              <dgm:constr type="primFontSz" for="des" forName="Child1" refType="primFontSz" refFor="des" refForName="Parent" op="lte"/>
+              <dgm:constr type="r" for="ch" forName="Accent1" refType="w" fact="0.8315"/>
+              <dgm:constr type="t" for="ch" forName="Accent1" refType="h" fact="0.2946"/>
+              <dgm:constr type="w" for="ch" forName="Accent1" refType="w" fact="0.462"/>
+              <dgm:constr type="h" for="ch" forName="Accent1" refType="h" fact="0.5472"/>
+              <dgm:constr type="r" for="ch" forName="Parent" refType="w"/>
+              <dgm:constr type="t" for="ch" forName="Parent" refType="h" fact="0.2885"/>
+              <dgm:constr type="w" for="ch" forName="Parent" refType="w" fact="0.6013"/>
+              <dgm:constr type="h" for="ch" forName="Parent" refType="h" fact="0.7115"/>
+              <dgm:constr type="r" for="ch" forName="Child1" refType="w" fact="0.4927"/>
+              <dgm:constr type="t" for="ch" forName="Child1" refType="h" fact="0"/>
+              <dgm:constr type="w" for="ch" forName="Child1" refType="w" fact="0.4927"/>
+              <dgm:constr type="h" for="ch" forName="Child1" refType="h" fact="0.5831"/>
+            </dgm:constrLst>
+          </dgm:if>
+          <dgm:if name="Name15" axis="ch ch" ptType="node node" st="1 1" cnt="1 0" func="cnt" op="equ" val="2">
+            <dgm:alg type="composite">
+              <dgm:param type="ar" val="1.0619"/>
+            </dgm:alg>
+            <dgm:constrLst>
+              <dgm:constr type="primFontSz" for="des" forName="Parent" val="65"/>
+              <dgm:constr type="primFontSz" for="des" forName="Child1" val="65"/>
+              <dgm:constr type="primFontSz" for="des" forName="Child1" refType="primFontSz" refFor="des" refForName="Parent" op="lte"/>
+              <dgm:constr type="primFontSz" for="des" forName="Child2" refType="primFontSz" refFor="des" refForName="Parent" op="lte"/>
+              <dgm:constr type="primFontSz" for="des" forName="Child2" refType="primFontSz" refFor="des" refForName="Child1" op="equ"/>
+              <dgm:constr type="r" for="ch" forName="Accent2" refType="w" fact="0.3587"/>
+              <dgm:constr type="t" for="ch" forName="Accent2" refType="h" fact="0.3477"/>
+              <dgm:constr type="w" for="ch" forName="Accent2" refType="w" fact="0.2269"/>
+              <dgm:constr type="h" for="ch" forName="Accent2" refType="h" fact="0.2076"/>
+              <dgm:constr type="r" for="ch" forName="Accent1" refType="w" fact="0"/>
+              <dgm:constr type="t" for="ch" forName="Accent1" refType="h" fact="0"/>
+              <dgm:constr type="w" for="ch" forName="Accent1" refType="w" fact="0"/>
+              <dgm:constr type="h" for="ch" forName="Accent1" refType="h" fact="0"/>
+              <dgm:constr type="r" for="ch" forName="Parent" refType="w"/>
+              <dgm:constr type="t" for="ch" forName="Parent" refType="h" fact="0.2239"/>
+              <dgm:constr type="w" for="ch" forName="Parent" refType="w" fact="0.6013"/>
+              <dgm:constr type="h" for="ch" forName="Parent" refType="h" fact="0.5523"/>
+              <dgm:constr type="r" for="ch" forName="Child1" refType="w" fact="0.4927"/>
+              <dgm:constr type="t" for="ch" forName="Child1" refType="h" fact="0"/>
+              <dgm:constr type="w" for="ch" forName="Child1" refType="w" fact="0.4927"/>
+              <dgm:constr type="h" for="ch" forName="Child1" refType="h" fact="0.4527"/>
+              <dgm:constr type="r" for="ch" forName="Child2" refType="w" fact="0.5073"/>
+              <dgm:constr type="t" for="ch" forName="Child2" refType="h" fact="0.5473"/>
+              <dgm:constr type="w" for="ch" forName="Child2" refType="w" fact="0.4927"/>
+              <dgm:constr type="h" for="ch" forName="Child2" refType="h" fact="0.4527"/>
+            </dgm:constrLst>
+          </dgm:if>
+          <dgm:if name="Name16" axis="ch ch" ptType="node node" st="1 1" cnt="1 0" func="cnt" op="equ" val="3">
+            <dgm:alg type="composite">
+              <dgm:param type="ar" val="0.8305"/>
+            </dgm:alg>
+            <dgm:constrLst>
+              <dgm:constr type="primFontSz" for="des" forName="Parent" val="65"/>
+              <dgm:constr type="primFontSz" for="des" forName="Child1" val="65"/>
+              <dgm:constr type="primFontSz" for="des" forName="Child1" refType="primFontSz" refFor="des" refForName="Parent" op="lte"/>
+              <dgm:constr type="primFontSz" for="des" forName="Child2" refType="primFontSz" refFor="des" refForName="Parent" op="lte"/>
+              <dgm:constr type="primFontSz" for="des" forName="Child3" refType="primFontSz" refFor="des" refForName="Parent" op="lte"/>
+              <dgm:constr type="primFontSz" for="des" forName="Child2" refType="primFontSz" refFor="des" refForName="Child1" op="equ"/>
+              <dgm:constr type="primFontSz" for="des" forName="Child3" refType="primFontSz" refFor="des" refForName="Child1" op="equ"/>
+              <dgm:constr type="r" for="ch" forName="Accent3" refType="w" fact="0.5427"/>
+              <dgm:constr type="t" for="ch" forName="Accent3" refType="h" fact="0.6145"/>
+              <dgm:constr type="w" for="ch" forName="Accent3" refType="w" fact="0.2269"/>
+              <dgm:constr type="h" for="ch" forName="Accent3" refType="h" fact="0.1623"/>
+              <dgm:constr type="r" for="ch" forName="Accent2" refType="w" fact="0.3587"/>
+              <dgm:constr type="t" for="ch" forName="Accent2" refType="h" fact="0.2719"/>
+              <dgm:constr type="w" for="ch" forName="Accent2" refType="w" fact="0.2269"/>
+              <dgm:constr type="h" for="ch" forName="Accent2" refType="h" fact="0.1623"/>
+              <dgm:constr type="r" for="ch" forName="Accent1" refType="w" fact="0"/>
+              <dgm:constr type="t" for="ch" forName="Accent1" refType="h" fact="0"/>
+              <dgm:constr type="w" for="ch" forName="Accent1" refType="w" fact="0"/>
+              <dgm:constr type="h" for="ch" forName="Accent1" refType="h" fact="0"/>
+              <dgm:constr type="r" for="ch" forName="Child3" refType="w" fact="0.9446"/>
+              <dgm:constr type="t" for="ch" forName="Child3" refType="h" fact="0.646"/>
+              <dgm:constr type="w" for="ch" forName="Child3" refType="w" fact="0.4927"/>
+              <dgm:constr type="h" for="ch" forName="Child3" refType="h" fact="0.354"/>
+              <dgm:constr type="r" for="ch" forName="Parent" refType="w"/>
+              <dgm:constr type="t" for="ch" forName="Parent" refType="h" fact="0.1751"/>
+              <dgm:constr type="w" for="ch" forName="Parent" refType="w" fact="0.6013"/>
+              <dgm:constr type="h" for="ch" forName="Parent" refType="h" fact="0.4319"/>
+              <dgm:constr type="r" for="ch" forName="Child1" refType="w" fact="0.4927"/>
+              <dgm:constr type="t" for="ch" forName="Child1" refType="h" fact="0"/>
+              <dgm:constr type="w" for="ch" forName="Child1" refType="w" fact="0.4927"/>
+              <dgm:constr type="h" for="ch" forName="Child1" refType="h" fact="0.354"/>
+              <dgm:constr type="r" for="ch" forName="Child2" refType="w" fact="0.4927"/>
+              <dgm:constr type="t" for="ch" forName="Child2" refType="h" fact="0.428"/>
+              <dgm:constr type="w" for="ch" forName="Child2" refType="w" fact="0.4927"/>
+              <dgm:constr type="h" for="ch" forName="Child2" refType="h" fact="0.354"/>
+            </dgm:constrLst>
+          </dgm:if>
+          <dgm:if name="Name17" axis="ch ch" ptType="node node" st="1 1" cnt="1 0" func="cnt" op="equ" val="4">
+            <dgm:alg type="composite">
+              <dgm:param type="ar" val="0.682"/>
+            </dgm:alg>
+            <dgm:constrLst>
+              <dgm:constr type="primFontSz" for="des" forName="Parent" val="65"/>
+              <dgm:constr type="primFontSz" for="des" forName="Child1" val="65"/>
+              <dgm:constr type="primFontSz" for="des" forName="Child1" refType="primFontSz" refFor="des" refForName="Parent" op="lte"/>
+              <dgm:constr type="primFontSz" for="des" forName="Child2" refType="primFontSz" refFor="des" refForName="Parent" op="lte"/>
+              <dgm:constr type="primFontSz" for="des" forName="Child3" refType="primFontSz" refFor="des" refForName="Parent" op="lte"/>
+              <dgm:constr type="primFontSz" for="des" forName="Child4" refType="primFontSz" refFor="des" refForName="Parent" op="lte"/>
+              <dgm:constr type="primFontSz" for="des" forName="Child2" refType="primFontSz" refFor="des" refForName="Child1" op="equ"/>
+              <dgm:constr type="primFontSz" for="des" forName="Child3" refType="primFontSz" refFor="des" refForName="Child1" op="equ"/>
+              <dgm:constr type="primFontSz" for="des" forName="Child4" refType="primFontSz" refFor="des" refForName="Child1" op="equ"/>
+              <dgm:constr type="r" for="ch" forName="Accent4" refType="w" fact="0.5427"/>
+              <dgm:constr type="t" for="ch" forName="Accent4" refType="h" fact="0.6834"/>
+              <dgm:constr type="w" for="ch" forName="Accent4" refType="w" fact="0.2269"/>
+              <dgm:constr type="h" for="ch" forName="Accent4" refType="h" fact="0.1333"/>
+              <dgm:constr type="r" for="ch" forName="Accent3" refType="w" fact="0.3587"/>
+              <dgm:constr type="t" for="ch" forName="Accent3" refType="h" fact="0.4021"/>
+              <dgm:constr type="w" for="ch" forName="Accent3" refType="w" fact="0.2269"/>
+              <dgm:constr type="h" for="ch" forName="Accent3" refType="h" fact="0.1333"/>
+              <dgm:constr type="r" for="ch" forName="Accent2" refType="w" fact="0.6235"/>
+              <dgm:constr type="t" for="ch" forName="Accent2" refType="h" fact="0.1529"/>
+              <dgm:constr type="w" for="ch" forName="Accent2" refType="w" fact="0.2269"/>
+              <dgm:constr type="h" for="ch" forName="Accent2" refType="h" fact="0.1333"/>
+              <dgm:constr type="r" for="ch" forName="Accent1" refType="w" fact="0"/>
+              <dgm:constr type="t" for="ch" forName="Accent1" refType="h" fact="0"/>
+              <dgm:constr type="w" for="ch" forName="Accent1" refType="w" fact="0"/>
+              <dgm:constr type="h" for="ch" forName="Accent1" refType="h" fact="0"/>
+              <dgm:constr type="r" for="ch" forName="Child4" refType="w" fact="0.9446"/>
+              <dgm:constr type="t" for="ch" forName="Child4" refType="h" fact="0.7093"/>
+              <dgm:constr type="w" for="ch" forName="Child4" refType="w" fact="0.4927"/>
+              <dgm:constr type="h" for="ch" forName="Child4" refType="h" fact="0.2907"/>
+              <dgm:constr type="r" for="ch" forName="Parent" refType="w"/>
+              <dgm:constr type="t" for="ch" forName="Parent" refType="h" fact="0.3226"/>
+              <dgm:constr type="w" for="ch" forName="Parent" refType="w" fact="0.6013"/>
+              <dgm:constr type="h" for="ch" forName="Parent" refType="h" fact="0.3547"/>
+              <dgm:constr type="r" for="ch" forName="Child2" refType="w" fact="0.4927"/>
+              <dgm:constr type="t" for="ch" forName="Child2" refType="h" fact="0.1788"/>
+              <dgm:constr type="w" for="ch" forName="Child2" refType="w" fact="0.4927"/>
+              <dgm:constr type="h" for="ch" forName="Child2" refType="h" fact="0.2907"/>
+              <dgm:constr type="r" for="ch" forName="Child3" refType="w" fact="0.4927"/>
+              <dgm:constr type="t" for="ch" forName="Child3" refType="h" fact="0.5303"/>
+              <dgm:constr type="w" for="ch" forName="Child3" refType="w" fact="0.4927"/>
+              <dgm:constr type="h" for="ch" forName="Child3" refType="h" fact="0.2907"/>
+              <dgm:constr type="r" for="ch" forName="Child1" refType="w" fact="0.9446"/>
+              <dgm:constr type="t" for="ch" forName="Child1" refType="h" fact="0"/>
+              <dgm:constr type="w" for="ch" forName="Child1" refType="w" fact="0.4927"/>
+              <dgm:constr type="h" for="ch" forName="Child1" refType="h" fact="0.2907"/>
+            </dgm:constrLst>
+          </dgm:if>
+          <dgm:if name="Name18" axis="ch ch" ptType="node node" st="1 1" cnt="1 0" func="cnt" op="equ" val="5">
+            <dgm:alg type="composite">
+              <dgm:param type="ar" val="0.9538"/>
+            </dgm:alg>
+            <dgm:constrLst>
+              <dgm:constr type="primFontSz" for="des" forName="Parent" val="65"/>
+              <dgm:constr type="primFontSz" for="des" forName="Child1" val="65"/>
+              <dgm:constr type="primFontSz" for="des" forName="Child1" refType="primFontSz" refFor="des" refForName="Parent" op="lte"/>
+              <dgm:constr type="primFontSz" for="des" forName="Child2" refType="primFontSz" refFor="des" refForName="Parent" op="lte"/>
+              <dgm:constr type="primFontSz" for="des" forName="Child3" refType="primFontSz" refFor="des" refForName="Parent" op="lte"/>
+              <dgm:constr type="primFontSz" for="des" forName="Child4" refType="primFontSz" refFor="des" refForName="Parent" op="lte"/>
+              <dgm:constr type="primFontSz" for="des" forName="Child5" refType="primFontSz" refFor="des" refForName="Parent" op="lte"/>
+              <dgm:constr type="primFontSz" for="des" forName="Child2" refType="primFontSz" refFor="des" refForName="Child1" op="equ"/>
+              <dgm:constr type="primFontSz" for="des" forName="Child3" refType="primFontSz" refFor="des" refForName="Child1" op="equ"/>
+              <dgm:constr type="primFontSz" for="des" forName="Child4" refType="primFontSz" refFor="des" refForName="Child1" op="equ"/>
+              <dgm:constr type="primFontSz" for="des" forName="Child5" refType="primFontSz" refFor="des" refForName="Child1" op="equ"/>
+              <dgm:constr type="r" for="ch" forName="Accent5" refType="w" fact="0.7142"/>
+              <dgm:constr type="t" for="ch" forName="Accent5" refType="h" fact="0.7126"/>
+              <dgm:constr type="w" for="ch" forName="Accent5" refType="w" fact="0.1622"/>
+              <dgm:constr type="h" for="ch" forName="Accent5" refType="h" fact="0.1333"/>
+              <dgm:constr type="r" for="ch" forName="Accent4" refType="w" fact="0.388"/>
+              <dgm:constr type="t" for="ch" forName="Accent4" refType="h" fact="0.6834"/>
+              <dgm:constr type="w" for="ch" forName="Accent4" refType="w" fact="0.1622"/>
+              <dgm:constr type="h" for="ch" forName="Accent4" refType="h" fact="0.1333"/>
+              <dgm:constr type="r" for="ch" forName="Accent3" refType="w" fact="0.2565"/>
+              <dgm:constr type="t" for="ch" forName="Accent3" refType="h" fact="0.4021"/>
+              <dgm:constr type="w" for="ch" forName="Accent3" refType="w" fact="0.1622"/>
+              <dgm:constr type="h" for="ch" forName="Accent3" refType="h" fact="0.1333"/>
+              <dgm:constr type="r" for="ch" forName="Accent2" refType="w" fact="0.4458"/>
+              <dgm:constr type="t" for="ch" forName="Accent2" refType="h" fact="0.1529"/>
+              <dgm:constr type="w" for="ch" forName="Accent2" refType="w" fact="0.1622"/>
+              <dgm:constr type="h" for="ch" forName="Accent2" refType="h" fact="0.1333"/>
+              <dgm:constr type="r" for="ch" forName="Accent1" refType="w" fact="0"/>
+              <dgm:constr type="t" for="ch" forName="Accent1" refType="h" fact="0"/>
+              <dgm:constr type="w" for="ch" forName="Accent1" refType="w" fact="0"/>
+              <dgm:constr type="h" for="ch" forName="Accent1" refType="h" fact="0"/>
+              <dgm:constr type="r" for="ch" forName="Child4" refType="w" fact="0.6754"/>
+              <dgm:constr type="t" for="ch" forName="Child4" refType="h" fact="0.7093"/>
+              <dgm:constr type="w" for="ch" forName="Child4" refType="w" fact="0.3523"/>
+              <dgm:constr type="h" for="ch" forName="Child4" refType="h" fact="0.2907"/>
+              <dgm:constr type="r" for="ch" forName="Parent" refType="w" fact="0.715"/>
+              <dgm:constr type="t" for="ch" forName="Parent" refType="h" fact="0.3226"/>
+              <dgm:constr type="w" for="ch" forName="Parent" refType="w" fact="0.4299"/>
+              <dgm:constr type="h" for="ch" forName="Parent" refType="h" fact="0.3547"/>
+              <dgm:constr type="r" for="ch" forName="Child2" refType="w" fact="0.3523"/>
+              <dgm:constr type="t" for="ch" forName="Child2" refType="h" fact="0.1788"/>
+              <dgm:constr type="w" for="ch" forName="Child2" refType="w" fact="0.3523"/>
+              <dgm:constr type="h" for="ch" forName="Child2" refType="h" fact="0.2907"/>
+              <dgm:constr type="r" for="ch" forName="Child3" refType="w" fact="0.3523"/>
+              <dgm:constr type="t" for="ch" forName="Child3" refType="h" fact="0.5303"/>
+              <dgm:constr type="w" for="ch" forName="Child3" refType="w" fact="0.3523"/>
+              <dgm:constr type="h" for="ch" forName="Child3" refType="h" fact="0.2907"/>
+              <dgm:constr type="r" for="ch" forName="Child5" refType="w"/>
+              <dgm:constr type="t" for="ch" forName="Child5" refType="h" fact="0.5305"/>
+              <dgm:constr type="w" for="ch" forName="Child5" refType="w" fact="0.3523"/>
+              <dgm:constr type="h" for="ch" forName="Child5" refType="h" fact="0.2907"/>
+              <dgm:constr type="r" for="ch" forName="Child1" refType="w" fact="0.6754"/>
+              <dgm:constr type="t" for="ch" forName="Child1" refType="h" fact="0"/>
+              <dgm:constr type="w" for="ch" forName="Child1" refType="w" fact="0.3523"/>
+              <dgm:constr type="h" for="ch" forName="Child1" refType="h" fact="0.2907"/>
+            </dgm:constrLst>
+          </dgm:if>
+          <dgm:else name="Name19">
+            <dgm:alg type="composite">
+              <dgm:param type="ar" val="0.9538"/>
+            </dgm:alg>
+            <dgm:constrLst>
+              <dgm:constr type="primFontSz" for="des" forName="Parent" val="65"/>
+              <dgm:constr type="primFontSz" for="des" forName="Child1" val="65"/>
+              <dgm:constr type="primFontSz" for="des" forName="Child1" refType="primFontSz" refFor="des" refForName="Parent" op="lte"/>
+              <dgm:constr type="primFontSz" for="des" forName="Child2" refType="primFontSz" refFor="des" refForName="Parent" op="lte"/>
+              <dgm:constr type="primFontSz" for="des" forName="Child3" refType="primFontSz" refFor="des" refForName="Parent" op="lte"/>
+              <dgm:constr type="primFontSz" for="des" forName="Child4" refType="primFontSz" refFor="des" refForName="Parent" op="lte"/>
+              <dgm:constr type="primFontSz" for="des" forName="Child5" refType="primFontSz" refFor="des" refForName="Parent" op="lte"/>
+              <dgm:constr type="primFontSz" for="des" forName="Child6" refType="primFontSz" refFor="des" refForName="Parent" op="lte"/>
+              <dgm:constr type="primFontSz" for="des" forName="Child7" refType="primFontSz" refFor="des" refForName="Parent" op="lte"/>
+              <dgm:constr type="primFontSz" for="des" forName="Child2" refType="primFontSz" refFor="des" refForName="Child1" op="equ"/>
+              <dgm:constr type="primFontSz" for="des" forName="Child3" refType="primFontSz" refFor="des" refForName="Child1" op="equ"/>
+              <dgm:constr type="primFontSz" for="des" forName="Child4" refType="primFontSz" refFor="des" refForName="Child1" op="equ"/>
+              <dgm:constr type="primFontSz" for="des" forName="Child5" refType="primFontSz" refFor="des" refForName="Child1" op="equ"/>
+              <dgm:constr type="primFontSz" for="des" forName="Child6" refType="primFontSz" refFor="des" refForName="Child1" op="equ"/>
+              <dgm:constr type="primFontSz" for="des" forName="Child7" refType="primFontSz" refFor="des" refForName="Child1" op="equ"/>
+              <dgm:constr type="primFontSz" for="des" ptType="node" op="equ" val="65"/>
+              <dgm:constr type="r" for="ch" forName="Accent6" refType="w" fact="0.9066"/>
+              <dgm:constr type="t" for="ch" forName="Accent6" refType="h" fact="0.4635"/>
+              <dgm:constr type="w" for="ch" forName="Accent6" refType="w" fact="0.1622"/>
+              <dgm:constr type="h" for="ch" forName="Accent6" refType="h" fact="0.1333"/>
+              <dgm:constr type="r" for="ch" forName="Accent5" refType="w" fact="0.7142"/>
+              <dgm:constr type="t" for="ch" forName="Accent5" refType="h" fact="0.7126"/>
+              <dgm:constr type="w" for="ch" forName="Accent5" refType="w" fact="0.1622"/>
+              <dgm:constr type="h" for="ch" forName="Accent5" refType="h" fact="0.1333"/>
+              <dgm:constr type="r" for="ch" forName="Accent4" refType="w" fact="0.388"/>
+              <dgm:constr type="t" for="ch" forName="Accent4" refType="h" fact="0.6834"/>
+              <dgm:constr type="w" for="ch" forName="Accent4" refType="w" fact="0.1622"/>
+              <dgm:constr type="h" for="ch" forName="Accent4" refType="h" fact="0.1333"/>
+              <dgm:constr type="r" for="ch" forName="Accent3" refType="w" fact="0.2565"/>
+              <dgm:constr type="t" for="ch" forName="Accent3" refType="h" fact="0.4021"/>
+              <dgm:constr type="w" for="ch" forName="Accent3" refType="w" fact="0.1622"/>
+              <dgm:constr type="h" for="ch" forName="Accent3" refType="h" fact="0.1333"/>
+              <dgm:constr type="r" for="ch" forName="Accent2" refType="w" fact="0.4458"/>
+              <dgm:constr type="t" for="ch" forName="Accent2" refType="h" fact="0.1529"/>
+              <dgm:constr type="w" for="ch" forName="Accent2" refType="w" fact="0.1622"/>
+              <dgm:constr type="h" for="ch" forName="Accent2" refType="h" fact="0.1333"/>
+              <dgm:constr type="r" for="ch" forName="Accent1" refType="w" fact="0"/>
+              <dgm:constr type="t" for="ch" forName="Accent1" refType="h" fact="0"/>
+              <dgm:constr type="w" for="ch" forName="Accent1" refType="w" fact="0"/>
+              <dgm:constr type="h" for="ch" forName="Accent1" refType="h" fact="0"/>
+              <dgm:constr type="r" for="ch" forName="Child4" refType="w" fact="0.6754"/>
+              <dgm:constr type="t" for="ch" forName="Child4" refType="h" fact="0.7093"/>
+              <dgm:constr type="w" for="ch" forName="Child4" refType="w" fact="0.3523"/>
+              <dgm:constr type="h" for="ch" forName="Child4" refType="h" fact="0.2907"/>
+              <dgm:constr type="r" for="ch" forName="Parent" refType="w" fact="0.715"/>
+              <dgm:constr type="t" for="ch" forName="Parent" refType="h" fact="0.3226"/>
+              <dgm:constr type="w" for="ch" forName="Parent" refType="w" fact="0.4299"/>
+              <dgm:constr type="h" for="ch" forName="Parent" refType="h" fact="0.3547"/>
+              <dgm:constr type="r" for="ch" forName="Child2" refType="w" fact="0.3523"/>
+              <dgm:constr type="t" for="ch" forName="Child2" refType="h" fact="0.1788"/>
+              <dgm:constr type="w" for="ch" forName="Child2" refType="w" fact="0.3523"/>
+              <dgm:constr type="h" for="ch" forName="Child2" refType="h" fact="0.2907"/>
+              <dgm:constr type="r" for="ch" forName="Child3" refType="w" fact="0.3523"/>
+              <dgm:constr type="t" for="ch" forName="Child3" refType="h" fact="0.5303"/>
+              <dgm:constr type="w" for="ch" forName="Child3" refType="w" fact="0.3523"/>
+              <dgm:constr type="h" for="ch" forName="Child3" refType="h" fact="0.2907"/>
+              <dgm:constr type="r" for="ch" forName="Child5" refType="w"/>
+              <dgm:constr type="t" for="ch" forName="Child5" refType="h" fact="0.5305"/>
+              <dgm:constr type="w" for="ch" forName="Child5" refType="w" fact="0.3523"/>
+              <dgm:constr type="h" for="ch" forName="Child5" refType="h" fact="0.2907"/>
+              <dgm:constr type="r" for="ch" forName="Child6" refType="w"/>
+              <dgm:constr type="t" for="ch" forName="Child6" refType="h" fact="0.1784"/>
+              <dgm:constr type="w" for="ch" forName="Child6" refType="w" fact="0.3523"/>
+              <dgm:constr type="h" for="ch" forName="Child6" refType="h" fact="0.2907"/>
+              <dgm:constr type="r" for="ch" forName="Child1" refType="w" fact="0.6754"/>
+              <dgm:constr type="t" for="ch" forName="Child1" refType="h" fact="0"/>
+              <dgm:constr type="w" for="ch" forName="Child1" refType="w" fact="0.3523"/>
+              <dgm:constr type="h" for="ch" forName="Child1" refType="h" fact="0.2907"/>
+            </dgm:constrLst>
+          </dgm:else>
+        </dgm:choose>
+      </dgm:else>
+    </dgm:choose>
+    <dgm:forEach name="wrapper" axis="self" ptType="parTrans">
+      <dgm:forEach name="accentRepeat" axis="self">
+        <dgm:layoutNode name="Accent" styleLbl="bgShp">
+          <dgm:alg type="sp"/>
+          <dgm:shape xmlns:r="http://schemas.openxmlformats.org/officeDocument/2006/relationships" type="hexagon" r:blip="" zOrderOff="-2">
+            <dgm:adjLst>
+              <dgm:adj idx="1" val="0.289"/>
+              <dgm:adj idx="2" val="1.1547"/>
+            </dgm:adjLst>
+          </dgm:shape>
+          <dgm:presOf/>
+        </dgm:layoutNode>
+      </dgm:forEach>
+    </dgm:forEach>
+    <dgm:forEach name="Name20" axis="ch" ptType="node" cnt="1">
+      <dgm:layoutNode name="Parent" styleLbl="node0">
+        <dgm:varLst>
+          <dgm:chMax val="6"/>
+          <dgm:chPref val="6"/>
+        </dgm:varLst>
+        <dgm:alg type="tx"/>
+        <dgm:shape xmlns:r="http://schemas.openxmlformats.org/officeDocument/2006/relationships" type="hexagon" r:blip="">
+          <dgm:adjLst>
+            <dgm:adj idx="1" val="0.2857"/>
+            <dgm:adj idx="2" val="1.1547"/>
+          </dgm:adjLst>
+        </dgm:shape>
+        <dgm:presOf axis="self"/>
+        <dgm:constrLst>
+          <dgm:constr type="lMarg" refType="primFontSz" fact="0.1"/>
+          <dgm:constr type="rMarg" refType="primFontSz" fact="0.1"/>
+          <dgm:constr type="tMarg" refType="primFontSz" fact="0.1"/>
+          <dgm:constr type="bMarg" refType="primFontSz" fact="0.1"/>
+        </dgm:constrLst>
+        <dgm:ruleLst>
+          <dgm:rule type="primFontSz" val="5" fact="NaN" max="NaN"/>
+        </dgm:ruleLst>
+      </dgm:layoutNode>
+    </dgm:forEach>
+    <dgm:forEach name="Name21" axis="ch ch" ptType="node node" st="1 1" cnt="1 1">
+      <dgm:layoutNode name="Accent1">
+        <dgm:alg type="sp"/>
+        <dgm:shape xmlns:r="http://schemas.openxmlformats.org/officeDocument/2006/relationships" r:blip="" zOrderOff="-2">
+          <dgm:adjLst/>
+        </dgm:shape>
+        <dgm:presOf/>
+        <dgm:constrLst/>
+        <dgm:forEach name="Name22" ref="accentRepeat"/>
+      </dgm:layoutNode>
+      <dgm:layoutNode name="Child1" styleLbl="node1">
+        <dgm:varLst>
+          <dgm:chMax val="0"/>
+          <dgm:chPref val="0"/>
+          <dgm:bulletEnabled val="1"/>
+        </dgm:varLst>
+        <dgm:alg type="tx">
+          <dgm:param type="shpTxLTRAlignCh" val="ctr"/>
+          <dgm:param type="txAnchorVertCh" val="mid"/>
+        </dgm:alg>
+        <dgm:shape xmlns:r="http://schemas.openxmlformats.org/officeDocument/2006/relationships" type="hexagon" r:blip="">
+          <dgm:adjLst>
+            <dgm:adj idx="1" val="0.2857"/>
+            <dgm:adj idx="2" val="1.1547"/>
+          </dgm:adjLst>
+        </dgm:shape>
+        <dgm:presOf axis="desOrSelf" ptType="node"/>
+        <dgm:constrLst>
+          <dgm:constr type="lMarg" refType="primFontSz" fact="0.1"/>
+          <dgm:constr type="rMarg" refType="primFontSz" fact="0.1"/>
+          <dgm:constr type="tMarg" refType="primFontSz" fact="0.1"/>
+          <dgm:constr type="bMarg" refType="primFontSz" fact="0.1"/>
+        </dgm:constrLst>
+        <dgm:ruleLst>
+          <dgm:rule type="primFontSz" val="5" fact="NaN" max="NaN"/>
+        </dgm:ruleLst>
+      </dgm:layoutNode>
+    </dgm:forEach>
+    <dgm:forEach name="Name23" axis="ch ch" ptType="node node" st="1 2" cnt="1 1">
+      <dgm:layoutNode name="Accent2">
+        <dgm:alg type="sp"/>
+        <dgm:shape xmlns:r="http://schemas.openxmlformats.org/officeDocument/2006/relationships" r:blip="" zOrderOff="-2">
+          <dgm:adjLst/>
+        </dgm:shape>
+        <dgm:presOf/>
+        <dgm:constrLst/>
+        <dgm:forEach name="Name24" ref="accentRepeat"/>
+      </dgm:layoutNode>
+      <dgm:layoutNode name="Child2" styleLbl="node1">
+        <dgm:varLst>
+          <dgm:chMax val="0"/>
+          <dgm:chPref val="0"/>
+          <dgm:bulletEnabled val="1"/>
+        </dgm:varLst>
+        <dgm:alg type="tx">
+          <dgm:param type="shpTxLTRAlignCh" val="ctr"/>
+          <dgm:param type="txAnchorVertCh" val="mid"/>
+        </dgm:alg>
+        <dgm:shape xmlns:r="http://schemas.openxmlformats.org/officeDocument/2006/relationships" type="hexagon" r:blip="">
+          <dgm:adjLst>
+            <dgm:adj idx="1" val="0.2857"/>
+            <dgm:adj idx="2" val="1.1547"/>
+          </dgm:adjLst>
+        </dgm:shape>
+        <dgm:presOf axis="desOrSelf" ptType="node"/>
+        <dgm:constrLst>
+          <dgm:constr type="lMarg" refType="primFontSz" fact="0.1"/>
+          <dgm:constr type="rMarg" refType="primFontSz" fact="0.1"/>
+          <dgm:constr type="tMarg" refType="primFontSz" fact="0.1"/>
+          <dgm:constr type="bMarg" refType="primFontSz" fact="0.1"/>
+        </dgm:constrLst>
+        <dgm:ruleLst>
+          <dgm:rule type="primFontSz" val="5" fact="NaN" max="NaN"/>
+        </dgm:ruleLst>
+      </dgm:layoutNode>
+    </dgm:forEach>
+    <dgm:forEach name="Name25" axis="ch ch" ptType="node node" st="1 3" cnt="1 1">
+      <dgm:layoutNode name="Accent3">
+        <dgm:alg type="sp"/>
+        <dgm:shape xmlns:r="http://schemas.openxmlformats.org/officeDocument/2006/relationships" r:blip="" zOrderOff="-2">
+          <dgm:adjLst/>
+        </dgm:shape>
+        <dgm:presOf/>
+        <dgm:constrLst/>
+        <dgm:forEach name="Name26" ref="accentRepeat"/>
+      </dgm:layoutNode>
+      <dgm:layoutNode name="Child3" styleLbl="node1">
+        <dgm:varLst>
+          <dgm:chMax val="0"/>
+          <dgm:chPref val="0"/>
+          <dgm:bulletEnabled val="1"/>
+        </dgm:varLst>
+        <dgm:alg type="tx">
+          <dgm:param type="shpTxLTRAlignCh" val="ctr"/>
+          <dgm:param type="txAnchorVertCh" val="mid"/>
+        </dgm:alg>
+        <dgm:shape xmlns:r="http://schemas.openxmlformats.org/officeDocument/2006/relationships" type="hexagon" r:blip="">
+          <dgm:adjLst>
+            <dgm:adj idx="1" val="0.2857"/>
+            <dgm:adj idx="2" val="1.1547"/>
+          </dgm:adjLst>
+        </dgm:shape>
+        <dgm:presOf axis="desOrSelf" ptType="node"/>
+        <dgm:constrLst>
+          <dgm:constr type="lMarg" refType="primFontSz" fact="0.1"/>
+          <dgm:constr type="rMarg" refType="primFontSz" fact="0.1"/>
+          <dgm:constr type="tMarg" refType="primFontSz" fact="0.1"/>
+          <dgm:constr type="bMarg" refType="primFontSz" fact="0.1"/>
+        </dgm:constrLst>
+        <dgm:ruleLst>
+          <dgm:rule type="primFontSz" val="5" fact="NaN" max="NaN"/>
+        </dgm:ruleLst>
+      </dgm:layoutNode>
+    </dgm:forEach>
+    <dgm:forEach name="Name27" axis="ch ch" ptType="node node" st="1 4" cnt="1 1">
+      <dgm:layoutNode name="Accent4">
+        <dgm:alg type="sp"/>
+        <dgm:shape xmlns:r="http://schemas.openxmlformats.org/officeDocument/2006/relationships" r:blip="">
+          <dgm:adjLst/>
+        </dgm:shape>
+        <dgm:presOf/>
+        <dgm:constrLst/>
+        <dgm:forEach name="Name28" ref="accentRepeat"/>
+      </dgm:layoutNode>
+      <dgm:layoutNode name="Child4" styleLbl="node1">
+        <dgm:varLst>
+          <dgm:chMax val="0"/>
+          <dgm:chPref val="0"/>
+          <dgm:bulletEnabled val="1"/>
+        </dgm:varLst>
+        <dgm:alg type="tx">
+          <dgm:param type="shpTxLTRAlignCh" val="ctr"/>
+          <dgm:param type="txAnchorVertCh" val="mid"/>
+        </dgm:alg>
+        <dgm:shape xmlns:r="http://schemas.openxmlformats.org/officeDocument/2006/relationships" type="hexagon" r:blip="">
+          <dgm:adjLst>
+            <dgm:adj idx="1" val="0.2857"/>
+            <dgm:adj idx="2" val="1.1547"/>
+          </dgm:adjLst>
+        </dgm:shape>
+        <dgm:presOf axis="desOrSelf" ptType="node"/>
+        <dgm:constrLst>
+          <dgm:constr type="lMarg" refType="primFontSz" fact="0.1"/>
+          <dgm:constr type="rMarg" refType="primFontSz" fact="0.1"/>
+          <dgm:constr type="tMarg" refType="primFontSz" fact="0.1"/>
+          <dgm:constr type="bMarg" refType="primFontSz" fact="0.1"/>
+        </dgm:constrLst>
+        <dgm:ruleLst>
+          <dgm:rule type="primFontSz" val="5" fact="NaN" max="NaN"/>
+        </dgm:ruleLst>
+      </dgm:layoutNode>
+    </dgm:forEach>
+    <dgm:forEach name="Name29" axis="ch ch" ptType="node node" st="1 5" cnt="1 1">
+      <dgm:layoutNode name="Accent5">
+        <dgm:alg type="sp"/>
+        <dgm:shape xmlns:r="http://schemas.openxmlformats.org/officeDocument/2006/relationships" r:blip="">
+          <dgm:adjLst/>
+        </dgm:shape>
+        <dgm:presOf/>
+        <dgm:constrLst/>
+        <dgm:forEach name="Name30" ref="accentRepeat"/>
+      </dgm:layoutNode>
+      <dgm:layoutNode name="Child5" styleLbl="node1">
+        <dgm:varLst>
+          <dgm:chMax val="0"/>
+          <dgm:chPref val="0"/>
+          <dgm:bulletEnabled val="1"/>
+        </dgm:varLst>
+        <dgm:alg type="tx">
+          <dgm:param type="shpTxLTRAlignCh" val="ctr"/>
+          <dgm:param type="txAnchorVertCh" val="mid"/>
+        </dgm:alg>
+        <dgm:shape xmlns:r="http://schemas.openxmlformats.org/officeDocument/2006/relationships" type="hexagon" r:blip="">
+          <dgm:adjLst>
+            <dgm:adj idx="1" val="0.2857"/>
+            <dgm:adj idx="2" val="1.1547"/>
+          </dgm:adjLst>
+        </dgm:shape>
+        <dgm:presOf axis="desOrSelf" ptType="node"/>
+        <dgm:constrLst>
+          <dgm:constr type="lMarg" refType="primFontSz" fact="0.1"/>
+          <dgm:constr type="rMarg" refType="primFontSz" fact="0.1"/>
+          <dgm:constr type="tMarg" refType="primFontSz" fact="0.1"/>
+          <dgm:constr type="bMarg" refType="primFontSz" fact="0.1"/>
+        </dgm:constrLst>
+        <dgm:ruleLst>
+          <dgm:rule type="primFontSz" val="5" fact="NaN" max="NaN"/>
+        </dgm:ruleLst>
+      </dgm:layoutNode>
+    </dgm:forEach>
+    <dgm:forEach name="Name31" axis="ch ch" ptType="node node" st="1 6" cnt="1 1">
+      <dgm:layoutNode name="Accent6">
+        <dgm:alg type="sp"/>
+        <dgm:shape xmlns:r="http://schemas.openxmlformats.org/officeDocument/2006/relationships" r:blip="">
+          <dgm:adjLst/>
+        </dgm:shape>
+        <dgm:presOf/>
+        <dgm:constrLst/>
+        <dgm:forEach name="Name32" ref="accentRepeat"/>
+      </dgm:layoutNode>
+      <dgm:layoutNode name="Child6" styleLbl="node1">
+        <dgm:varLst>
+          <dgm:chMax val="0"/>
+          <dgm:chPref val="0"/>
+          <dgm:bulletEnabled val="1"/>
+        </dgm:varLst>
+        <dgm:alg type="tx">
+          <dgm:param type="shpTxLTRAlignCh" val="ctr"/>
+          <dgm:param type="txAnchorVertCh" val="mid"/>
+        </dgm:alg>
+        <dgm:shape xmlns:r="http://schemas.openxmlformats.org/officeDocument/2006/relationships" type="hexagon" r:blip="">
+          <dgm:adjLst>
+            <dgm:adj idx="1" val="0.2857"/>
+            <dgm:adj idx="2" val="1.1547"/>
+          </dgm:adjLst>
+        </dgm:shape>
+        <dgm:presOf axis="desOrSelf" ptType="node"/>
+        <dgm:constrLst>
+          <dgm:constr type="lMarg" refType="primFontSz" fact="0.1"/>
+          <dgm:constr type="rMarg" refType="primFontSz" fact="0.1"/>
+          <dgm:constr type="tMarg" refType="primFontSz" fact="0.1"/>
+          <dgm:constr type="bMarg" refType="primFontSz" fact="0.1"/>
+        </dgm:constrLst>
+        <dgm:ruleLst>
+          <dgm:rule type="primFontSz" val="5" fact="NaN" max="NaN"/>
+        </dgm:ruleLst>
+      </dgm:layoutNode>
+    </dgm:forEach>
+  </dgm:layoutNode>
+</dgm:layoutDef>
+</file>
+
+<file path=ppt/diagrams/quickStyle1.xml><?xml version="1.0" encoding="utf-8"?>
+<dgm:styleDef xmlns:dgm="http://schemas.openxmlformats.org/drawingml/2006/diagram" xmlns:a="http://schemas.openxmlformats.org/drawingml/2006/main" uniqueId="urn:microsoft.com/office/officeart/2005/8/quickstyle/simple1">
+  <dgm:title val=""/>
+  <dgm:desc val=""/>
+  <dgm:catLst>
+    <dgm:cat type="simple" pri="10100"/>
+  </dgm:catLst>
+  <dgm:scene3d>
+    <a:camera prst="orthographicFront"/>
+    <a:lightRig rig="threePt" dir="t"/>
+  </dgm:scene3d>
+  <dgm:styleLbl name="node0">
+    <dgm:scene3d>
+      <a:camera prst="orthographicFront"/>
+      <a:lightRig rig="threePt" dir="t"/>
+    </dgm:scene3d>
+    <dgm:sp3d/>
+    <dgm:txPr/>
+    <dgm:style>
+      <a:lnRef idx="2">
+        <a:scrgbClr r="0" g="0" b="0"/>
+      </a:lnRef>
+      <a:fillRef idx="1">
+        <a:scrgbClr r="0" g="0" b="0"/>
+      </a:fillRef>
+      <a:effectRef idx="0">
+        <a:scrgbClr r="0" g="0" b="0"/>
+      </a:effectRef>
+      <a:fontRef idx="minor">
+        <a:schemeClr val="lt1"/>
+      </a:fontRef>
+    </dgm:style>
+  </dgm:styleLbl>
+  <dgm:styleLbl name="lnNode1">
+    <dgm:scene3d>
+      <a:camera prst="orthographicFront"/>
+      <a:lightRig rig="threePt" dir="t"/>
+    </dgm:scene3d>
+    <dgm:sp3d/>
+    <dgm:txPr/>
+    <dgm:style>
+      <a:lnRef idx="2">
+        <a:scrgbClr r="0" g="0" b="0"/>
+      </a:lnRef>
+      <a:fillRef idx="1">
+        <a:scrgbClr r="0" g="0" b="0"/>
+      </a:fillRef>
+      <a:effectRef idx="0">
+        <a:scrgbClr r="0" g="0" b="0"/>
+      </a:effectRef>
+      <a:fontRef idx="minor">
+        <a:schemeClr val="lt1"/>
+      </a:fontRef>
+    </dgm:style>
+  </dgm:styleLbl>
+  <dgm:styleLbl name="vennNode1">
+    <dgm:scene3d>
+      <a:camera prst="orthographicFront"/>
+      <a:lightRig rig="threePt" dir="t"/>
+    </dgm:scene3d>
+    <dgm:sp3d/>
+    <dgm:txPr/>
+    <dgm:style>
+      <a:lnRef idx="2">
+        <a:scrgbClr r="0" g="0" b="0"/>
+      </a:lnRef>
+      <a:fillRef idx="1">
+        <a:scrgbClr r="0" g="0" b="0"/>
+      </a:fillRef>
+      <a:effectRef idx="0">
+        <a:scrgbClr r="0" g="0" b="0"/>
+      </a:effectRef>
+      <a:fontRef idx="minor">
+        <a:schemeClr val="tx1"/>
+      </a:fontRef>
+    </dgm:style>
+  </dgm:styleLbl>
+  <dgm:styleLbl name="alignNode1">
+    <dgm:scene3d>
+      <a:camera prst="orthographicFront"/>
+      <a:lightRig rig="threePt" dir="t"/>
+    </dgm:scene3d>
+    <dgm:sp3d/>
+    <dgm:txPr/>
+    <dgm:style>
+      <a:lnRef idx="2">
+        <a:scrgbClr r="0" g="0" b="0"/>
+      </a:lnRef>
+      <a:fillRef idx="1">
+        <a:scrgbClr r="0" g="0" b="0"/>
+      </a:fillRef>
+      <a:effectRef idx="0">
+        <a:scrgbClr r="0" g="0" b="0"/>
+      </a:effectRef>
+      <a:fontRef idx="minor">
+        <a:schemeClr val="lt1"/>
+      </a:fontRef>
+    </dgm:style>
+  </dgm:styleLbl>
+  <dgm:styleLbl name="node1">
+    <dgm:scene3d>
+      <a:camera prst="orthographicFront"/>
+      <a:lightRig rig="threePt" dir="t"/>
+    </dgm:scene3d>
+    <dgm:sp3d/>
+    <dgm:txPr/>
+    <dgm:style>
+      <a:lnRef idx="2">
+        <a:scrgbClr r="0" g="0" b="0"/>
+      </a:lnRef>
+      <a:fillRef idx="1">
+        <a:scrgbClr r="0" g="0" b="0"/>
+      </a:fillRef>
+      <a:effectRef idx="0">
+        <a:scrgbClr r="0" g="0" b="0"/>
+      </a:effectRef>
+      <a:fontRef idx="minor">
+        <a:schemeClr val="lt1"/>
+      </a:fontRef>
+    </dgm:style>
+  </dgm:styleLbl>
+  <dgm:styleLbl name="node2">
+    <dgm:scene3d>
+      <a:camera prst="orthographicFront"/>
+      <a:lightRig rig="threePt" dir="t"/>
+    </dgm:scene3d>
+    <dgm:sp3d/>
+    <dgm:txPr/>
+    <dgm:style>
+      <a:lnRef idx="2">
+        <a:scrgbClr r="0" g="0" b="0"/>
+      </a:lnRef>
+      <a:fillRef idx="1">
+        <a:scrgbClr r="0" g="0" b="0"/>
+      </a:fillRef>
+      <a:effectRef idx="0">
+        <a:scrgbClr r="0" g="0" b="0"/>
+      </a:effectRef>
+      <a:fontRef idx="minor">
+        <a:schemeClr val="lt1"/>
+      </a:fontRef>
+    </dgm:style>
+  </dgm:styleLbl>
+  <dgm:styleLbl name="node3">
+    <dgm:scene3d>
+      <a:camera prst="orthographicFront"/>
+      <a:lightRig rig="threePt" dir="t"/>
+    </dgm:scene3d>
+    <dgm:sp3d/>
+    <dgm:txPr/>
+    <dgm:style>
+      <a:lnRef idx="2">
+        <a:scrgbClr r="0" g="0" b="0"/>
+      </a:lnRef>
+      <a:fillRef idx="1">
+        <a:scrgbClr r="0" g="0" b="0"/>
+      </a:fillRef>
+      <a:effectRef idx="0">
+        <a:scrgbClr r="0" g="0" b="0"/>
+      </a:effectRef>
+      <a:fontRef idx="minor">
+        <a:schemeClr val="lt1"/>
+      </a:fontRef>
+    </dgm:style>
+  </dgm:styleLbl>
+  <dgm:styleLbl name="node4">
+    <dgm:scene3d>
+      <a:camera prst="orthographicFront"/>
+      <a:lightRig rig="threePt" dir="t"/>
+    </dgm:scene3d>
+    <dgm:sp3d/>
+    <dgm:txPr/>
+    <dgm:style>
+      <a:lnRef idx="2">
+        <a:scrgbClr r="0" g="0" b="0"/>
+      </a:lnRef>
+      <a:fillRef idx="1">
+        <a:scrgbClr r="0" g="0" b="0"/>
+      </a:fillRef>
+      <a:effectRef idx="0">
+        <a:scrgbClr r="0" g="0" b="0"/>
+      </a:effectRef>
+      <a:fontRef idx="minor">
+        <a:schemeClr val="lt1"/>
+      </a:fontRef>
+    </dgm:style>
+  </dgm:styleLbl>
+  <dgm:styleLbl name="fgImgPlace1">
+    <dgm:scene3d>
+      <a:camera prst="orthographicFront"/>
+      <a:lightRig rig="threePt" dir="t"/>
+    </dgm:scene3d>
+    <dgm:sp3d/>
+    <dgm:txPr/>
+    <dgm:style>
+      <a:lnRef idx="2">
+        <a:scrgbClr r="0" g="0" b="0"/>
+      </a:lnRef>
+      <a:fillRef idx="1">
+        <a:scrgbClr r="0" g="0" b="0"/>
+      </a:fillRef>
+      <a:effectRef idx="0">
+        <a:scrgbClr r="0" g="0" b="0"/>
+      </a:effectRef>
+      <a:fontRef idx="minor"/>
+    </dgm:style>
+  </dgm:styleLbl>
+  <dgm:styleLbl name="alignImgPlace1">
+    <dgm:scene3d>
+      <a:camera prst="orthographicFront"/>
+      <a:lightRig rig="threePt" dir="t"/>
+    </dgm:scene3d>
+    <dgm:sp3d/>
+    <dgm:txPr/>
+    <dgm:style>
+      <a:lnRef idx="2">
+        <a:scrgbClr r="0" g="0" b="0"/>
+      </a:lnRef>
+      <a:fillRef idx="1">
+        <a:scrgbClr r="0" g="0" b="0"/>
+      </a:fillRef>
+      <a:effectRef idx="0">
+        <a:scrgbClr r="0" g="0" b="0"/>
+      </a:effectRef>
+      <a:fontRef idx="minor"/>
+    </dgm:style>
+  </dgm:styleLbl>
+  <dgm:styleLbl name="bgImgPlace1">
+    <dgm:scene3d>
+      <a:camera prst="orthographicFront"/>
+      <a:lightRig rig="threePt" dir="t"/>
+    </dgm:scene3d>
+    <dgm:sp3d/>
+    <dgm:txPr/>
+    <dgm:style>
+      <a:lnRef idx="2">
+        <a:scrgbClr r="0" g="0" b="0"/>
+      </a:lnRef>
+      <a:fillRef idx="1">
+        <a:scrgbClr r="0" g="0" b="0"/>
+      </a:fillRef>
+      <a:effectRef idx="0">
+        <a:scrgbClr r="0" g="0" b="0"/>
+      </a:effectRef>
+      <a:fontRef idx="minor"/>
+    </dgm:style>
+  </dgm:styleLbl>
+  <dgm:styleLbl name="sibTrans2D1">
+    <dgm:scene3d>
+      <a:camera prst="orthographicFront"/>
+      <a:lightRig rig="threePt" dir="t"/>
+    </dgm:scene3d>
+    <dgm:sp3d/>
+    <dgm:txPr/>
+    <dgm:style>
+      <a:lnRef idx="0">
+        <a:scrgbClr r="0" g="0" b="0"/>
+      </a:lnRef>
+      <a:fillRef idx="1">
+        <a:scrgbClr r="0" g="0" b="0"/>
+      </a:fillRef>
+      <a:effectRef idx="0">
+        <a:scrgbClr r="0" g="0" b="0"/>
+      </a:effectRef>
+      <a:fontRef idx="minor">
+        <a:schemeClr val="lt1"/>
+      </a:fontRef>
+    </dgm:style>
+  </dgm:styleLbl>
+  <dgm:styleLbl name="fgSibTrans2D1">
+    <dgm:scene3d>
+      <a:camera prst="orthographicFront"/>
+      <a:lightRig rig="threePt" dir="t"/>
+    </dgm:scene3d>
+    <dgm:sp3d/>
+    <dgm:txPr/>
+    <dgm:style>
+      <a:lnRef idx="0">
+        <a:scrgbClr r="0" g="0" b="0"/>
+      </a:lnRef>
+      <a:fillRef idx="1">
+        <a:scrgbClr r="0" g="0" b="0"/>
+      </a:fillRef>
+      <a:effectRef idx="0">
+        <a:scrgbClr r="0" g="0" b="0"/>
+      </a:effectRef>
+      <a:fontRef idx="minor">
+        <a:schemeClr val="lt1"/>
+      </a:fontRef>
+    </dgm:style>
+  </dgm:styleLbl>
+  <dgm:styleLbl name="bgSibTrans2D1">
+    <dgm:scene3d>
+      <a:camera prst="orthographicFront"/>
+      <a:lightRig rig="threePt" dir="t"/>
+    </dgm:scene3d>
+    <dgm:sp3d/>
+    <dgm:txPr/>
+    <dgm:style>
+      <a:lnRef idx="0">
+        <a:scrgbClr r="0" g="0" b="0"/>
+      </a:lnRef>
+      <a:fillRef idx="1">
+        <a:scrgbClr r="0" g="0" b="0"/>
+      </a:fillRef>
+      <a:effectRef idx="0">
+        <a:scrgbClr r="0" g="0" b="0"/>
+      </a:effectRef>
+      <a:fontRef idx="minor">
+        <a:schemeClr val="lt1"/>
+      </a:fontRef>
+    </dgm:style>
+  </dgm:styleLbl>
+  <dgm:styleLbl name="sibTrans1D1">
+    <dgm:scene3d>
+      <a:camera prst="orthographicFront"/>
+      <a:lightRig rig="threePt" dir="t"/>
+    </dgm:scene3d>
+    <dgm:sp3d/>
+    <dgm:txPr/>
+    <dgm:style>
+      <a:lnRef idx="1">
+        <a:scrgbClr r="0" g="0" b="0"/>
+      </a:lnRef>
+      <a:fillRef idx="0">
+        <a:scrgbClr r="0" g="0" b="0"/>
+      </a:fillRef>
+      <a:effectRef idx="0">
+        <a:scrgbClr r="0" g="0" b="0"/>
+      </a:effectRef>
+      <a:fontRef idx="minor"/>
+    </dgm:style>
+  </dgm:styleLbl>
+  <dgm:styleLbl name="callout">
+    <dgm:scene3d>
+      <a:camera prst="orthographicFront"/>
+      <a:lightRig rig="threePt" dir="t"/>
+    </dgm:scene3d>
+    <dgm:sp3d/>
+    <dgm:txPr/>
+    <dgm:style>
+      <a:lnRef idx="2">
+        <a:scrgbClr r="0" g="0" b="0"/>
+      </a:lnRef>
+      <a:fillRef idx="1">
+        <a:scrgbClr r="0" g="0" b="0"/>
+      </a:fillRef>
+      <a:effectRef idx="0">
+        <a:scrgbClr r="0" g="0" b="0"/>
+      </a:effectRef>
+      <a:fontRef idx="minor"/>
+    </dgm:style>
+  </dgm:styleLbl>
+  <dgm:styleLbl name="asst0">
+    <dgm:scene3d>
+      <a:camera prst="orthographicFront"/>
+      <a:lightRig rig="threePt" dir="t"/>
+    </dgm:scene3d>
+    <dgm:sp3d/>
+    <dgm:txPr/>
+    <dgm:style>
+      <a:lnRef idx="2">
+        <a:scrgbClr r="0" g="0" b="0"/>
+      </a:lnRef>
+      <a:fillRef idx="1">
+        <a:scrgbClr r="0" g="0" b="0"/>
+      </a:fillRef>
+      <a:effectRef idx="0">
+        <a:scrgbClr r="0" g="0" b="0"/>
+      </a:effectRef>
+      <a:fontRef idx="minor">
+        <a:schemeClr val="lt1"/>
+      </a:fontRef>
+    </dgm:style>
+  </dgm:styleLbl>
+  <dgm:styleLbl name="asst1">
+    <dgm:scene3d>
+      <a:camera prst="orthographicFront"/>
+      <a:lightRig rig="threePt" dir="t"/>
+    </dgm:scene3d>
+    <dgm:sp3d/>
+    <dgm:txPr/>
+    <dgm:style>
+      <a:lnRef idx="2">
+        <a:scrgbClr r="0" g="0" b="0"/>
+      </a:lnRef>
+      <a:fillRef idx="1">
+        <a:scrgbClr r="0" g="0" b="0"/>
+      </a:fillRef>
+      <a:effectRef idx="0">
+        <a:scrgbClr r="0" g="0" b="0"/>
+      </a:effectRef>
+      <a:fontRef idx="minor">
+        <a:schemeClr val="lt1"/>
+      </a:fontRef>
+    </dgm:style>
+  </dgm:styleLbl>
+  <dgm:styleLbl name="asst2">
+    <dgm:scene3d>
+      <a:camera prst="orthographicFront"/>
+      <a:lightRig rig="threePt" dir="t"/>
+    </dgm:scene3d>
+    <dgm:sp3d/>
+    <dgm:txPr/>
+    <dgm:style>
+      <a:lnRef idx="2">
+        <a:scrgbClr r="0" g="0" b="0"/>
+      </a:lnRef>
+      <a:fillRef idx="1">
+        <a:scrgbClr r="0" g="0" b="0"/>
+      </a:fillRef>
+      <a:effectRef idx="0">
+        <a:scrgbClr r="0" g="0" b="0"/>
+      </a:effectRef>
+      <a:fontRef idx="minor">
+        <a:schemeClr val="lt1"/>
+      </a:fontRef>
+    </dgm:style>
+  </dgm:styleLbl>
+  <dgm:styleLbl name="asst3">
+    <dgm:scene3d>
+      <a:camera prst="orthographicFront"/>
+      <a:lightRig rig="threePt" dir="t"/>
+    </dgm:scene3d>
+    <dgm:sp3d/>
+    <dgm:txPr/>
+    <dgm:style>
+      <a:lnRef idx="2">
+        <a:scrgbClr r="0" g="0" b="0"/>
+      </a:lnRef>
+      <a:fillRef idx="1">
+        <a:scrgbClr r="0" g="0" b="0"/>
+      </a:fillRef>
+      <a:effectRef idx="0">
+        <a:scrgbClr r="0" g="0" b="0"/>
+      </a:effectRef>
+      <a:fontRef idx="minor">
+        <a:schemeClr val="lt1"/>
+      </a:fontRef>
+    </dgm:style>
+  </dgm:styleLbl>
+  <dgm:styleLbl name="asst4">
+    <dgm:scene3d>
+      <a:camera prst="orthographicFront"/>
+      <a:lightRig rig="threePt" dir="t"/>
+    </dgm:scene3d>
+    <dgm:sp3d/>
+    <dgm:txPr/>
+    <dgm:style>
+      <a:lnRef idx="2">
+        <a:scrgbClr r="0" g="0" b="0"/>
+      </a:lnRef>
+      <a:fillRef idx="1">
+        <a:scrgbClr r="0" g="0" b="0"/>
+      </a:fillRef>
+      <a:effectRef idx="0">
+        <a:scrgbClr r="0" g="0" b="0"/>
+      </a:effectRef>
+      <a:fontRef idx="minor">
+        <a:schemeClr val="lt1"/>
+      </a:fontRef>
+    </dgm:style>
+  </dgm:styleLbl>
+  <dgm:styleLbl name="parChTrans2D1">
+    <dgm:scene3d>
+      <a:camera prst="orthographicFront"/>
+      <a:lightRig rig="threePt" dir="t"/>
+    </dgm:scene3d>
+    <dgm:sp3d/>
+    <dgm:txPr/>
+    <dgm:style>
+      <a:lnRef idx="2">
+        <a:scrgbClr r="0" g="0" b="0"/>
+      </a:lnRef>
+      <a:fillRef idx="1">
+        <a:scrgbClr r="0" g="0" b="0"/>
+      </a:fillRef>
+      <a:effectRef idx="0">
+        <a:scrgbClr r="0" g="0" b="0"/>
+      </a:effectRef>
+      <a:fontRef idx="minor">
+        <a:schemeClr val="lt1"/>
+      </a:fontRef>
+    </dgm:style>
+  </dgm:styleLbl>
+  <dgm:styleLbl name="parChTrans2D2">
+    <dgm:scene3d>
+      <a:camera prst="orthographicFront"/>
+      <a:lightRig rig="threePt" dir="t"/>
+    </dgm:scene3d>
+    <dgm:sp3d/>
+    <dgm:txPr/>
+    <dgm:style>
+      <a:lnRef idx="2">
+        <a:scrgbClr r="0" g="0" b="0"/>
+      </a:lnRef>
+      <a:fillRef idx="1">
+        <a:scrgbClr r="0" g="0" b="0"/>
+      </a:fillRef>
+      <a:effectRef idx="0">
+        <a:scrgbClr r="0" g="0" b="0"/>
+      </a:effectRef>
+      <a:fontRef idx="minor">
+        <a:schemeClr val="lt1"/>
+      </a:fontRef>
+    </dgm:style>
+  </dgm:styleLbl>
+  <dgm:styleLbl name="parChTrans2D3">
+    <dgm:scene3d>
+      <a:camera prst="orthographicFront"/>
+      <a:lightRig rig="threePt" dir="t"/>
+    </dgm:scene3d>
+    <dgm:sp3d/>
+    <dgm:txPr/>
+    <dgm:style>
+      <a:lnRef idx="2">
+        <a:scrgbClr r="0" g="0" b="0"/>
+      </a:lnRef>
+      <a:fillRef idx="1">
+        <a:scrgbClr r="0" g="0" b="0"/>
+      </a:fillRef>
+      <a:effectRef idx="0">
+        <a:scrgbClr r="0" g="0" b="0"/>
+      </a:effectRef>
+      <a:fontRef idx="minor">
+        <a:schemeClr val="lt1"/>
+      </a:fontRef>
+    </dgm:style>
+  </dgm:styleLbl>
+  <dgm:styleLbl name="parChTrans2D4">
+    <dgm:scene3d>
+      <a:camera prst="orthographicFront"/>
+      <a:lightRig rig="threePt" dir="t"/>
+    </dgm:scene3d>
+    <dgm:sp3d/>
+    <dgm:txPr/>
+    <dgm:style>
+      <a:lnRef idx="2">
+        <a:scrgbClr r="0" g="0" b="0"/>
+      </a:lnRef>
+      <a:fillRef idx="1">
+        <a:scrgbClr r="0" g="0" b="0"/>
+      </a:fillRef>
+      <a:effectRef idx="0">
+        <a:scrgbClr r="0" g="0" b="0"/>
+      </a:effectRef>
+      <a:fontRef idx="minor">
+        <a:schemeClr val="lt1"/>
+      </a:fontRef>
+    </dgm:style>
+  </dgm:styleLbl>
+  <dgm:styleLbl name="parChTrans1D1">
+    <dgm:scene3d>
+      <a:camera prst="orthographicFront"/>
+      <a:lightRig rig="threePt" dir="t"/>
+    </dgm:scene3d>
+    <dgm:sp3d/>
+    <dgm:txPr/>
+    <dgm:style>
+      <a:lnRef idx="2">
+        <a:scrgbClr r="0" g="0" b="0"/>
+      </a:lnRef>
+      <a:fillRef idx="0">
+        <a:scrgbClr r="0" g="0" b="0"/>
+      </a:fillRef>
+      <a:effectRef idx="0">
+        <a:scrgbClr r="0" g="0" b="0"/>
+      </a:effectRef>
+      <a:fontRef idx="minor"/>
+    </dgm:style>
+  </dgm:styleLbl>
+  <dgm:styleLbl name="parChTrans1D2">
+    <dgm:scene3d>
+      <a:camera prst="orthographicFront"/>
+      <a:lightRig rig="threePt" dir="t"/>
+    </dgm:scene3d>
+    <dgm:sp3d/>
+    <dgm:txPr/>
+    <dgm:style>
+      <a:lnRef idx="2">
+        <a:scrgbClr r="0" g="0" b="0"/>
+      </a:lnRef>
+      <a:fillRef idx="0">
+        <a:scrgbClr r="0" g="0" b="0"/>
+      </a:fillRef>
+      <a:effectRef idx="0">
+        <a:scrgbClr r="0" g="0" b="0"/>
+      </a:effectRef>
+      <a:fontRef idx="minor"/>
+    </dgm:style>
+  </dgm:styleLbl>
+  <dgm:styleLbl name="parChTrans1D3">
+    <dgm:scene3d>
+      <a:camera prst="orthographicFront"/>
+      <a:lightRig rig="threePt" dir="t"/>
+    </dgm:scene3d>
+    <dgm:sp3d/>
+    <dgm:txPr/>
+    <dgm:style>
+      <a:lnRef idx="2">
+        <a:scrgbClr r="0" g="0" b="0"/>
+      </a:lnRef>
+      <a:fillRef idx="0">
+        <a:scrgbClr r="0" g="0" b="0"/>
+      </a:fillRef>
+      <a:effectRef idx="0">
+        <a:scrgbClr r="0" g="0" b="0"/>
+      </a:effectRef>
+      <a:fontRef idx="minor"/>
+    </dgm:style>
+  </dgm:styleLbl>
+  <dgm:styleLbl name="parChTrans1D4">
+    <dgm:scene3d>
+      <a:camera prst="orthographicFront"/>
+      <a:lightRig rig="threePt" dir="t"/>
+    </dgm:scene3d>
+    <dgm:sp3d/>
+    <dgm:txPr/>
+    <dgm:style>
+      <a:lnRef idx="2">
+        <a:scrgbClr r="0" g="0" b="0"/>
+      </a:lnRef>
+      <a:fillRef idx="0">
+        <a:scrgbClr r="0" g="0" b="0"/>
+      </a:fillRef>
+      <a:effectRef idx="0">
+        <a:scrgbClr r="0" g="0" b="0"/>
+      </a:effectRef>
+      <a:fontRef idx="minor"/>
+    </dgm:style>
+  </dgm:styleLbl>
+  <dgm:styleLbl name="fgAcc1">
+    <dgm:scene3d>
+      <a:camera prst="orthographicFront"/>
+      <a:lightRig rig="threePt" dir="t"/>
+    </dgm:scene3d>
+    <dgm:sp3d/>
+    <dgm:txPr/>
+    <dgm:style>
+      <a:lnRef idx="2">
+        <a:scrgbClr r="0" g="0" b="0"/>
+      </a:lnRef>
+      <a:fillRef idx="1">
+        <a:scrgbClr r="0" g="0" b="0"/>
+      </a:fillRef>
+      <a:effectRef idx="0">
+        <a:scrgbClr r="0" g="0" b="0"/>
+      </a:effectRef>
+      <a:fontRef idx="minor"/>
+    </dgm:style>
+  </dgm:styleLbl>
+  <dgm:styleLbl name="conFgAcc1">
+    <dgm:scene3d>
+      <a:camera prst="orthographicFront"/>
+      <a:lightRig rig="threePt" dir="t"/>
+    </dgm:scene3d>
+    <dgm:sp3d/>
+    <dgm:txPr/>
+    <dgm:style>
+      <a:lnRef idx="2">
+        <a:scrgbClr r="0" g="0" b="0"/>
+      </a:lnRef>
+      <a:fillRef idx="1">
+        <a:scrgbClr r="0" g="0" b="0"/>
+      </a:fillRef>
+      <a:effectRef idx="0">
+        <a:scrgbClr r="0" g="0" b="0"/>
+      </a:effectRef>
+      <a:fontRef idx="minor"/>
+    </dgm:style>
+  </dgm:styleLbl>
+  <dgm:styleLbl name="alignAcc1">
+    <dgm:scene3d>
+      <a:camera prst="orthographicFront"/>
+      <a:lightRig rig="threePt" dir="t"/>
+    </dgm:scene3d>
+    <dgm:sp3d/>
+    <dgm:txPr/>
+    <dgm:style>
+      <a:lnRef idx="2">
+        <a:scrgbClr r="0" g="0" b="0"/>
+      </a:lnRef>
+      <a:fillRef idx="1">
+        <a:scrgbClr r="0" g="0" b="0"/>
+      </a:fillRef>
+      <a:effectRef idx="0">
+        <a:scrgbClr r="0" g="0" b="0"/>
+      </a:effectRef>
+      <a:fontRef idx="minor"/>
+    </dgm:style>
+  </dgm:styleLbl>
+  <dgm:styleLbl name="trAlignAcc1">
+    <dgm:scene3d>
+      <a:camera prst="orthographicFront"/>
+      <a:lightRig rig="threePt" dir="t"/>
+    </dgm:scene3d>
+    <dgm:sp3d/>
+    <dgm:txPr/>
+    <dgm:style>
+      <a:lnRef idx="1">
+        <a:scrgbClr r="0" g="0" b="0"/>
+      </a:lnRef>
+      <a:fillRef idx="1">
+        <a:scrgbClr r="0" g="0" b="0"/>
+      </a:fillRef>
+      <a:effectRef idx="0">
+        <a:scrgbClr r="0" g="0" b="0"/>
+      </a:effectRef>
+      <a:fontRef idx="minor"/>
+    </dgm:style>
+  </dgm:styleLbl>
+  <dgm:styleLbl name="bgAcc1">
+    <dgm:scene3d>
+      <a:camera prst="orthographicFront"/>
+      <a:lightRig rig="threePt" dir="t"/>
+    </dgm:scene3d>
+    <dgm:sp3d/>
+    <dgm:txPr/>
+    <dgm:style>
+      <a:lnRef idx="2">
+        <a:scrgbClr r="0" g="0" b="0"/>
+      </a:lnRef>
+      <a:fillRef idx="1">
+        <a:scrgbClr r="0" g="0" b="0"/>
+      </a:fillRef>
+      <a:effectRef idx="0">
+        <a:scrgbClr r="0" g="0" b="0"/>
+      </a:effectRef>
+      <a:fontRef idx="minor"/>
+    </dgm:style>
+  </dgm:styleLbl>
+  <dgm:styleLbl name="solidFgAcc1">
+    <dgm:scene3d>
+      <a:camera prst="orthographicFront"/>
+      <a:lightRig rig="threePt" dir="t"/>
+    </dgm:scene3d>
+    <dgm:sp3d/>
+    <dgm:txPr/>
+    <dgm:style>
+      <a:lnRef idx="2">
+        <a:scrgbClr r="0" g="0" b="0"/>
+      </a:lnRef>
+      <a:fillRef idx="1">
+        <a:scrgbClr r="0" g="0" b="0"/>
+      </a:fillRef>
+      <a:effectRef idx="0">
+        <a:scrgbClr r="0" g="0" b="0"/>
+      </a:effectRef>
+      <a:fontRef idx="minor"/>
+    </dgm:style>
+  </dgm:styleLbl>
+  <dgm:styleLbl name="solidAlignAcc1">
+    <dgm:scene3d>
+      <a:camera prst="orthographicFront"/>
+      <a:lightRig rig="threePt" dir="t"/>
+    </dgm:scene3d>
+    <dgm:sp3d/>
+    <dgm:txPr/>
+    <dgm:style>
+      <a:lnRef idx="2">
+        <a:scrgbClr r="0" g="0" b="0"/>
+      </a:lnRef>
+      <a:fillRef idx="1">
+        <a:scrgbClr r="0" g="0" b="0"/>
+      </a:fillRef>
+      <a:effectRef idx="0">
+        <a:scrgbClr r="0" g="0" b="0"/>
+      </a:effectRef>
+      <a:fontRef idx="minor"/>
+    </dgm:style>
+  </dgm:styleLbl>
+  <dgm:styleLbl name="solidBgAcc1">
+    <dgm:scene3d>
+      <a:camera prst="orthographicFront"/>
+      <a:lightRig rig="threePt" dir="t"/>
+    </dgm:scene3d>
+    <dgm:sp3d/>
+    <dgm:txPr/>
+    <dgm:style>
+      <a:lnRef idx="2">
+        <a:scrgbClr r="0" g="0" b="0"/>
+      </a:lnRef>
+      <a:fillRef idx="1">
+        <a:scrgbClr r="0" g="0" b="0"/>
+      </a:fillRef>
+      <a:effectRef idx="0">
+        <a:scrgbClr r="0" g="0" b="0"/>
+      </a:effectRef>
+      <a:fontRef idx="minor"/>
+    </dgm:style>
+  </dgm:styleLbl>
+  <dgm:styleLbl name="fgAccFollowNode1">
+    <dgm:scene3d>
+      <a:camera prst="orthographicFront"/>
+      <a:lightRig rig="threePt" dir="t"/>
+    </dgm:scene3d>
+    <dgm:sp3d/>
+    <dgm:txPr/>
+    <dgm:style>
+      <a:lnRef idx="2">
+        <a:scrgbClr r="0" g="0" b="0"/>
+      </a:lnRef>
+      <a:fillRef idx="1">
+        <a:scrgbClr r="0" g="0" b="0"/>
+      </a:fillRef>
+      <a:effectRef idx="0">
+        <a:scrgbClr r="0" g="0" b="0"/>
+      </a:effectRef>
+      <a:fontRef idx="minor"/>
+    </dgm:style>
+  </dgm:styleLbl>
+  <dgm:styleLbl name="alignAccFollowNode1">
+    <dgm:scene3d>
+      <a:camera prst="orthographicFront"/>
+      <a:lightRig rig="threePt" dir="t"/>
+    </dgm:scene3d>
+    <dgm:sp3d/>
+    <dgm:txPr/>
+    <dgm:style>
+      <a:lnRef idx="2">
+        <a:scrgbClr r="0" g="0" b="0"/>
+      </a:lnRef>
+      <a:fillRef idx="1">
+        <a:scrgbClr r="0" g="0" b="0"/>
+      </a:fillRef>
+      <a:effectRef idx="0">
+        <a:scrgbClr r="0" g="0" b="0"/>
+      </a:effectRef>
+      <a:fontRef idx="minor"/>
+    </dgm:style>
+  </dgm:styleLbl>
+  <dgm:styleLbl name="bgAccFollowNode1">
+    <dgm:scene3d>
+      <a:camera prst="orthographicFront"/>
+      <a:lightRig rig="threePt" dir="t"/>
+    </dgm:scene3d>
+    <dgm:sp3d/>
+    <dgm:txPr/>
+    <dgm:style>
+      <a:lnRef idx="2">
+        <a:scrgbClr r="0" g="0" b="0"/>
+      </a:lnRef>
+      <a:fillRef idx="1">
+        <a:scrgbClr r="0" g="0" b="0"/>
+      </a:fillRef>
+      <a:effectRef idx="0">
+        <a:scrgbClr r="0" g="0" b="0"/>
+      </a:effectRef>
+      <a:fontRef idx="minor"/>
+    </dgm:style>
+  </dgm:styleLbl>
+  <dgm:styleLbl name="fgAcc0">
+    <dgm:scene3d>
+      <a:camera prst="orthographicFront"/>
+      <a:lightRig rig="threePt" dir="t"/>
+    </dgm:scene3d>
+    <dgm:sp3d/>
+    <dgm:txPr/>
+    <dgm:style>
+      <a:lnRef idx="2">
+        <a:scrgbClr r="0" g="0" b="0"/>
+      </a:lnRef>
+      <a:fillRef idx="1">
+        <a:scrgbClr r="0" g="0" b="0"/>
+      </a:fillRef>
+      <a:effectRef idx="0">
+        <a:scrgbClr r="0" g="0" b="0"/>
+      </a:effectRef>
+      <a:fontRef idx="minor"/>
+    </dgm:style>
+  </dgm:styleLbl>
+  <dgm:styleLbl name="fgAcc2">
+    <dgm:scene3d>
+      <a:camera prst="orthographicFront"/>
+      <a:lightRig rig="threePt" dir="t"/>
+    </dgm:scene3d>
+    <dgm:sp3d/>
+    <dgm:txPr/>
+    <dgm:style>
+      <a:lnRef idx="2">
+        <a:scrgbClr r="0" g="0" b="0"/>
+      </a:lnRef>
+      <a:fillRef idx="1">
+        <a:scrgbClr r="0" g="0" b="0"/>
+      </a:fillRef>
+      <a:effectRef idx="0">
+        <a:scrgbClr r="0" g="0" b="0"/>
+      </a:effectRef>
+      <a:fontRef idx="minor"/>
+    </dgm:style>
+  </dgm:styleLbl>
+  <dgm:styleLbl name="fgAcc3">
+    <dgm:scene3d>
+      <a:camera prst="orthographicFront"/>
+      <a:lightRig rig="threePt" dir="t"/>
+    </dgm:scene3d>
+    <dgm:sp3d/>
+    <dgm:txPr/>
+    <dgm:style>
+      <a:lnRef idx="2">
+        <a:scrgbClr r="0" g="0" b="0"/>
+      </a:lnRef>
+      <a:fillRef idx="1">
+        <a:scrgbClr r="0" g="0" b="0"/>
+      </a:fillRef>
+      <a:effectRef idx="0">
+        <a:scrgbClr r="0" g="0" b="0"/>
+      </a:effectRef>
+      <a:fontRef idx="minor"/>
+    </dgm:style>
+  </dgm:styleLbl>
+  <dgm:styleLbl name="fgAcc4">
+    <dgm:scene3d>
+      <a:camera prst="orthographicFront"/>
+      <a:lightRig rig="threePt" dir="t"/>
+    </dgm:scene3d>
+    <dgm:sp3d/>
+    <dgm:txPr/>
+    <dgm:style>
+      <a:lnRef idx="2">
+        <a:scrgbClr r="0" g="0" b="0"/>
+      </a:lnRef>
+      <a:fillRef idx="1">
+        <a:scrgbClr r="0" g="0" b="0"/>
+      </a:fillRef>
+      <a:effectRef idx="0">
+        <a:scrgbClr r="0" g="0" b="0"/>
+      </a:effectRef>
+      <a:fontRef idx="minor"/>
+    </dgm:style>
+  </dgm:styleLbl>
+  <dgm:styleLbl name="bgShp">
+    <dgm:scene3d>
+      <a:camera prst="orthographicFront"/>
+      <a:lightRig rig="threePt" dir="t"/>
+    </dgm:scene3d>
+    <dgm:sp3d/>
+    <dgm:txPr/>
+    <dgm:style>
+      <a:lnRef idx="0">
+        <a:scrgbClr r="0" g="0" b="0"/>
+      </a:lnRef>
+      <a:fillRef idx="1">
+        <a:scrgbClr r="0" g="0" b="0"/>
+      </a:fillRef>
+      <a:effectRef idx="0">
+        <a:scrgbClr r="0" g="0" b="0"/>
+      </a:effectRef>
+      <a:fontRef idx="minor"/>
+    </dgm:style>
+  </dgm:styleLbl>
+  <dgm:styleLbl name="dkBgShp">
+    <dgm:scene3d>
+      <a:camera prst="orthographicFront"/>
+      <a:lightRig rig="threePt" dir="t"/>
+    </dgm:scene3d>
+    <dgm:sp3d/>
+    <dgm:txPr/>
+    <dgm:style>
+      <a:lnRef idx="0">
+        <a:scrgbClr r="0" g="0" b="0"/>
+      </a:lnRef>
+      <a:fillRef idx="1">
+        <a:scrgbClr r="0" g="0" b="0"/>
+      </a:fillRef>
+      <a:effectRef idx="0">
+        <a:scrgbClr r="0" g="0" b="0"/>
+      </a:effectRef>
+      <a:fontRef idx="minor"/>
+    </dgm:style>
+  </dgm:styleLbl>
+  <dgm:styleLbl name="trBgShp">
+    <dgm:scene3d>
+      <a:camera prst="orthographicFront"/>
+      <a:lightRig rig="threePt" dir="t"/>
+    </dgm:scene3d>
+    <dgm:sp3d/>
+    <dgm:txPr/>
+    <dgm:style>
+      <a:lnRef idx="0">
+        <a:scrgbClr r="0" g="0" b="0"/>
+      </a:lnRef>
+      <a:fillRef idx="1">
+        <a:scrgbClr r="0" g="0" b="0"/>
+      </a:fillRef>
+      <a:effectRef idx="0">
+        <a:scrgbClr r="0" g="0" b="0"/>
+      </a:effectRef>
+      <a:fontRef idx="minor"/>
+    </dgm:style>
+  </dgm:styleLbl>
+  <dgm:styleLbl name="fgShp">
+    <dgm:scene3d>
+      <a:camera prst="orthographicFront"/>
+      <a:lightRig rig="threePt" dir="t"/>
+    </dgm:scene3d>
+    <dgm:sp3d/>
+    <dgm:txPr/>
+    <dgm:style>
+      <a:lnRef idx="2">
+        <a:scrgbClr r="0" g="0" b="0"/>
+      </a:lnRef>
+      <a:fillRef idx="1">
+        <a:scrgbClr r="0" g="0" b="0"/>
+      </a:fillRef>
+      <a:effectRef idx="0">
+        <a:scrgbClr r="0" g="0" b="0"/>
+      </a:effectRef>
+      <a:fontRef idx="minor"/>
+    </dgm:style>
+  </dgm:styleLbl>
+  <dgm:styleLbl name="revTx">
+    <dgm:scene3d>
+      <a:camera prst="orthographicFront"/>
+      <a:lightRig rig="threePt" dir="t"/>
+    </dgm:scene3d>
+    <dgm:sp3d/>
+    <dgm:txPr/>
+    <dgm:style>
+      <a:lnRef idx="0">
+        <a:scrgbClr r="0" g="0" b="0"/>
+      </a:lnRef>
+      <a:fillRef idx="0">
+        <a:scrgbClr r="0" g="0" b="0"/>
+      </a:fillRef>
+      <a:effectRef idx="0">
+        <a:scrgbClr r="0" g="0" b="0"/>
+      </a:effectRef>
+      <a:fontRef idx="minor"/>
+    </dgm:style>
+  </dgm:styleLbl>
+</dgm:styleDef>
 </file>
 
 <file path=ppt/slideLayouts/slideLayout1.xml><?xml version="1.0" encoding="utf-8"?>
@@ -6483,6 +10563,153 @@
             <p:ph type="title"/>
           </p:nvPr>
         </p:nvSpPr>
+        <p:spPr/>
+        <p:txBody>
+          <a:bodyPr/>
+          <a:lstStyle/>
+          <a:p>
+            <a:r>
+              <a:rPr lang="en-US" dirty="0" smtClean="0"/>
+              <a:t>Framework Components</a:t>
+            </a:r>
+            <a:endParaRPr lang="en-CA" dirty="0"/>
+          </a:p>
+        </p:txBody>
+      </p:sp>
+      <p:graphicFrame>
+        <p:nvGraphicFramePr>
+          <p:cNvPr id="6" name="Diagram 5"/>
+          <p:cNvGraphicFramePr/>
+          <p:nvPr>
+            <p:extLst>
+              <p:ext uri="{D42A27DB-BD31-4B8C-83A1-F6EECF244321}">
+                <p14:modId xmlns:p14="http://schemas.microsoft.com/office/powerpoint/2010/main" val="1841004061"/>
+              </p:ext>
+            </p:extLst>
+          </p:nvPr>
+        </p:nvGraphicFramePr>
+        <p:xfrm>
+          <a:off x="1439571" y="1365162"/>
+          <a:ext cx="9430198" cy="5004992"/>
+        </p:xfrm>
+        <a:graphic>
+          <a:graphicData uri="http://schemas.openxmlformats.org/drawingml/2006/diagram">
+            <dgm:relIds xmlns:dgm="http://schemas.openxmlformats.org/drawingml/2006/diagram" xmlns:r="http://schemas.openxmlformats.org/officeDocument/2006/relationships" r:dm="rId2" r:lo="rId3" r:qs="rId4" r:cs="rId5"/>
+          </a:graphicData>
+        </a:graphic>
+      </p:graphicFrame>
+      <p:pic>
+        <p:nvPicPr>
+          <p:cNvPr id="7" name="Picture 6"/>
+          <p:cNvPicPr>
+            <a:picLocks noChangeAspect="1"/>
+          </p:cNvPicPr>
+          <p:nvPr/>
+        </p:nvPicPr>
+        <p:blipFill>
+          <a:blip r:embed="rId7"/>
+          <a:stretch>
+            <a:fillRect/>
+          </a:stretch>
+        </p:blipFill>
+        <p:spPr>
+          <a:xfrm>
+            <a:off x="7526151" y="5555861"/>
+            <a:ext cx="4137078" cy="689513"/>
+          </a:xfrm>
+          <a:prstGeom prst="rect">
+            <a:avLst/>
+          </a:prstGeom>
+        </p:spPr>
+      </p:pic>
+      <p:pic>
+        <p:nvPicPr>
+          <p:cNvPr id="8" name="Picture 7"/>
+          <p:cNvPicPr>
+            <a:picLocks noChangeAspect="1"/>
+          </p:cNvPicPr>
+          <p:nvPr/>
+        </p:nvPicPr>
+        <p:blipFill>
+          <a:blip r:embed="rId8"/>
+          <a:stretch>
+            <a:fillRect/>
+          </a:stretch>
+        </p:blipFill>
+        <p:spPr>
+          <a:xfrm>
+            <a:off x="154547" y="6370154"/>
+            <a:ext cx="5553552" cy="308531"/>
+          </a:xfrm>
+          <a:prstGeom prst="rect">
+            <a:avLst/>
+          </a:prstGeom>
+        </p:spPr>
+      </p:pic>
+    </p:spTree>
+    <p:extLst>
+      <p:ext uri="{BB962C8B-B14F-4D97-AF65-F5344CB8AC3E}">
+        <p14:creationId xmlns:p14="http://schemas.microsoft.com/office/powerpoint/2010/main" val="3874161276"/>
+      </p:ext>
+    </p:extLst>
+  </p:cSld>
+  <p:clrMapOvr>
+    <a:masterClrMapping/>
+  </p:clrMapOvr>
+</p:sld>
+</file>
+
+<file path=ppt/slides/slide4.xml><?xml version="1.0" encoding="utf-8"?>
+<p:sld xmlns:a="http://schemas.openxmlformats.org/drawingml/2006/main" xmlns:r="http://schemas.openxmlformats.org/officeDocument/2006/relationships" xmlns:p="http://schemas.openxmlformats.org/presentationml/2006/main">
+  <p:cSld>
+    <p:spTree>
+      <p:nvGrpSpPr>
+        <p:cNvPr id="1" name=""/>
+        <p:cNvGrpSpPr/>
+        <p:nvPr/>
+      </p:nvGrpSpPr>
+      <p:grpSpPr>
+        <a:xfrm>
+          <a:off x="0" y="0"/>
+          <a:ext cx="0" cy="0"/>
+          <a:chOff x="0" y="0"/>
+          <a:chExt cx="0" cy="0"/>
+        </a:xfrm>
+      </p:grpSpPr>
+      <p:pic>
+        <p:nvPicPr>
+          <p:cNvPr id="4" name="Picture 3"/>
+          <p:cNvPicPr>
+            <a:picLocks noChangeAspect="1"/>
+          </p:cNvPicPr>
+          <p:nvPr/>
+        </p:nvPicPr>
+        <p:blipFill>
+          <a:blip r:embed="rId2"/>
+          <a:stretch>
+            <a:fillRect/>
+          </a:stretch>
+        </p:blipFill>
+        <p:spPr>
+          <a:xfrm>
+            <a:off x="795119" y="1507024"/>
+            <a:ext cx="8194335" cy="5178239"/>
+          </a:xfrm>
+          <a:prstGeom prst="rect">
+            <a:avLst/>
+          </a:prstGeom>
+        </p:spPr>
+      </p:pic>
+      <p:sp>
+        <p:nvSpPr>
+          <p:cNvPr id="5" name="Title 1"/>
+          <p:cNvSpPr>
+            <a:spLocks noGrp="1"/>
+          </p:cNvSpPr>
+          <p:nvPr>
+            <p:ph type="title"/>
+          </p:nvPr>
+        </p:nvSpPr>
         <p:spPr>
           <a:xfrm>
             <a:off x="243768" y="365926"/>
@@ -6495,7 +10722,65 @@
           <a:p>
             <a:r>
               <a:rPr lang="en-US" dirty="0" smtClean="0"/>
-              <a:t>Framework</a:t>
+              <a:t>Framework – Class Diagram</a:t>
+            </a:r>
+            <a:endParaRPr lang="en-CA" dirty="0"/>
+          </a:p>
+        </p:txBody>
+      </p:sp>
+    </p:spTree>
+    <p:extLst>
+      <p:ext uri="{BB962C8B-B14F-4D97-AF65-F5344CB8AC3E}">
+        <p14:creationId xmlns:p14="http://schemas.microsoft.com/office/powerpoint/2010/main" val="274014056"/>
+      </p:ext>
+    </p:extLst>
+  </p:cSld>
+  <p:clrMapOvr>
+    <a:masterClrMapping/>
+  </p:clrMapOvr>
+</p:sld>
+</file>
+
+<file path=ppt/slides/slide5.xml><?xml version="1.0" encoding="utf-8"?>
+<p:sld xmlns:a="http://schemas.openxmlformats.org/drawingml/2006/main" xmlns:r="http://schemas.openxmlformats.org/officeDocument/2006/relationships" xmlns:p="http://schemas.openxmlformats.org/presentationml/2006/main">
+  <p:cSld>
+    <p:spTree>
+      <p:nvGrpSpPr>
+        <p:cNvPr id="1" name=""/>
+        <p:cNvGrpSpPr/>
+        <p:nvPr/>
+      </p:nvGrpSpPr>
+      <p:grpSpPr>
+        <a:xfrm>
+          <a:off x="0" y="0"/>
+          <a:ext cx="0" cy="0"/>
+          <a:chOff x="0" y="0"/>
+          <a:chExt cx="0" cy="0"/>
+        </a:xfrm>
+      </p:grpSpPr>
+      <p:sp>
+        <p:nvSpPr>
+          <p:cNvPr id="2" name="Title 1"/>
+          <p:cNvSpPr>
+            <a:spLocks noGrp="1"/>
+          </p:cNvSpPr>
+          <p:nvPr>
+            <p:ph type="title"/>
+          </p:nvPr>
+        </p:nvSpPr>
+        <p:spPr>
+          <a:xfrm>
+            <a:off x="243768" y="365926"/>
+            <a:ext cx="9404723" cy="680821"/>
+          </a:xfrm>
+        </p:spPr>
+        <p:txBody>
+          <a:bodyPr/>
+          <a:lstStyle/>
+          <a:p>
+            <a:r>
+              <a:rPr lang="en-US" dirty="0" smtClean="0"/>
+              <a:t>Framework – Directory Structure</a:t>
             </a:r>
             <a:endParaRPr lang="en-CA" dirty="0"/>
           </a:p>
@@ -6756,7 +11041,7 @@
       </p:sp>
       <p:pic>
         <p:nvPicPr>
-          <p:cNvPr id="8" name="Picture 7"/>
+          <p:cNvPr id="9" name="Picture 8"/>
           <p:cNvPicPr>
             <a:picLocks noChangeAspect="1"/>
           </p:cNvPicPr>
@@ -6770,8 +11055,8 @@
         </p:blipFill>
         <p:spPr>
           <a:xfrm>
-            <a:off x="243768" y="1152983"/>
-            <a:ext cx="2173138" cy="2812296"/>
+            <a:off x="3765295" y="1278783"/>
+            <a:ext cx="2614401" cy="3313727"/>
           </a:xfrm>
           <a:prstGeom prst="rect">
             <a:avLst/>
@@ -6780,7 +11065,7 @@
       </p:pic>
       <p:pic>
         <p:nvPicPr>
-          <p:cNvPr id="9" name="Picture 8"/>
+          <p:cNvPr id="4" name="Picture 3"/>
           <p:cNvPicPr>
             <a:picLocks noChangeAspect="1"/>
           </p:cNvPicPr>
@@ -6794,32 +11079,8 @@
         </p:blipFill>
         <p:spPr>
           <a:xfrm>
-            <a:off x="243768" y="3965279"/>
-            <a:ext cx="2174583" cy="2756262"/>
-          </a:xfrm>
-          <a:prstGeom prst="rect">
-            <a:avLst/>
-          </a:prstGeom>
-        </p:spPr>
-      </p:pic>
-      <p:pic>
-        <p:nvPicPr>
-          <p:cNvPr id="11" name="Picture 10"/>
-          <p:cNvPicPr>
-            <a:picLocks noChangeAspect="1"/>
-          </p:cNvPicPr>
-          <p:nvPr/>
-        </p:nvPicPr>
-        <p:blipFill>
-          <a:blip r:embed="rId4"/>
-          <a:stretch>
-            <a:fillRect/>
-          </a:stretch>
-        </p:blipFill>
-        <p:spPr>
-          <a:xfrm>
-            <a:off x="3147762" y="1152983"/>
-            <a:ext cx="8591550" cy="5429250"/>
+            <a:off x="444741" y="1278783"/>
+            <a:ext cx="2799808" cy="4243265"/>
           </a:xfrm>
           <a:prstGeom prst="rect">
             <a:avLst/>
@@ -6846,203 +11107,7 @@
 </p:sld>
 </file>
 
-<file path=ppt/slides/slide4.xml><?xml version="1.0" encoding="utf-8"?>
-<p:sld xmlns:a="http://schemas.openxmlformats.org/drawingml/2006/main" xmlns:r="http://schemas.openxmlformats.org/officeDocument/2006/relationships" xmlns:p="http://schemas.openxmlformats.org/presentationml/2006/main">
-  <p:cSld>
-    <p:spTree>
-      <p:nvGrpSpPr>
-        <p:cNvPr id="1" name=""/>
-        <p:cNvGrpSpPr/>
-        <p:nvPr/>
-      </p:nvGrpSpPr>
-      <p:grpSpPr>
-        <a:xfrm>
-          <a:off x="0" y="0"/>
-          <a:ext cx="0" cy="0"/>
-          <a:chOff x="0" y="0"/>
-          <a:chExt cx="0" cy="0"/>
-        </a:xfrm>
-      </p:grpSpPr>
-      <p:sp>
-        <p:nvSpPr>
-          <p:cNvPr id="2" name="Title 1"/>
-          <p:cNvSpPr>
-            <a:spLocks noGrp="1"/>
-          </p:cNvSpPr>
-          <p:nvPr>
-            <p:ph type="title"/>
-          </p:nvPr>
-        </p:nvSpPr>
-        <p:spPr/>
-        <p:txBody>
-          <a:bodyPr/>
-          <a:lstStyle/>
-          <a:p>
-            <a:r>
-              <a:rPr lang="en-US" dirty="0" smtClean="0"/>
-              <a:t>Tools Used</a:t>
-            </a:r>
-            <a:endParaRPr lang="en-CA" dirty="0"/>
-          </a:p>
-        </p:txBody>
-      </p:sp>
-      <p:sp>
-        <p:nvSpPr>
-          <p:cNvPr id="3" name="Content Placeholder 2"/>
-          <p:cNvSpPr>
-            <a:spLocks noGrp="1"/>
-          </p:cNvSpPr>
-          <p:nvPr>
-            <p:ph idx="1"/>
-          </p:nvPr>
-        </p:nvSpPr>
-        <p:spPr>
-          <a:xfrm>
-            <a:off x="1103313" y="2052918"/>
-            <a:ext cx="3906570" cy="4195481"/>
-          </a:xfrm>
-        </p:spPr>
-        <p:txBody>
-          <a:bodyPr/>
-          <a:lstStyle/>
-          <a:p>
-            <a:r>
-              <a:rPr lang="en-US" dirty="0" smtClean="0"/>
-              <a:t>Java packages</a:t>
-            </a:r>
-            <a:endParaRPr lang="en-US" dirty="0"/>
-          </a:p>
-          <a:p>
-            <a:pPr lvl="1"/>
-            <a:r>
-              <a:rPr lang="en-US" sz="1600" dirty="0" smtClean="0"/>
-              <a:t>Rest-Assured</a:t>
-            </a:r>
-          </a:p>
-          <a:p>
-            <a:pPr lvl="1"/>
-            <a:r>
-              <a:rPr lang="en-US" sz="1600" dirty="0" smtClean="0"/>
-              <a:t>Gson</a:t>
-            </a:r>
-            <a:endParaRPr lang="en-US" sz="1600" dirty="0"/>
-          </a:p>
-          <a:p>
-            <a:pPr lvl="1"/>
-            <a:r>
-              <a:rPr lang="en-US" sz="1600" dirty="0"/>
-              <a:t>Maven, </a:t>
-            </a:r>
-          </a:p>
-          <a:p>
-            <a:pPr lvl="1"/>
-            <a:r>
-              <a:rPr lang="en-US" sz="1600" dirty="0"/>
-              <a:t>Log4j</a:t>
-            </a:r>
-          </a:p>
-          <a:p>
-            <a:pPr lvl="1"/>
-            <a:r>
-              <a:rPr lang="en-US" sz="1600" dirty="0"/>
-              <a:t>Apache POI</a:t>
-            </a:r>
-          </a:p>
-        </p:txBody>
-      </p:sp>
-      <p:pic>
-        <p:nvPicPr>
-          <p:cNvPr id="5" name="Picture 4"/>
-          <p:cNvPicPr>
-            <a:picLocks noChangeAspect="1"/>
-          </p:cNvPicPr>
-          <p:nvPr/>
-        </p:nvPicPr>
-        <p:blipFill>
-          <a:blip r:embed="rId2"/>
-          <a:stretch>
-            <a:fillRect/>
-          </a:stretch>
-        </p:blipFill>
-        <p:spPr>
-          <a:xfrm>
-            <a:off x="5447696" y="1342982"/>
-            <a:ext cx="5429250" cy="904875"/>
-          </a:xfrm>
-          <a:prstGeom prst="rect">
-            <a:avLst/>
-          </a:prstGeom>
-        </p:spPr>
-      </p:pic>
-      <p:pic>
-        <p:nvPicPr>
-          <p:cNvPr id="6" name="Picture 5"/>
-          <p:cNvPicPr>
-            <a:picLocks noChangeAspect="1"/>
-          </p:cNvPicPr>
-          <p:nvPr/>
-        </p:nvPicPr>
-        <p:blipFill>
-          <a:blip r:embed="rId3"/>
-          <a:stretch>
-            <a:fillRect/>
-          </a:stretch>
-        </p:blipFill>
-        <p:spPr>
-          <a:xfrm>
-            <a:off x="6097202" y="2642466"/>
-            <a:ext cx="4187388" cy="2370219"/>
-          </a:xfrm>
-          <a:prstGeom prst="rect">
-            <a:avLst/>
-          </a:prstGeom>
-        </p:spPr>
-      </p:pic>
-      <p:pic>
-        <p:nvPicPr>
-          <p:cNvPr id="7" name="Picture 6"/>
-          <p:cNvPicPr>
-            <a:picLocks noChangeAspect="1"/>
-          </p:cNvPicPr>
-          <p:nvPr/>
-        </p:nvPicPr>
-        <p:blipFill>
-          <a:blip r:embed="rId4"/>
-          <a:stretch>
-            <a:fillRect/>
-          </a:stretch>
-        </p:blipFill>
-        <p:spPr>
-          <a:xfrm>
-            <a:off x="5447696" y="5478380"/>
-            <a:ext cx="5486400" cy="304800"/>
-          </a:xfrm>
-          <a:prstGeom prst="rect">
-            <a:avLst/>
-          </a:prstGeom>
-        </p:spPr>
-      </p:pic>
-    </p:spTree>
-    <p:extLst>
-      <p:ext uri="{BB962C8B-B14F-4D97-AF65-F5344CB8AC3E}">
-        <p14:creationId xmlns:p14="http://schemas.microsoft.com/office/powerpoint/2010/main" val="1475868265"/>
-      </p:ext>
-    </p:extLst>
-  </p:cSld>
-  <p:clrMapOvr>
-    <a:masterClrMapping/>
-  </p:clrMapOvr>
-  <p:timing>
-    <p:tnLst>
-      <p:par>
-        <p:cTn id="1" dur="indefinite" restart="never" nodeType="tmRoot"/>
-      </p:par>
-    </p:tnLst>
-  </p:timing>
-</p:sld>
-</file>
-
-<file path=ppt/slides/slide5.xml><?xml version="1.0" encoding="utf-8"?>
+<file path=ppt/slides/slide6.xml><?xml version="1.0" encoding="utf-8"?>
 <p:sld xmlns:a="http://schemas.openxmlformats.org/drawingml/2006/main" xmlns:r="http://schemas.openxmlformats.org/officeDocument/2006/relationships" xmlns:p="http://schemas.openxmlformats.org/presentationml/2006/main">
   <p:cSld>
     <p:spTree>
@@ -7248,7 +11313,7 @@
 </p:sld>
 </file>
 
-<file path=ppt/slides/slide6.xml><?xml version="1.0" encoding="utf-8"?>
+<file path=ppt/slides/slide7.xml><?xml version="1.0" encoding="utf-8"?>
 <p:sld xmlns:a="http://schemas.openxmlformats.org/drawingml/2006/main" xmlns:r="http://schemas.openxmlformats.org/officeDocument/2006/relationships" xmlns:p="http://schemas.openxmlformats.org/presentationml/2006/main">
   <p:cSld>
     <p:spTree>
